--- a/산출물/프로젝트관리/중간발표/RestContent_v0.2.pptx
+++ b/산출물/프로젝트관리/중간발표/RestContent_v0.2.pptx
@@ -5,10 +5,10 @@
     <p:sldMasterId id="2147483648" r:id="rId1"/>
   </p:sldMasterIdLst>
   <p:notesMasterIdLst>
-    <p:notesMasterId r:id="rId32"/>
+    <p:notesMasterId r:id="rId33"/>
   </p:notesMasterIdLst>
   <p:handoutMasterIdLst>
-    <p:handoutMasterId r:id="rId33"/>
+    <p:handoutMasterId r:id="rId34"/>
   </p:handoutMasterIdLst>
   <p:sldIdLst>
     <p:sldId id="256" r:id="rId2"/>
@@ -17,30 +17,31 @@
     <p:sldId id="259" r:id="rId5"/>
     <p:sldId id="262" r:id="rId6"/>
     <p:sldId id="263" r:id="rId7"/>
-    <p:sldId id="264" r:id="rId8"/>
-    <p:sldId id="273" r:id="rId9"/>
-    <p:sldId id="274" r:id="rId10"/>
-    <p:sldId id="275" r:id="rId11"/>
-    <p:sldId id="276" r:id="rId12"/>
-    <p:sldId id="277" r:id="rId13"/>
-    <p:sldId id="278" r:id="rId14"/>
-    <p:sldId id="279" r:id="rId15"/>
-    <p:sldId id="280" r:id="rId16"/>
-    <p:sldId id="281" r:id="rId17"/>
-    <p:sldId id="267" r:id="rId18"/>
-    <p:sldId id="268" r:id="rId19"/>
-    <p:sldId id="269" r:id="rId20"/>
-    <p:sldId id="270" r:id="rId21"/>
-    <p:sldId id="271" r:id="rId22"/>
-    <p:sldId id="272" r:id="rId23"/>
-    <p:sldId id="282" r:id="rId24"/>
-    <p:sldId id="296" r:id="rId25"/>
-    <p:sldId id="297" r:id="rId26"/>
-    <p:sldId id="298" r:id="rId27"/>
-    <p:sldId id="299" r:id="rId28"/>
-    <p:sldId id="288" r:id="rId29"/>
-    <p:sldId id="294" r:id="rId30"/>
-    <p:sldId id="303" r:id="rId31"/>
+    <p:sldId id="304" r:id="rId8"/>
+    <p:sldId id="264" r:id="rId9"/>
+    <p:sldId id="273" r:id="rId10"/>
+    <p:sldId id="274" r:id="rId11"/>
+    <p:sldId id="275" r:id="rId12"/>
+    <p:sldId id="276" r:id="rId13"/>
+    <p:sldId id="277" r:id="rId14"/>
+    <p:sldId id="278" r:id="rId15"/>
+    <p:sldId id="279" r:id="rId16"/>
+    <p:sldId id="280" r:id="rId17"/>
+    <p:sldId id="281" r:id="rId18"/>
+    <p:sldId id="267" r:id="rId19"/>
+    <p:sldId id="268" r:id="rId20"/>
+    <p:sldId id="269" r:id="rId21"/>
+    <p:sldId id="270" r:id="rId22"/>
+    <p:sldId id="271" r:id="rId23"/>
+    <p:sldId id="272" r:id="rId24"/>
+    <p:sldId id="282" r:id="rId25"/>
+    <p:sldId id="296" r:id="rId26"/>
+    <p:sldId id="297" r:id="rId27"/>
+    <p:sldId id="298" r:id="rId28"/>
+    <p:sldId id="299" r:id="rId29"/>
+    <p:sldId id="288" r:id="rId30"/>
+    <p:sldId id="294" r:id="rId31"/>
+    <p:sldId id="303" r:id="rId32"/>
   </p:sldIdLst>
   <p:sldSz cx="12192000" cy="6858000"/>
   <p:notesSz cx="6858000" cy="9144000"/>
@@ -298,8 +299,11 @@
         </p15:guide>
       </p15:sldGuideLst>
     </p:ext>
+    <p:ext uri="{2D200454-40CA-4A62-9FC3-DE9A4176ACB9}">
+      <p15:notesGuideLst xmlns:p15="http://schemas.microsoft.com/office/powerpoint/2012/main"/>
+    </p:ext>
     <p:ext uri="http://customooxmlschemas.google.com/">
-      <go:slidesCustomData xmlns:go="http://customooxmlschemas.google.com/" xmlns:ahyp="http://schemas.microsoft.com/office/drawing/2018/hyperlinkcolor" xmlns:p15="http://schemas.microsoft.com/office/powerpoint/2012/main" xmlns:p14="http://schemas.microsoft.com/office/powerpoint/2010/main" xmlns:com="http://schemas.openxmlformats.org/drawingml/2006/compatibility" xmlns:pvml="urn:schemas-microsoft-com:office:powerpoint" xmlns:v="urn:schemas-microsoft-com:vml" xmlns:o="urn:schemas-microsoft-com:office:office" xmlns:dgm="http://schemas.openxmlformats.org/drawingml/2006/diagram" xmlns:c="http://schemas.openxmlformats.org/drawingml/2006/chart" xmlns:mv="urn:schemas-microsoft-com:mac:vml" xmlns:mc="http://schemas.openxmlformats.org/markup-compatibility/2006" xmlns="" r:id="rId55" roundtripDataSignature="AMtx7miszTQ7sIIJenh8R06roIPgBEzHaQ=="/>
+      <go:slidesCustomData xmlns="" xmlns:mc="http://schemas.openxmlformats.org/markup-compatibility/2006" xmlns:mv="urn:schemas-microsoft-com:mac:vml" xmlns:c="http://schemas.openxmlformats.org/drawingml/2006/chart" xmlns:dgm="http://schemas.openxmlformats.org/drawingml/2006/diagram" xmlns:o="urn:schemas-microsoft-com:office:office" xmlns:v="urn:schemas-microsoft-com:vml" xmlns:pvml="urn:schemas-microsoft-com:office:powerpoint" xmlns:com="http://schemas.openxmlformats.org/drawingml/2006/compatibility" xmlns:p14="http://schemas.microsoft.com/office/powerpoint/2010/main" xmlns:p15="http://schemas.microsoft.com/office/powerpoint/2012/main" xmlns:ahyp="http://schemas.microsoft.com/office/drawing/2018/hyperlinkcolor" xmlns:go="http://customooxmlschemas.google.com/" r:id="rId55" roundtripDataSignature="AMtx7miszTQ7sIIJenh8R06roIPgBEzHaQ=="/>
     </p:ext>
   </p:extLst>
 </p:presentation>
@@ -1044,7 +1048,7 @@
   <p:cSld>
     <p:spTree>
       <p:nvGrpSpPr>
-        <p:cNvPr id="1" name="Shape 364"/>
+        <p:cNvPr id="1" name="Shape 356"/>
         <p:cNvGrpSpPr/>
         <p:nvPr/>
       </p:nvGrpSpPr>
@@ -1058,7 +1062,7 @@
       </p:grpSpPr>
       <p:sp>
         <p:nvSpPr>
-          <p:cNvPr id="365" name="Google Shape;365;p30:notes"/>
+          <p:cNvPr id="357" name="Google Shape;357;p29:notes"/>
           <p:cNvSpPr txBox="1">
             <a:spLocks noGrp="1"/>
           </p:cNvSpPr>
@@ -1096,7 +1100,7 @@
       </p:sp>
       <p:sp>
         <p:nvSpPr>
-          <p:cNvPr id="366" name="Google Shape;366;p30:notes"/>
+          <p:cNvPr id="358" name="Google Shape;358;p29:notes"/>
           <p:cNvSpPr>
             <a:spLocks noGrp="1" noRot="1" noChangeAspect="1"/>
           </p:cNvSpPr>
@@ -1148,7 +1152,7 @@
   <p:cSld>
     <p:spTree>
       <p:nvGrpSpPr>
-        <p:cNvPr id="1" name="Shape 373"/>
+        <p:cNvPr id="1" name="Shape 364"/>
         <p:cNvGrpSpPr/>
         <p:nvPr/>
       </p:nvGrpSpPr>
@@ -1162,7 +1166,7 @@
       </p:grpSpPr>
       <p:sp>
         <p:nvSpPr>
-          <p:cNvPr id="374" name="Google Shape;374;g1f67eebd994_0_2:notes"/>
+          <p:cNvPr id="365" name="Google Shape;365;p30:notes"/>
           <p:cNvSpPr txBox="1">
             <a:spLocks noGrp="1"/>
           </p:cNvSpPr>
@@ -1200,7 +1204,7 @@
       </p:sp>
       <p:sp>
         <p:nvSpPr>
-          <p:cNvPr id="375" name="Google Shape;375;g1f67eebd994_0_2:notes"/>
+          <p:cNvPr id="366" name="Google Shape;366;p30:notes"/>
           <p:cNvSpPr>
             <a:spLocks noGrp="1" noRot="1" noChangeAspect="1"/>
           </p:cNvSpPr>
@@ -1252,7 +1256,7 @@
   <p:cSld>
     <p:spTree>
       <p:nvGrpSpPr>
-        <p:cNvPr id="1" name="Shape 382"/>
+        <p:cNvPr id="1" name="Shape 373"/>
         <p:cNvGrpSpPr/>
         <p:nvPr/>
       </p:nvGrpSpPr>
@@ -1266,7 +1270,7 @@
       </p:grpSpPr>
       <p:sp>
         <p:nvSpPr>
-          <p:cNvPr id="383" name="Google Shape;383;g1f67eebd994_0_8:notes"/>
+          <p:cNvPr id="374" name="Google Shape;374;g1f67eebd994_0_2:notes"/>
           <p:cNvSpPr txBox="1">
             <a:spLocks noGrp="1"/>
           </p:cNvSpPr>
@@ -1304,7 +1308,7 @@
       </p:sp>
       <p:sp>
         <p:nvSpPr>
-          <p:cNvPr id="384" name="Google Shape;384;g1f67eebd994_0_8:notes"/>
+          <p:cNvPr id="375" name="Google Shape;375;g1f67eebd994_0_2:notes"/>
           <p:cNvSpPr>
             <a:spLocks noGrp="1" noRot="1" noChangeAspect="1"/>
           </p:cNvSpPr>
@@ -1356,7 +1360,7 @@
   <p:cSld>
     <p:spTree>
       <p:nvGrpSpPr>
-        <p:cNvPr id="1" name="Shape 391"/>
+        <p:cNvPr id="1" name="Shape 382"/>
         <p:cNvGrpSpPr/>
         <p:nvPr/>
       </p:nvGrpSpPr>
@@ -1370,7 +1374,7 @@
       </p:grpSpPr>
       <p:sp>
         <p:nvSpPr>
-          <p:cNvPr id="392" name="Google Shape;392;g1f67eebd994_0_13:notes"/>
+          <p:cNvPr id="383" name="Google Shape;383;g1f67eebd994_0_8:notes"/>
           <p:cNvSpPr txBox="1">
             <a:spLocks noGrp="1"/>
           </p:cNvSpPr>
@@ -1408,7 +1412,7 @@
       </p:sp>
       <p:sp>
         <p:nvSpPr>
-          <p:cNvPr id="393" name="Google Shape;393;g1f67eebd994_0_13:notes"/>
+          <p:cNvPr id="384" name="Google Shape;384;g1f67eebd994_0_8:notes"/>
           <p:cNvSpPr>
             <a:spLocks noGrp="1" noRot="1" noChangeAspect="1"/>
           </p:cNvSpPr>
@@ -1460,7 +1464,7 @@
   <p:cSld>
     <p:spTree>
       <p:nvGrpSpPr>
-        <p:cNvPr id="1" name="Shape 400"/>
+        <p:cNvPr id="1" name="Shape 391"/>
         <p:cNvGrpSpPr/>
         <p:nvPr/>
       </p:nvGrpSpPr>
@@ -1474,7 +1478,7 @@
       </p:grpSpPr>
       <p:sp>
         <p:nvSpPr>
-          <p:cNvPr id="401" name="Google Shape;401;p32:notes"/>
+          <p:cNvPr id="392" name="Google Shape;392;g1f67eebd994_0_13:notes"/>
           <p:cNvSpPr txBox="1">
             <a:spLocks noGrp="1"/>
           </p:cNvSpPr>
@@ -1512,7 +1516,7 @@
       </p:sp>
       <p:sp>
         <p:nvSpPr>
-          <p:cNvPr id="402" name="Google Shape;402;p32:notes"/>
+          <p:cNvPr id="393" name="Google Shape;393;g1f67eebd994_0_13:notes"/>
           <p:cNvSpPr>
             <a:spLocks noGrp="1" noRot="1" noChangeAspect="1"/>
           </p:cNvSpPr>
@@ -1564,7 +1568,7 @@
   <p:cSld>
     <p:spTree>
       <p:nvGrpSpPr>
-        <p:cNvPr id="1" name="Shape 428"/>
+        <p:cNvPr id="1" name="Shape 400"/>
         <p:cNvGrpSpPr/>
         <p:nvPr/>
       </p:nvGrpSpPr>
@@ -1578,7 +1582,7 @@
       </p:grpSpPr>
       <p:sp>
         <p:nvSpPr>
-          <p:cNvPr id="429" name="Google Shape;429;p33:notes"/>
+          <p:cNvPr id="401" name="Google Shape;401;p32:notes"/>
           <p:cNvSpPr txBox="1">
             <a:spLocks noGrp="1"/>
           </p:cNvSpPr>
@@ -1616,7 +1620,7 @@
       </p:sp>
       <p:sp>
         <p:nvSpPr>
-          <p:cNvPr id="430" name="Google Shape;430;p33:notes"/>
+          <p:cNvPr id="402" name="Google Shape;402;p32:notes"/>
           <p:cNvSpPr>
             <a:spLocks noGrp="1" noRot="1" noChangeAspect="1"/>
           </p:cNvSpPr>
@@ -1668,7 +1672,7 @@
   <p:cSld>
     <p:spTree>
       <p:nvGrpSpPr>
-        <p:cNvPr id="1" name="Shape 451"/>
+        <p:cNvPr id="1" name="Shape 428"/>
         <p:cNvGrpSpPr/>
         <p:nvPr/>
       </p:nvGrpSpPr>
@@ -1682,7 +1686,7 @@
       </p:grpSpPr>
       <p:sp>
         <p:nvSpPr>
-          <p:cNvPr id="452" name="Google Shape;452;p36:notes"/>
+          <p:cNvPr id="429" name="Google Shape;429;p33:notes"/>
           <p:cNvSpPr txBox="1">
             <a:spLocks noGrp="1"/>
           </p:cNvSpPr>
@@ -1720,7 +1724,7 @@
       </p:sp>
       <p:sp>
         <p:nvSpPr>
-          <p:cNvPr id="453" name="Google Shape;453;p36:notes"/>
+          <p:cNvPr id="430" name="Google Shape;430;p33:notes"/>
           <p:cNvSpPr>
             <a:spLocks noGrp="1" noRot="1" noChangeAspect="1"/>
           </p:cNvSpPr>
@@ -1772,7 +1776,7 @@
   <p:cSld>
     <p:spTree>
       <p:nvGrpSpPr>
-        <p:cNvPr id="1" name="Shape 217"/>
+        <p:cNvPr id="1" name="Shape 451"/>
         <p:cNvGrpSpPr/>
         <p:nvPr/>
       </p:nvGrpSpPr>
@@ -1786,7 +1790,7 @@
       </p:grpSpPr>
       <p:sp>
         <p:nvSpPr>
-          <p:cNvPr id="218" name="Google Shape;218;p11:notes"/>
+          <p:cNvPr id="452" name="Google Shape;452;p36:notes"/>
           <p:cNvSpPr txBox="1">
             <a:spLocks noGrp="1"/>
           </p:cNvSpPr>
@@ -1824,7 +1828,7 @@
       </p:sp>
       <p:sp>
         <p:nvSpPr>
-          <p:cNvPr id="219" name="Google Shape;219;p11:notes"/>
+          <p:cNvPr id="453" name="Google Shape;453;p36:notes"/>
           <p:cNvSpPr>
             <a:spLocks noGrp="1" noRot="1" noChangeAspect="1"/>
           </p:cNvSpPr>
@@ -1876,7 +1880,7 @@
   <p:cSld>
     <p:spTree>
       <p:nvGrpSpPr>
-        <p:cNvPr id="1" name="Shape 224"/>
+        <p:cNvPr id="1" name="Shape 217"/>
         <p:cNvGrpSpPr/>
         <p:nvPr/>
       </p:nvGrpSpPr>
@@ -1890,7 +1894,7 @@
       </p:grpSpPr>
       <p:sp>
         <p:nvSpPr>
-          <p:cNvPr id="225" name="Google Shape;225;p12:notes"/>
+          <p:cNvPr id="218" name="Google Shape;218;p11:notes"/>
           <p:cNvSpPr txBox="1">
             <a:spLocks noGrp="1"/>
           </p:cNvSpPr>
@@ -1928,7 +1932,7 @@
       </p:sp>
       <p:sp>
         <p:nvSpPr>
-          <p:cNvPr id="226" name="Google Shape;226;p12:notes"/>
+          <p:cNvPr id="219" name="Google Shape;219;p11:notes"/>
           <p:cNvSpPr>
             <a:spLocks noGrp="1" noRot="1" noChangeAspect="1"/>
           </p:cNvSpPr>
@@ -1980,7 +1984,7 @@
   <p:cSld>
     <p:spTree>
       <p:nvGrpSpPr>
-        <p:cNvPr id="1" name="Shape 235"/>
+        <p:cNvPr id="1" name="Shape 224"/>
         <p:cNvGrpSpPr/>
         <p:nvPr/>
       </p:nvGrpSpPr>
@@ -1994,7 +1998,7 @@
       </p:grpSpPr>
       <p:sp>
         <p:nvSpPr>
-          <p:cNvPr id="236" name="Google Shape;236;p15:notes"/>
+          <p:cNvPr id="225" name="Google Shape;225;p12:notes"/>
           <p:cNvSpPr txBox="1">
             <a:spLocks noGrp="1"/>
           </p:cNvSpPr>
@@ -2032,7 +2036,7 @@
       </p:sp>
       <p:sp>
         <p:nvSpPr>
-          <p:cNvPr id="237" name="Google Shape;237;p15:notes"/>
+          <p:cNvPr id="226" name="Google Shape;226;p12:notes"/>
           <p:cNvSpPr>
             <a:spLocks noGrp="1" noRot="1" noChangeAspect="1"/>
           </p:cNvSpPr>
@@ -2188,7 +2192,7 @@
   <p:cSld>
     <p:spTree>
       <p:nvGrpSpPr>
-        <p:cNvPr id="1" name="Shape 274"/>
+        <p:cNvPr id="1" name="Shape 235"/>
         <p:cNvGrpSpPr/>
         <p:nvPr/>
       </p:nvGrpSpPr>
@@ -2202,7 +2206,7 @@
       </p:grpSpPr>
       <p:sp>
         <p:nvSpPr>
-          <p:cNvPr id="275" name="Google Shape;275;p13:notes"/>
+          <p:cNvPr id="236" name="Google Shape;236;p15:notes"/>
           <p:cNvSpPr txBox="1">
             <a:spLocks noGrp="1"/>
           </p:cNvSpPr>
@@ -2240,7 +2244,7 @@
       </p:sp>
       <p:sp>
         <p:nvSpPr>
-          <p:cNvPr id="276" name="Google Shape;276;p13:notes"/>
+          <p:cNvPr id="237" name="Google Shape;237;p15:notes"/>
           <p:cNvSpPr>
             <a:spLocks noGrp="1" noRot="1" noChangeAspect="1"/>
           </p:cNvSpPr>
@@ -2292,7 +2296,7 @@
   <p:cSld>
     <p:spTree>
       <p:nvGrpSpPr>
-        <p:cNvPr id="1" name="Shape 285"/>
+        <p:cNvPr id="1" name="Shape 274"/>
         <p:cNvGrpSpPr/>
         <p:nvPr/>
       </p:nvGrpSpPr>
@@ -2306,7 +2310,7 @@
       </p:grpSpPr>
       <p:sp>
         <p:nvSpPr>
-          <p:cNvPr id="286" name="Google Shape;286;p16:notes"/>
+          <p:cNvPr id="275" name="Google Shape;275;p13:notes"/>
           <p:cNvSpPr txBox="1">
             <a:spLocks noGrp="1"/>
           </p:cNvSpPr>
@@ -2344,7 +2348,7 @@
       </p:sp>
       <p:sp>
         <p:nvSpPr>
-          <p:cNvPr id="287" name="Google Shape;287;p16:notes"/>
+          <p:cNvPr id="276" name="Google Shape;276;p13:notes"/>
           <p:cNvSpPr>
             <a:spLocks noGrp="1" noRot="1" noChangeAspect="1"/>
           </p:cNvSpPr>
@@ -2396,7 +2400,7 @@
   <p:cSld>
     <p:spTree>
       <p:nvGrpSpPr>
-        <p:cNvPr id="1" name="Shape 324"/>
+        <p:cNvPr id="1" name="Shape 285"/>
         <p:cNvGrpSpPr/>
         <p:nvPr/>
       </p:nvGrpSpPr>
@@ -2410,7 +2414,7 @@
       </p:grpSpPr>
       <p:sp>
         <p:nvSpPr>
-          <p:cNvPr id="325" name="Google Shape;325;p27:notes"/>
+          <p:cNvPr id="286" name="Google Shape;286;p16:notes"/>
           <p:cNvSpPr txBox="1">
             <a:spLocks noGrp="1"/>
           </p:cNvSpPr>
@@ -2448,7 +2452,7 @@
       </p:sp>
       <p:sp>
         <p:nvSpPr>
-          <p:cNvPr id="326" name="Google Shape;326;p27:notes"/>
+          <p:cNvPr id="287" name="Google Shape;287;p16:notes"/>
           <p:cNvSpPr>
             <a:spLocks noGrp="1" noRot="1" noChangeAspect="1"/>
           </p:cNvSpPr>
@@ -2500,7 +2504,7 @@
   <p:cSld>
     <p:spTree>
       <p:nvGrpSpPr>
-        <p:cNvPr id="1" name="Shape 471"/>
+        <p:cNvPr id="1" name="Shape 324"/>
         <p:cNvGrpSpPr/>
         <p:nvPr/>
       </p:nvGrpSpPr>
@@ -2514,7 +2518,7 @@
       </p:grpSpPr>
       <p:sp>
         <p:nvSpPr>
-          <p:cNvPr id="472" name="Google Shape;472;p37:notes"/>
+          <p:cNvPr id="325" name="Google Shape;325;p27:notes"/>
           <p:cNvSpPr txBox="1">
             <a:spLocks noGrp="1"/>
           </p:cNvSpPr>
@@ -2552,7 +2556,7 @@
       </p:sp>
       <p:sp>
         <p:nvSpPr>
-          <p:cNvPr id="473" name="Google Shape;473;p37:notes"/>
+          <p:cNvPr id="326" name="Google Shape;326;p27:notes"/>
           <p:cNvSpPr>
             <a:spLocks noGrp="1" noRot="1" noChangeAspect="1"/>
           </p:cNvSpPr>
@@ -2604,7 +2608,7 @@
   <p:cSld>
     <p:spTree>
       <p:nvGrpSpPr>
-        <p:cNvPr id="1" name="Shape 723"/>
+        <p:cNvPr id="1" name="Shape 471"/>
         <p:cNvGrpSpPr/>
         <p:nvPr/>
       </p:nvGrpSpPr>
@@ -2618,7 +2622,7 @@
       </p:grpSpPr>
       <p:sp>
         <p:nvSpPr>
-          <p:cNvPr id="724" name="Google Shape;724;p56:notes"/>
+          <p:cNvPr id="472" name="Google Shape;472;p37:notes"/>
           <p:cNvSpPr txBox="1">
             <a:spLocks noGrp="1"/>
           </p:cNvSpPr>
@@ -2656,7 +2660,7 @@
       </p:sp>
       <p:sp>
         <p:nvSpPr>
-          <p:cNvPr id="725" name="Google Shape;725;p56:notes"/>
+          <p:cNvPr id="473" name="Google Shape;473;p37:notes"/>
           <p:cNvSpPr>
             <a:spLocks noGrp="1" noRot="1" noChangeAspect="1"/>
           </p:cNvSpPr>
@@ -2708,7 +2712,7 @@
   <p:cSld>
     <p:spTree>
       <p:nvGrpSpPr>
-        <p:cNvPr id="1" name="Shape 737"/>
+        <p:cNvPr id="1" name="Shape 723"/>
         <p:cNvGrpSpPr/>
         <p:nvPr/>
       </p:nvGrpSpPr>
@@ -2722,7 +2726,7 @@
       </p:grpSpPr>
       <p:sp>
         <p:nvSpPr>
-          <p:cNvPr id="738" name="Google Shape;738;p57:notes"/>
+          <p:cNvPr id="724" name="Google Shape;724;p56:notes"/>
           <p:cNvSpPr txBox="1">
             <a:spLocks noGrp="1"/>
           </p:cNvSpPr>
@@ -2760,7 +2764,7 @@
       </p:sp>
       <p:sp>
         <p:nvSpPr>
-          <p:cNvPr id="739" name="Google Shape;739;p57:notes"/>
+          <p:cNvPr id="725" name="Google Shape;725;p56:notes"/>
           <p:cNvSpPr>
             <a:spLocks noGrp="1" noRot="1" noChangeAspect="1"/>
           </p:cNvSpPr>
@@ -2812,7 +2816,7 @@
   <p:cSld>
     <p:spTree>
       <p:nvGrpSpPr>
-        <p:cNvPr id="1" name="Shape 745"/>
+        <p:cNvPr id="1" name="Shape 737"/>
         <p:cNvGrpSpPr/>
         <p:nvPr/>
       </p:nvGrpSpPr>
@@ -2826,7 +2830,7 @@
       </p:grpSpPr>
       <p:sp>
         <p:nvSpPr>
-          <p:cNvPr id="746" name="Google Shape;746;p58:notes"/>
+          <p:cNvPr id="738" name="Google Shape;738;p57:notes"/>
           <p:cNvSpPr txBox="1">
             <a:spLocks noGrp="1"/>
           </p:cNvSpPr>
@@ -2864,7 +2868,7 @@
       </p:sp>
       <p:sp>
         <p:nvSpPr>
-          <p:cNvPr id="747" name="Google Shape;747;p58:notes"/>
+          <p:cNvPr id="739" name="Google Shape;739;p57:notes"/>
           <p:cNvSpPr>
             <a:spLocks noGrp="1" noRot="1" noChangeAspect="1"/>
           </p:cNvSpPr>
@@ -2916,7 +2920,7 @@
   <p:cSld>
     <p:spTree>
       <p:nvGrpSpPr>
-        <p:cNvPr id="1" name="Shape 753"/>
+        <p:cNvPr id="1" name="Shape 745"/>
         <p:cNvGrpSpPr/>
         <p:nvPr/>
       </p:nvGrpSpPr>
@@ -2930,7 +2934,7 @@
       </p:grpSpPr>
       <p:sp>
         <p:nvSpPr>
-          <p:cNvPr id="754" name="Google Shape;754;p59:notes"/>
+          <p:cNvPr id="746" name="Google Shape;746;p58:notes"/>
           <p:cNvSpPr txBox="1">
             <a:spLocks noGrp="1"/>
           </p:cNvSpPr>
@@ -2968,7 +2972,7 @@
       </p:sp>
       <p:sp>
         <p:nvSpPr>
-          <p:cNvPr id="755" name="Google Shape;755;p59:notes"/>
+          <p:cNvPr id="747" name="Google Shape;747;p58:notes"/>
           <p:cNvSpPr>
             <a:spLocks noGrp="1" noRot="1" noChangeAspect="1"/>
           </p:cNvSpPr>
@@ -3020,7 +3024,7 @@
   <p:cSld>
     <p:spTree>
       <p:nvGrpSpPr>
-        <p:cNvPr id="1" name="Shape 553"/>
+        <p:cNvPr id="1" name="Shape 753"/>
         <p:cNvGrpSpPr/>
         <p:nvPr/>
       </p:nvGrpSpPr>
@@ -3034,7 +3038,7 @@
       </p:grpSpPr>
       <p:sp>
         <p:nvSpPr>
-          <p:cNvPr id="554" name="Google Shape;554;p48:notes"/>
+          <p:cNvPr id="754" name="Google Shape;754;p59:notes"/>
           <p:cNvSpPr txBox="1">
             <a:spLocks noGrp="1"/>
           </p:cNvSpPr>
@@ -3072,7 +3076,7 @@
       </p:sp>
       <p:sp>
         <p:nvSpPr>
-          <p:cNvPr id="555" name="Google Shape;555;p48:notes"/>
+          <p:cNvPr id="755" name="Google Shape;755;p59:notes"/>
           <p:cNvSpPr>
             <a:spLocks noGrp="1" noRot="1" noChangeAspect="1"/>
           </p:cNvSpPr>
@@ -3124,7 +3128,7 @@
   <p:cSld>
     <p:spTree>
       <p:nvGrpSpPr>
-        <p:cNvPr id="1" name="Shape 709"/>
+        <p:cNvPr id="1" name="Shape 553"/>
         <p:cNvGrpSpPr/>
         <p:nvPr/>
       </p:nvGrpSpPr>
@@ -3138,7 +3142,7 @@
       </p:grpSpPr>
       <p:sp>
         <p:nvSpPr>
-          <p:cNvPr id="710" name="Google Shape;710;g1f84e1cf16d_0_11:notes"/>
+          <p:cNvPr id="554" name="Google Shape;554;p48:notes"/>
           <p:cNvSpPr txBox="1">
             <a:spLocks noGrp="1"/>
           </p:cNvSpPr>
@@ -3176,7 +3180,7 @@
       </p:sp>
       <p:sp>
         <p:nvSpPr>
-          <p:cNvPr id="711" name="Google Shape;711;g1f84e1cf16d_0_11:notes"/>
+          <p:cNvPr id="555" name="Google Shape;555;p48:notes"/>
           <p:cNvSpPr>
             <a:spLocks noGrp="1" noRot="1" noChangeAspect="1"/>
           </p:cNvSpPr>
@@ -3332,6 +3336,110 @@
   <p:cSld>
     <p:spTree>
       <p:nvGrpSpPr>
+        <p:cNvPr id="1" name="Shape 709"/>
+        <p:cNvGrpSpPr/>
+        <p:nvPr/>
+      </p:nvGrpSpPr>
+      <p:grpSpPr>
+        <a:xfrm>
+          <a:off x="0" y="0"/>
+          <a:ext cx="0" cy="0"/>
+          <a:chOff x="0" y="0"/>
+          <a:chExt cx="0" cy="0"/>
+        </a:xfrm>
+      </p:grpSpPr>
+      <p:sp>
+        <p:nvSpPr>
+          <p:cNvPr id="710" name="Google Shape;710;g1f84e1cf16d_0_11:notes"/>
+          <p:cNvSpPr txBox="1">
+            <a:spLocks noGrp="1"/>
+          </p:cNvSpPr>
+          <p:nvPr>
+            <p:ph type="body" idx="1"/>
+          </p:nvPr>
+        </p:nvSpPr>
+        <p:spPr>
+          <a:xfrm>
+            <a:off x="685800" y="4343400"/>
+            <a:ext cx="5486400" cy="4114800"/>
+          </a:xfrm>
+          <a:prstGeom prst="rect">
+            <a:avLst/>
+          </a:prstGeom>
+        </p:spPr>
+        <p:txBody>
+          <a:bodyPr spcFirstLastPara="1" wrap="square" lIns="91425" tIns="91425" rIns="91425" bIns="91425" anchor="t" anchorCtr="0">
+            <a:noAutofit/>
+          </a:bodyPr>
+          <a:lstStyle/>
+          <a:p>
+            <a:pPr marL="0" lvl="0" indent="0" algn="l" rtl="0">
+              <a:spcBef>
+                <a:spcPts val="0"/>
+              </a:spcBef>
+              <a:spcAft>
+                <a:spcPts val="0"/>
+              </a:spcAft>
+              <a:buNone/>
+            </a:pPr>
+            <a:endParaRPr/>
+          </a:p>
+        </p:txBody>
+      </p:sp>
+      <p:sp>
+        <p:nvSpPr>
+          <p:cNvPr id="711" name="Google Shape;711;g1f84e1cf16d_0_11:notes"/>
+          <p:cNvSpPr>
+            <a:spLocks noGrp="1" noRot="1" noChangeAspect="1"/>
+          </p:cNvSpPr>
+          <p:nvPr>
+            <p:ph type="sldImg" idx="2"/>
+          </p:nvPr>
+        </p:nvSpPr>
+        <p:spPr>
+          <a:xfrm>
+            <a:off x="381000" y="685800"/>
+            <a:ext cx="6096000" cy="3429000"/>
+          </a:xfrm>
+          <a:custGeom>
+            <a:avLst/>
+            <a:gdLst/>
+            <a:ahLst/>
+            <a:cxnLst/>
+            <a:rect l="l" t="t" r="r" b="b"/>
+            <a:pathLst>
+              <a:path w="120000" h="120000" extrusionOk="0">
+                <a:moveTo>
+                  <a:pt x="0" y="0"/>
+                </a:moveTo>
+                <a:lnTo>
+                  <a:pt x="120000" y="0"/>
+                </a:lnTo>
+                <a:lnTo>
+                  <a:pt x="120000" y="120000"/>
+                </a:lnTo>
+                <a:lnTo>
+                  <a:pt x="0" y="120000"/>
+                </a:lnTo>
+                <a:close/>
+              </a:path>
+            </a:pathLst>
+          </a:custGeom>
+        </p:spPr>
+      </p:sp>
+    </p:spTree>
+  </p:cSld>
+  <p:clrMapOvr>
+    <a:masterClrMapping/>
+  </p:clrMapOvr>
+</p:notes>
+</file>
+
+<file path=ppt/notesSlides/notesSlide31.xml><?xml version="1.0" encoding="utf-8"?>
+<p:notes xmlns:a="http://schemas.openxmlformats.org/drawingml/2006/main" xmlns:r="http://schemas.openxmlformats.org/officeDocument/2006/relationships" xmlns:p="http://schemas.openxmlformats.org/presentationml/2006/main" showMasterSp="0" showMasterPhAnim="0">
+  <p:cSld>
+    <p:spTree>
+      <p:nvGrpSpPr>
         <p:cNvPr id="1" name="Shape 780"/>
         <p:cNvGrpSpPr/>
         <p:nvPr/>
@@ -3748,7 +3856,7 @@
   <p:cSld>
     <p:spTree>
       <p:nvGrpSpPr>
-        <p:cNvPr id="1" name="Shape 193"/>
+        <p:cNvPr id="1" name="Shape 184"/>
         <p:cNvGrpSpPr/>
         <p:nvPr/>
       </p:nvGrpSpPr>
@@ -3762,7 +3870,7 @@
       </p:grpSpPr>
       <p:sp>
         <p:nvSpPr>
-          <p:cNvPr id="194" name="Google Shape;194;p6:notes"/>
+          <p:cNvPr id="185" name="Google Shape;185;g1f67eebd994_9_2:notes"/>
           <p:cNvSpPr txBox="1">
             <a:spLocks noGrp="1"/>
           </p:cNvSpPr>
@@ -3800,7 +3908,7 @@
       </p:sp>
       <p:sp>
         <p:nvSpPr>
-          <p:cNvPr id="195" name="Google Shape;195;p6:notes"/>
+          <p:cNvPr id="186" name="Google Shape;186;g1f67eebd994_9_2:notes"/>
           <p:cNvSpPr>
             <a:spLocks noGrp="1" noRot="1" noChangeAspect="1"/>
           </p:cNvSpPr>
@@ -3840,6 +3948,11 @@
         </p:spPr>
       </p:sp>
     </p:spTree>
+    <p:extLst>
+      <p:ext uri="{BB962C8B-B14F-4D97-AF65-F5344CB8AC3E}">
+        <p14:creationId xmlns:p14="http://schemas.microsoft.com/office/powerpoint/2010/main" val="2752816610"/>
+      </p:ext>
+    </p:extLst>
   </p:cSld>
   <p:clrMapOvr>
     <a:masterClrMapping/>
@@ -3852,7 +3965,7 @@
   <p:cSld>
     <p:spTree>
       <p:nvGrpSpPr>
-        <p:cNvPr id="1" name="Shape 349"/>
+        <p:cNvPr id="1" name="Shape 193"/>
         <p:cNvGrpSpPr/>
         <p:nvPr/>
       </p:nvGrpSpPr>
@@ -3866,7 +3979,7 @@
       </p:grpSpPr>
       <p:sp>
         <p:nvSpPr>
-          <p:cNvPr id="350" name="Google Shape;350;p28:notes"/>
+          <p:cNvPr id="194" name="Google Shape;194;p6:notes"/>
           <p:cNvSpPr txBox="1">
             <a:spLocks noGrp="1"/>
           </p:cNvSpPr>
@@ -3904,7 +4017,7 @@
       </p:sp>
       <p:sp>
         <p:nvSpPr>
-          <p:cNvPr id="351" name="Google Shape;351;p28:notes"/>
+          <p:cNvPr id="195" name="Google Shape;195;p6:notes"/>
           <p:cNvSpPr>
             <a:spLocks noGrp="1" noRot="1" noChangeAspect="1"/>
           </p:cNvSpPr>
@@ -3956,7 +4069,7 @@
   <p:cSld>
     <p:spTree>
       <p:nvGrpSpPr>
-        <p:cNvPr id="1" name="Shape 356"/>
+        <p:cNvPr id="1" name="Shape 349"/>
         <p:cNvGrpSpPr/>
         <p:nvPr/>
       </p:nvGrpSpPr>
@@ -3970,7 +4083,7 @@
       </p:grpSpPr>
       <p:sp>
         <p:nvSpPr>
-          <p:cNvPr id="357" name="Google Shape;357;p29:notes"/>
+          <p:cNvPr id="350" name="Google Shape;350;p28:notes"/>
           <p:cNvSpPr txBox="1">
             <a:spLocks noGrp="1"/>
           </p:cNvSpPr>
@@ -4008,7 +4121,7 @@
       </p:sp>
       <p:sp>
         <p:nvSpPr>
-          <p:cNvPr id="358" name="Google Shape;358;p29:notes"/>
+          <p:cNvPr id="351" name="Google Shape;351;p28:notes"/>
           <p:cNvSpPr>
             <a:spLocks noGrp="1" noRot="1" noChangeAspect="1"/>
           </p:cNvSpPr>
@@ -7455,6 +7568,339 @@
   <p:cSld>
     <p:spTree>
       <p:nvGrpSpPr>
+        <p:cNvPr id="1" name="Shape 359"/>
+        <p:cNvGrpSpPr/>
+        <p:nvPr/>
+      </p:nvGrpSpPr>
+      <p:grpSpPr>
+        <a:xfrm>
+          <a:off x="0" y="0"/>
+          <a:ext cx="0" cy="0"/>
+          <a:chOff x="0" y="0"/>
+          <a:chExt cx="0" cy="0"/>
+        </a:xfrm>
+      </p:grpSpPr>
+      <p:pic>
+        <p:nvPicPr>
+          <p:cNvPr id="361" name="Google Shape;361;p29"/>
+          <p:cNvPicPr preferRelativeResize="0"/>
+          <p:nvPr/>
+        </p:nvPicPr>
+        <p:blipFill>
+          <a:blip r:embed="rId3">
+            <a:alphaModFix/>
+          </a:blip>
+          <a:stretch>
+            <a:fillRect/>
+          </a:stretch>
+        </p:blipFill>
+        <p:spPr>
+          <a:xfrm>
+            <a:off x="1252763" y="2491190"/>
+            <a:ext cx="2937300" cy="2937300"/>
+          </a:xfrm>
+          <a:prstGeom prst="rect">
+            <a:avLst/>
+          </a:prstGeom>
+          <a:noFill/>
+          <a:ln>
+            <a:noFill/>
+          </a:ln>
+        </p:spPr>
+      </p:pic>
+      <p:sp>
+        <p:nvSpPr>
+          <p:cNvPr id="362" name="Google Shape;362;p29"/>
+          <p:cNvSpPr txBox="1"/>
+          <p:nvPr/>
+        </p:nvSpPr>
+        <p:spPr>
+          <a:xfrm>
+            <a:off x="5665886" y="2491190"/>
+            <a:ext cx="4364233" cy="1569620"/>
+          </a:xfrm>
+          <a:prstGeom prst="rect">
+            <a:avLst/>
+          </a:prstGeom>
+          <a:noFill/>
+          <a:ln>
+            <a:noFill/>
+          </a:ln>
+        </p:spPr>
+        <p:txBody>
+          <a:bodyPr spcFirstLastPara="1" wrap="square" lIns="91425" tIns="45700" rIns="91425" bIns="45700" anchor="t" anchorCtr="0">
+            <a:spAutoFit/>
+          </a:bodyPr>
+          <a:lstStyle/>
+          <a:p>
+            <a:pPr marL="0" marR="0" lvl="0" indent="0" algn="l" rtl="0">
+              <a:lnSpc>
+                <a:spcPct val="200000"/>
+              </a:lnSpc>
+              <a:spcBef>
+                <a:spcPts val="0"/>
+              </a:spcBef>
+              <a:spcAft>
+                <a:spcPts val="0"/>
+              </a:spcAft>
+              <a:buNone/>
+            </a:pPr>
+            <a:r>
+              <a:rPr lang="ko-KR" sz="1200" dirty="0">
+                <a:solidFill>
+                  <a:srgbClr val="595959"/>
+                </a:solidFill>
+              </a:rPr>
+              <a:t>아고라는 고대 그리스 도시들에 있었던 회의 장소</a:t>
+            </a:r>
+            <a:endParaRPr sz="1200" dirty="0">
+              <a:solidFill>
+                <a:srgbClr val="595959"/>
+              </a:solidFill>
+            </a:endParaRPr>
+          </a:p>
+          <a:p>
+            <a:pPr marL="0" marR="0" lvl="0" indent="0" algn="l" rtl="0">
+              <a:lnSpc>
+                <a:spcPct val="200000"/>
+              </a:lnSpc>
+              <a:spcBef>
+                <a:spcPts val="0"/>
+              </a:spcBef>
+              <a:spcAft>
+                <a:spcPts val="0"/>
+              </a:spcAft>
+              <a:buNone/>
+            </a:pPr>
+            <a:r>
+              <a:rPr lang="ko-KR" sz="1200" dirty="0">
+                <a:solidFill>
+                  <a:srgbClr val="595959"/>
+                </a:solidFill>
+              </a:rPr>
+              <a:t>도시의 운동, 예술, 정치적인 토론의 중심지</a:t>
+            </a:r>
+            <a:endParaRPr sz="1200" dirty="0">
+              <a:solidFill>
+                <a:srgbClr val="595959"/>
+              </a:solidFill>
+            </a:endParaRPr>
+          </a:p>
+          <a:p>
+            <a:pPr marL="0" marR="0" lvl="0" indent="0" algn="l" rtl="0">
+              <a:lnSpc>
+                <a:spcPct val="200000"/>
+              </a:lnSpc>
+              <a:spcBef>
+                <a:spcPts val="0"/>
+              </a:spcBef>
+              <a:spcAft>
+                <a:spcPts val="0"/>
+              </a:spcAft>
+              <a:buNone/>
+            </a:pPr>
+            <a:r>
+              <a:rPr lang="ko-KR" sz="1200" dirty="0">
+                <a:solidFill>
+                  <a:srgbClr val="595959"/>
+                </a:solidFill>
+              </a:rPr>
+              <a:t>아고라 광장처럼 사람들이 많은 토론을 서비스에서 진행하길 바라는 마음으로 명칭</a:t>
+            </a:r>
+            <a:endParaRPr sz="1200" dirty="0">
+              <a:solidFill>
+                <a:srgbClr val="595959"/>
+              </a:solidFill>
+            </a:endParaRPr>
+          </a:p>
+        </p:txBody>
+      </p:sp>
+      <p:sp>
+        <p:nvSpPr>
+          <p:cNvPr id="363" name="Google Shape;363;p29"/>
+          <p:cNvSpPr txBox="1"/>
+          <p:nvPr/>
+        </p:nvSpPr>
+        <p:spPr>
+          <a:xfrm>
+            <a:off x="930314" y="1822690"/>
+            <a:ext cx="3643993" cy="400200"/>
+          </a:xfrm>
+          <a:prstGeom prst="rect">
+            <a:avLst/>
+          </a:prstGeom>
+          <a:noFill/>
+          <a:ln>
+            <a:noFill/>
+          </a:ln>
+        </p:spPr>
+        <p:txBody>
+          <a:bodyPr spcFirstLastPara="1" wrap="square" lIns="91425" tIns="45700" rIns="91425" bIns="45700" anchor="t" anchorCtr="0">
+            <a:spAutoFit/>
+          </a:bodyPr>
+          <a:lstStyle/>
+          <a:p>
+            <a:pPr marL="0" marR="0" lvl="0" indent="0" algn="ctr" rtl="0">
+              <a:spcBef>
+                <a:spcPts val="0"/>
+              </a:spcBef>
+              <a:spcAft>
+                <a:spcPts val="0"/>
+              </a:spcAft>
+              <a:buNone/>
+            </a:pPr>
+            <a:r>
+              <a:rPr lang="ko-KR" sz="2000">
+                <a:solidFill>
+                  <a:srgbClr val="F26640"/>
+                </a:solidFill>
+              </a:rPr>
+              <a:t>온라인 토론 플랫폼</a:t>
+            </a:r>
+            <a:endParaRPr/>
+          </a:p>
+        </p:txBody>
+      </p:sp>
+      <p:sp>
+        <p:nvSpPr>
+          <p:cNvPr id="2" name="TextBox 1">
+            <a:extLst>
+              <a:ext uri="{FF2B5EF4-FFF2-40B4-BE49-F238E27FC236}">
+                <a16:creationId xmlns:a16="http://schemas.microsoft.com/office/drawing/2014/main" id="{548F5EA8-6411-C7F8-8441-87F4A77D982F}"/>
+              </a:ext>
+            </a:extLst>
+          </p:cNvPr>
+          <p:cNvSpPr txBox="1"/>
+          <p:nvPr/>
+        </p:nvSpPr>
+        <p:spPr>
+          <a:xfrm>
+            <a:off x="2313803" y="252807"/>
+            <a:ext cx="6096000" cy="415627"/>
+          </a:xfrm>
+          <a:prstGeom prst="rect">
+            <a:avLst/>
+          </a:prstGeom>
+          <a:noFill/>
+        </p:spPr>
+        <p:txBody>
+          <a:bodyPr wrap="square" anchor="ctr">
+            <a:spAutoFit/>
+          </a:bodyPr>
+          <a:lstStyle/>
+          <a:p>
+            <a:pPr marL="0" marR="0" lvl="0" indent="0" algn="l" rtl="0">
+              <a:lnSpc>
+                <a:spcPct val="150000"/>
+              </a:lnSpc>
+              <a:spcBef>
+                <a:spcPts val="0"/>
+              </a:spcBef>
+              <a:spcAft>
+                <a:spcPts val="0"/>
+              </a:spcAft>
+              <a:buNone/>
+            </a:pPr>
+            <a:r>
+              <a:rPr lang="ko-KR" altLang="en-US" sz="1600" dirty="0">
+                <a:solidFill>
+                  <a:srgbClr val="595959"/>
+                </a:solidFill>
+              </a:rPr>
+              <a:t>서비스 명칭</a:t>
+            </a:r>
+            <a:endParaRPr lang="ko-KR" altLang="en-US" sz="1600" dirty="0">
+              <a:solidFill>
+                <a:srgbClr val="595959"/>
+              </a:solidFill>
+              <a:latin typeface="Arial"/>
+              <a:ea typeface="Arial"/>
+              <a:cs typeface="Arial"/>
+              <a:sym typeface="Arial"/>
+            </a:endParaRPr>
+          </a:p>
+        </p:txBody>
+      </p:sp>
+      <p:sp>
+        <p:nvSpPr>
+          <p:cNvPr id="3" name="TextBox 2">
+            <a:extLst>
+              <a:ext uri="{FF2B5EF4-FFF2-40B4-BE49-F238E27FC236}">
+                <a16:creationId xmlns:a16="http://schemas.microsoft.com/office/drawing/2014/main" id="{AF7394BD-99BD-FF9F-75E8-4DD537150EE3}"/>
+              </a:ext>
+            </a:extLst>
+          </p:cNvPr>
+          <p:cNvSpPr txBox="1"/>
+          <p:nvPr/>
+        </p:nvSpPr>
+        <p:spPr>
+          <a:xfrm>
+            <a:off x="323273" y="215254"/>
+            <a:ext cx="1948872" cy="496546"/>
+          </a:xfrm>
+          <a:prstGeom prst="rect">
+            <a:avLst/>
+          </a:prstGeom>
+          <a:noFill/>
+        </p:spPr>
+        <p:txBody>
+          <a:bodyPr wrap="square" anchor="ctr">
+            <a:spAutoFit/>
+          </a:bodyPr>
+          <a:lstStyle/>
+          <a:p>
+            <a:pPr marL="0" marR="0" lvl="0" indent="0" algn="l" rtl="0">
+              <a:lnSpc>
+                <a:spcPct val="150000"/>
+              </a:lnSpc>
+              <a:spcBef>
+                <a:spcPts val="0"/>
+              </a:spcBef>
+              <a:spcAft>
+                <a:spcPts val="0"/>
+              </a:spcAft>
+              <a:buNone/>
+            </a:pPr>
+            <a:r>
+              <a:rPr lang="en-US" altLang="ko-KR" sz="2000" dirty="0">
+                <a:solidFill>
+                  <a:srgbClr val="F26640"/>
+                </a:solidFill>
+                <a:latin typeface="Arial"/>
+                <a:ea typeface="Arial"/>
+                <a:cs typeface="Arial"/>
+                <a:sym typeface="Arial"/>
+              </a:rPr>
+              <a:t>02. </a:t>
+            </a:r>
+            <a:r>
+              <a:rPr lang="ko-KR" altLang="en-US" sz="2000" dirty="0">
+                <a:solidFill>
+                  <a:srgbClr val="F26640"/>
+                </a:solidFill>
+                <a:latin typeface="Arial"/>
+                <a:ea typeface="Arial"/>
+                <a:cs typeface="Arial"/>
+                <a:sym typeface="Arial"/>
+              </a:rPr>
+              <a:t>서비스 기획</a:t>
+            </a:r>
+          </a:p>
+        </p:txBody>
+      </p:sp>
+    </p:spTree>
+  </p:cSld>
+  <p:clrMapOvr>
+    <a:masterClrMapping/>
+  </p:clrMapOvr>
+</p:sld>
+</file>
+
+<file path=ppt/slides/slide11.xml><?xml version="1.0" encoding="utf-8"?>
+<p:sld xmlns:a="http://schemas.openxmlformats.org/drawingml/2006/main" xmlns:r="http://schemas.openxmlformats.org/officeDocument/2006/relationships" xmlns:p="http://schemas.openxmlformats.org/presentationml/2006/main">
+  <p:cSld>
+    <p:spTree>
+      <p:nvGrpSpPr>
         <p:cNvPr id="1" name="Shape 367"/>
         <p:cNvGrpSpPr/>
         <p:nvPr/>
@@ -7505,7 +7951,7 @@
               <a:buNone/>
             </a:pPr>
             <a:r>
-              <a:rPr lang="ko-KR" sz="1600">
+              <a:rPr lang="ko-KR" sz="1600" dirty="0">
                 <a:solidFill>
                   <a:srgbClr val="595959"/>
                 </a:solidFill>
@@ -7513,14 +7959,14 @@
               <a:t>비대면 화상 토론 시스템으로 기존 형식을 착안해</a:t>
             </a:r>
             <a:br>
-              <a:rPr lang="ko-KR" sz="1600">
+              <a:rPr lang="ko-KR" sz="1600" dirty="0">
                 <a:solidFill>
                   <a:srgbClr val="595959"/>
                 </a:solidFill>
               </a:rPr>
             </a:br>
             <a:r>
-              <a:rPr lang="ko-KR" sz="1600">
+              <a:rPr lang="ko-KR" sz="1600" dirty="0">
                 <a:solidFill>
                   <a:srgbClr val="595959"/>
                 </a:solidFill>
@@ -7528,21 +7974,21 @@
               <a:t>팀 단위로 화면에 나눠서 배치함으로써</a:t>
             </a:r>
             <a:br>
-              <a:rPr lang="ko-KR" sz="1600">
+              <a:rPr lang="ko-KR" sz="1600" dirty="0">
                 <a:solidFill>
                   <a:srgbClr val="595959"/>
                 </a:solidFill>
               </a:rPr>
             </a:br>
             <a:r>
-              <a:rPr lang="ko-KR" sz="1600">
+              <a:rPr lang="ko-KR" sz="1600" dirty="0">
                 <a:solidFill>
                   <a:srgbClr val="595959"/>
                 </a:solidFill>
               </a:rPr>
               <a:t>좀 더 생동감 있는 토론 분위기를 조성</a:t>
             </a:r>
-            <a:endParaRPr sz="1600">
+            <a:endParaRPr sz="1600" dirty="0">
               <a:solidFill>
                 <a:srgbClr val="595959"/>
               </a:solidFill>
@@ -7817,7 +8263,7 @@
 </p:sld>
 </file>
 
-<file path=ppt/slides/slide11.xml><?xml version="1.0" encoding="utf-8"?>
+<file path=ppt/slides/slide12.xml><?xml version="1.0" encoding="utf-8"?>
 <p:sld xmlns:a="http://schemas.openxmlformats.org/drawingml/2006/main" xmlns:r="http://schemas.openxmlformats.org/officeDocument/2006/relationships" xmlns:p="http://schemas.openxmlformats.org/presentationml/2006/main">
   <p:cSld>
     <p:spTree>
@@ -8183,7 +8629,7 @@
 </p:sld>
 </file>
 
-<file path=ppt/slides/slide12.xml><?xml version="1.0" encoding="utf-8"?>
+<file path=ppt/slides/slide13.xml><?xml version="1.0" encoding="utf-8"?>
 <p:sld xmlns:a="http://schemas.openxmlformats.org/drawingml/2006/main" xmlns:r="http://schemas.openxmlformats.org/officeDocument/2006/relationships" xmlns:p="http://schemas.openxmlformats.org/presentationml/2006/main">
   <p:cSld>
     <p:spTree>
@@ -8550,7 +8996,7 @@
 </p:sld>
 </file>
 
-<file path=ppt/slides/slide13.xml><?xml version="1.0" encoding="utf-8"?>
+<file path=ppt/slides/slide14.xml><?xml version="1.0" encoding="utf-8"?>
 <p:sld xmlns:a="http://schemas.openxmlformats.org/drawingml/2006/main" xmlns:r="http://schemas.openxmlformats.org/officeDocument/2006/relationships" xmlns:p="http://schemas.openxmlformats.org/presentationml/2006/main">
   <p:cSld>
     <p:spTree>
@@ -8929,7 +9375,7 @@
 </p:sld>
 </file>
 
-<file path=ppt/slides/slide14.xml><?xml version="1.0" encoding="utf-8"?>
+<file path=ppt/slides/slide15.xml><?xml version="1.0" encoding="utf-8"?>
 <p:sld xmlns:a="http://schemas.openxmlformats.org/drawingml/2006/main" xmlns:r="http://schemas.openxmlformats.org/officeDocument/2006/relationships" xmlns:p="http://schemas.openxmlformats.org/presentationml/2006/main">
   <p:cSld>
     <p:spTree>
@@ -10379,7 +10825,7 @@
 </p:sld>
 </file>
 
-<file path=ppt/slides/slide15.xml><?xml version="1.0" encoding="utf-8"?>
+<file path=ppt/slides/slide16.xml><?xml version="1.0" encoding="utf-8"?>
 <p:sld xmlns:a="http://schemas.openxmlformats.org/drawingml/2006/main" xmlns:r="http://schemas.openxmlformats.org/officeDocument/2006/relationships" xmlns:p="http://schemas.openxmlformats.org/presentationml/2006/main">
   <p:cSld>
     <p:spTree>
@@ -11690,7 +12136,7 @@
 </p:sld>
 </file>
 
-<file path=ppt/slides/slide16.xml><?xml version="1.0" encoding="utf-8"?>
+<file path=ppt/slides/slide17.xml><?xml version="1.0" encoding="utf-8"?>
 <p:sld xmlns:a="http://schemas.openxmlformats.org/drawingml/2006/main" xmlns:r="http://schemas.openxmlformats.org/officeDocument/2006/relationships" xmlns:p="http://schemas.openxmlformats.org/presentationml/2006/main">
   <p:cSld>
     <p:spTree>
@@ -12623,7 +13069,7 @@
 </p:sld>
 </file>
 
-<file path=ppt/slides/slide17.xml><?xml version="1.0" encoding="utf-8"?>
+<file path=ppt/slides/slide18.xml><?xml version="1.0" encoding="utf-8"?>
 <p:sld xmlns:a="http://schemas.openxmlformats.org/drawingml/2006/main" xmlns:r="http://schemas.openxmlformats.org/officeDocument/2006/relationships" xmlns:p="http://schemas.openxmlformats.org/presentationml/2006/main">
   <p:cSld>
     <p:spTree>
@@ -12836,7 +13282,7 @@
 </p:sld>
 </file>
 
-<file path=ppt/slides/slide18.xml><?xml version="1.0" encoding="utf-8"?>
+<file path=ppt/slides/slide19.xml><?xml version="1.0" encoding="utf-8"?>
 <p:sld xmlns:a="http://schemas.openxmlformats.org/drawingml/2006/main" xmlns:r="http://schemas.openxmlformats.org/officeDocument/2006/relationships" xmlns:p="http://schemas.openxmlformats.org/presentationml/2006/main">
   <p:cSld>
     <p:spTree>
@@ -13801,1660 +14247,6 @@
               <a:t> 토론을 진행하고, 자체 평가도 할 수 있는 토론 서비스를 제공한다.</a:t>
             </a:r>
             <a:endParaRPr lang="ko-KR" altLang="en-US" dirty="0"/>
-          </a:p>
-        </p:txBody>
-      </p:sp>
-    </p:spTree>
-  </p:cSld>
-  <p:clrMapOvr>
-    <a:masterClrMapping/>
-  </p:clrMapOvr>
-</p:sld>
-</file>
-
-<file path=ppt/slides/slide19.xml><?xml version="1.0" encoding="utf-8"?>
-<p:sld xmlns:a="http://schemas.openxmlformats.org/drawingml/2006/main" xmlns:r="http://schemas.openxmlformats.org/officeDocument/2006/relationships" xmlns:p="http://schemas.openxmlformats.org/presentationml/2006/main">
-  <p:cSld>
-    <p:spTree>
-      <p:nvGrpSpPr>
-        <p:cNvPr id="1" name="Shape 238"/>
-        <p:cNvGrpSpPr/>
-        <p:nvPr/>
-      </p:nvGrpSpPr>
-      <p:grpSpPr>
-        <a:xfrm>
-          <a:off x="0" y="0"/>
-          <a:ext cx="0" cy="0"/>
-          <a:chOff x="0" y="0"/>
-          <a:chExt cx="0" cy="0"/>
-        </a:xfrm>
-      </p:grpSpPr>
-      <p:sp>
-        <p:nvSpPr>
-          <p:cNvPr id="239" name="Google Shape;239;p15"/>
-          <p:cNvSpPr/>
-          <p:nvPr/>
-        </p:nvSpPr>
-        <p:spPr>
-          <a:xfrm>
-            <a:off x="2387589" y="2344930"/>
-            <a:ext cx="1744809" cy="288032"/>
-          </a:xfrm>
-          <a:prstGeom prst="rect">
-            <a:avLst/>
-          </a:prstGeom>
-          <a:solidFill>
-            <a:srgbClr val="F2F2F2"/>
-          </a:solidFill>
-          <a:ln>
-            <a:noFill/>
-          </a:ln>
-        </p:spPr>
-        <p:txBody>
-          <a:bodyPr spcFirstLastPara="1" wrap="square" lIns="91425" tIns="45700" rIns="91425" bIns="45700" anchor="ctr" anchorCtr="0">
-            <a:noAutofit/>
-          </a:bodyPr>
-          <a:lstStyle/>
-          <a:p>
-            <a:pPr marL="0" marR="0" lvl="0" indent="0" algn="ctr" rtl="0">
-              <a:spcBef>
-                <a:spcPts val="0"/>
-              </a:spcBef>
-              <a:spcAft>
-                <a:spcPts val="0"/>
-              </a:spcAft>
-              <a:buNone/>
-            </a:pPr>
-            <a:endParaRPr sz="1800">
-              <a:solidFill>
-                <a:schemeClr val="lt1"/>
-              </a:solidFill>
-              <a:latin typeface="Malgun Gothic"/>
-              <a:ea typeface="Malgun Gothic"/>
-              <a:cs typeface="Malgun Gothic"/>
-              <a:sym typeface="Malgun Gothic"/>
-            </a:endParaRPr>
-          </a:p>
-        </p:txBody>
-      </p:sp>
-      <p:sp>
-        <p:nvSpPr>
-          <p:cNvPr id="240" name="Google Shape;240;p15"/>
-          <p:cNvSpPr/>
-          <p:nvPr/>
-        </p:nvSpPr>
-        <p:spPr>
-          <a:xfrm>
-            <a:off x="4164709" y="2344930"/>
-            <a:ext cx="3974288" cy="288032"/>
-          </a:xfrm>
-          <a:prstGeom prst="rect">
-            <a:avLst/>
-          </a:prstGeom>
-          <a:solidFill>
-            <a:srgbClr val="D8D8D8"/>
-          </a:solidFill>
-          <a:ln>
-            <a:noFill/>
-          </a:ln>
-        </p:spPr>
-        <p:txBody>
-          <a:bodyPr spcFirstLastPara="1" wrap="square" lIns="91425" tIns="45700" rIns="91425" bIns="45700" anchor="ctr" anchorCtr="0">
-            <a:noAutofit/>
-          </a:bodyPr>
-          <a:lstStyle/>
-          <a:p>
-            <a:pPr marL="0" marR="0" lvl="0" indent="0" algn="ctr" rtl="0">
-              <a:spcBef>
-                <a:spcPts val="0"/>
-              </a:spcBef>
-              <a:spcAft>
-                <a:spcPts val="0"/>
-              </a:spcAft>
-              <a:buNone/>
-            </a:pPr>
-            <a:endParaRPr sz="1800">
-              <a:solidFill>
-                <a:schemeClr val="lt1"/>
-              </a:solidFill>
-              <a:latin typeface="Malgun Gothic"/>
-              <a:ea typeface="Malgun Gothic"/>
-              <a:cs typeface="Malgun Gothic"/>
-              <a:sym typeface="Malgun Gothic"/>
-            </a:endParaRPr>
-          </a:p>
-        </p:txBody>
-      </p:sp>
-      <p:sp>
-        <p:nvSpPr>
-          <p:cNvPr id="241" name="Google Shape;241;p15"/>
-          <p:cNvSpPr/>
-          <p:nvPr/>
-        </p:nvSpPr>
-        <p:spPr>
-          <a:xfrm>
-            <a:off x="8170065" y="2344930"/>
-            <a:ext cx="1744809" cy="288032"/>
-          </a:xfrm>
-          <a:prstGeom prst="rect">
-            <a:avLst/>
-          </a:prstGeom>
-          <a:solidFill>
-            <a:srgbClr val="A5A5A5"/>
-          </a:solidFill>
-          <a:ln>
-            <a:noFill/>
-          </a:ln>
-        </p:spPr>
-        <p:txBody>
-          <a:bodyPr spcFirstLastPara="1" wrap="square" lIns="91425" tIns="45700" rIns="91425" bIns="45700" anchor="ctr" anchorCtr="0">
-            <a:noAutofit/>
-          </a:bodyPr>
-          <a:lstStyle/>
-          <a:p>
-            <a:pPr marL="0" marR="0" lvl="0" indent="0" algn="ctr" rtl="0">
-              <a:spcBef>
-                <a:spcPts val="0"/>
-              </a:spcBef>
-              <a:spcAft>
-                <a:spcPts val="0"/>
-              </a:spcAft>
-              <a:buNone/>
-            </a:pPr>
-            <a:endParaRPr sz="1800">
-              <a:solidFill>
-                <a:schemeClr val="lt1"/>
-              </a:solidFill>
-              <a:latin typeface="Malgun Gothic"/>
-              <a:ea typeface="Malgun Gothic"/>
-              <a:cs typeface="Malgun Gothic"/>
-              <a:sym typeface="Malgun Gothic"/>
-            </a:endParaRPr>
-          </a:p>
-        </p:txBody>
-      </p:sp>
-      <p:sp>
-        <p:nvSpPr>
-          <p:cNvPr id="242" name="Google Shape;242;p15"/>
-          <p:cNvSpPr txBox="1"/>
-          <p:nvPr/>
-        </p:nvSpPr>
-        <p:spPr>
-          <a:xfrm>
-            <a:off x="2753798" y="2298293"/>
-            <a:ext cx="7194631" cy="348430"/>
-          </a:xfrm>
-          <a:prstGeom prst="rect">
-            <a:avLst/>
-          </a:prstGeom>
-          <a:noFill/>
-          <a:ln>
-            <a:noFill/>
-          </a:ln>
-        </p:spPr>
-        <p:txBody>
-          <a:bodyPr spcFirstLastPara="1" wrap="square" lIns="90000" tIns="46800" rIns="90000" bIns="46800" anchor="t" anchorCtr="0">
-            <a:spAutoFit/>
-          </a:bodyPr>
-          <a:lstStyle/>
-          <a:p>
-            <a:pPr marL="228600" marR="0" lvl="0" indent="-228600" algn="l" rtl="0">
-              <a:lnSpc>
-                <a:spcPct val="150000"/>
-              </a:lnSpc>
-              <a:spcBef>
-                <a:spcPts val="0"/>
-              </a:spcBef>
-              <a:spcAft>
-                <a:spcPts val="0"/>
-              </a:spcAft>
-              <a:buNone/>
-            </a:pPr>
-            <a:r>
-              <a:rPr lang="ko-KR" sz="1100">
-                <a:solidFill>
-                  <a:schemeClr val="dk1"/>
-                </a:solidFill>
-                <a:latin typeface="Malgun Gothic"/>
-                <a:ea typeface="Malgun Gothic"/>
-                <a:cs typeface="Malgun Gothic"/>
-                <a:sym typeface="Malgun Gothic"/>
-              </a:rPr>
-              <a:t>서비스 이용 전                                                       서비스 이용 중                                                         서비스 이용 후</a:t>
-            </a:r>
-            <a:endParaRPr sz="1100">
-              <a:solidFill>
-                <a:schemeClr val="dk1"/>
-              </a:solidFill>
-              <a:latin typeface="Malgun Gothic"/>
-              <a:ea typeface="Malgun Gothic"/>
-              <a:cs typeface="Malgun Gothic"/>
-              <a:sym typeface="Malgun Gothic"/>
-            </a:endParaRPr>
-          </a:p>
-        </p:txBody>
-      </p:sp>
-      <p:cxnSp>
-        <p:nvCxnSpPr>
-          <p:cNvPr id="243" name="Google Shape;243;p15"/>
-          <p:cNvCxnSpPr/>
-          <p:nvPr/>
-        </p:nvCxnSpPr>
-        <p:spPr>
-          <a:xfrm>
-            <a:off x="2387588" y="3522429"/>
-            <a:ext cx="7560840" cy="0"/>
-          </a:xfrm>
-          <a:prstGeom prst="straightConnector1">
-            <a:avLst/>
-          </a:prstGeom>
-          <a:noFill/>
-          <a:ln w="9525" cap="flat" cmpd="sng">
-            <a:solidFill>
-              <a:srgbClr val="A5A5A5"/>
-            </a:solidFill>
-            <a:prstDash val="dash"/>
-            <a:miter lim="800000"/>
-            <a:headEnd type="none" w="sm" len="sm"/>
-            <a:tailEnd type="none" w="sm" len="sm"/>
-          </a:ln>
-        </p:spPr>
-      </p:cxnSp>
-      <p:cxnSp>
-        <p:nvCxnSpPr>
-          <p:cNvPr id="244" name="Google Shape;244;p15"/>
-          <p:cNvCxnSpPr/>
-          <p:nvPr/>
-        </p:nvCxnSpPr>
-        <p:spPr>
-          <a:xfrm>
-            <a:off x="2387588" y="5585144"/>
-            <a:ext cx="7560840" cy="0"/>
-          </a:xfrm>
-          <a:prstGeom prst="straightConnector1">
-            <a:avLst/>
-          </a:prstGeom>
-          <a:noFill/>
-          <a:ln w="9525" cap="flat" cmpd="sng">
-            <a:solidFill>
-              <a:srgbClr val="A5A5A5"/>
-            </a:solidFill>
-            <a:prstDash val="dash"/>
-            <a:miter lim="800000"/>
-            <a:headEnd type="none" w="sm" len="sm"/>
-            <a:tailEnd type="none" w="sm" len="sm"/>
-          </a:ln>
-        </p:spPr>
-      </p:cxnSp>
-      <p:cxnSp>
-        <p:nvCxnSpPr>
-          <p:cNvPr id="245" name="Google Shape;245;p15"/>
-          <p:cNvCxnSpPr/>
-          <p:nvPr/>
-        </p:nvCxnSpPr>
-        <p:spPr>
-          <a:xfrm>
-            <a:off x="2387588" y="4600460"/>
-            <a:ext cx="7560840" cy="0"/>
-          </a:xfrm>
-          <a:prstGeom prst="straightConnector1">
-            <a:avLst/>
-          </a:prstGeom>
-          <a:noFill/>
-          <a:ln w="9525" cap="flat" cmpd="sng">
-            <a:solidFill>
-              <a:srgbClr val="A5A5A5"/>
-            </a:solidFill>
-            <a:prstDash val="dash"/>
-            <a:miter lim="800000"/>
-            <a:headEnd type="none" w="sm" len="sm"/>
-            <a:tailEnd type="none" w="sm" len="sm"/>
-          </a:ln>
-        </p:spPr>
-      </p:cxnSp>
-      <p:pic>
-        <p:nvPicPr>
-          <p:cNvPr id="246" name="Google Shape;246;p15"/>
-          <p:cNvPicPr preferRelativeResize="0"/>
-          <p:nvPr/>
-        </p:nvPicPr>
-        <p:blipFill rotWithShape="1">
-          <a:blip r:embed="rId3">
-            <a:alphaModFix/>
-          </a:blip>
-          <a:srcRect/>
-          <a:stretch/>
-        </p:blipFill>
-        <p:spPr>
-          <a:xfrm>
-            <a:off x="1812032" y="3306405"/>
-            <a:ext cx="431540" cy="425002"/>
-          </a:xfrm>
-          <a:prstGeom prst="rect">
-            <a:avLst/>
-          </a:prstGeom>
-          <a:noFill/>
-          <a:ln>
-            <a:noFill/>
-          </a:ln>
-        </p:spPr>
-      </p:pic>
-      <p:pic>
-        <p:nvPicPr>
-          <p:cNvPr id="247" name="Google Shape;247;p15"/>
-          <p:cNvPicPr preferRelativeResize="0"/>
-          <p:nvPr/>
-        </p:nvPicPr>
-        <p:blipFill rotWithShape="1">
-          <a:blip r:embed="rId4">
-            <a:alphaModFix/>
-          </a:blip>
-          <a:srcRect/>
-          <a:stretch/>
-        </p:blipFill>
-        <p:spPr>
-          <a:xfrm>
-            <a:off x="1812032" y="4386525"/>
-            <a:ext cx="431540" cy="425002"/>
-          </a:xfrm>
-          <a:prstGeom prst="rect">
-            <a:avLst/>
-          </a:prstGeom>
-          <a:noFill/>
-          <a:ln>
-            <a:noFill/>
-          </a:ln>
-        </p:spPr>
-      </p:pic>
-      <p:pic>
-        <p:nvPicPr>
-          <p:cNvPr id="248" name="Google Shape;248;p15"/>
-          <p:cNvPicPr preferRelativeResize="0"/>
-          <p:nvPr/>
-        </p:nvPicPr>
-        <p:blipFill rotWithShape="1">
-          <a:blip r:embed="rId5">
-            <a:alphaModFix/>
-          </a:blip>
-          <a:srcRect/>
-          <a:stretch/>
-        </p:blipFill>
-        <p:spPr>
-          <a:xfrm>
-            <a:off x="1812032" y="5394637"/>
-            <a:ext cx="431540" cy="425002"/>
-          </a:xfrm>
-          <a:prstGeom prst="rect">
-            <a:avLst/>
-          </a:prstGeom>
-          <a:noFill/>
-          <a:ln>
-            <a:noFill/>
-          </a:ln>
-        </p:spPr>
-      </p:pic>
-      <p:sp>
-        <p:nvSpPr>
-          <p:cNvPr id="249" name="Google Shape;249;p15"/>
-          <p:cNvSpPr/>
-          <p:nvPr/>
-        </p:nvSpPr>
-        <p:spPr>
-          <a:xfrm>
-            <a:off x="2387589" y="1474177"/>
-            <a:ext cx="1744810" cy="824116"/>
-          </a:xfrm>
-          <a:prstGeom prst="roundRect">
-            <a:avLst>
-              <a:gd name="adj" fmla="val 16667"/>
-            </a:avLst>
-          </a:prstGeom>
-          <a:noFill/>
-          <a:ln w="12700" cap="flat" cmpd="sng">
-            <a:solidFill>
-              <a:srgbClr val="F26640"/>
-            </a:solidFill>
-            <a:prstDash val="dash"/>
-            <a:miter lim="800000"/>
-            <a:headEnd type="none" w="sm" len="sm"/>
-            <a:tailEnd type="none" w="sm" len="sm"/>
-          </a:ln>
-        </p:spPr>
-        <p:txBody>
-          <a:bodyPr spcFirstLastPara="1" wrap="square" lIns="91425" tIns="45700" rIns="91425" bIns="45700" anchor="ctr" anchorCtr="0">
-            <a:noAutofit/>
-          </a:bodyPr>
-          <a:lstStyle/>
-          <a:p>
-            <a:pPr marL="0" marR="0" lvl="0" indent="0" algn="ctr" rtl="0">
-              <a:spcBef>
-                <a:spcPts val="0"/>
-              </a:spcBef>
-              <a:spcAft>
-                <a:spcPts val="0"/>
-              </a:spcAft>
-              <a:buNone/>
-            </a:pPr>
-            <a:endParaRPr sz="1800">
-              <a:solidFill>
-                <a:schemeClr val="lt1"/>
-              </a:solidFill>
-              <a:latin typeface="Malgun Gothic"/>
-              <a:ea typeface="Malgun Gothic"/>
-              <a:cs typeface="Malgun Gothic"/>
-              <a:sym typeface="Malgun Gothic"/>
-            </a:endParaRPr>
-          </a:p>
-        </p:txBody>
-      </p:sp>
-      <p:sp>
-        <p:nvSpPr>
-          <p:cNvPr id="250" name="Google Shape;250;p15"/>
-          <p:cNvSpPr/>
-          <p:nvPr/>
-        </p:nvSpPr>
-        <p:spPr>
-          <a:xfrm>
-            <a:off x="4164710" y="1474177"/>
-            <a:ext cx="3974288" cy="824116"/>
-          </a:xfrm>
-          <a:prstGeom prst="roundRect">
-            <a:avLst>
-              <a:gd name="adj" fmla="val 16667"/>
-            </a:avLst>
-          </a:prstGeom>
-          <a:noFill/>
-          <a:ln w="12700" cap="flat" cmpd="sng">
-            <a:solidFill>
-              <a:srgbClr val="F26640"/>
-            </a:solidFill>
-            <a:prstDash val="dash"/>
-            <a:miter lim="800000"/>
-            <a:headEnd type="none" w="sm" len="sm"/>
-            <a:tailEnd type="none" w="sm" len="sm"/>
-          </a:ln>
-        </p:spPr>
-        <p:txBody>
-          <a:bodyPr spcFirstLastPara="1" wrap="square" lIns="91425" tIns="45700" rIns="91425" bIns="45700" anchor="ctr" anchorCtr="0">
-            <a:noAutofit/>
-          </a:bodyPr>
-          <a:lstStyle/>
-          <a:p>
-            <a:pPr marL="0" marR="0" lvl="0" indent="0" algn="ctr" rtl="0">
-              <a:spcBef>
-                <a:spcPts val="0"/>
-              </a:spcBef>
-              <a:spcAft>
-                <a:spcPts val="0"/>
-              </a:spcAft>
-              <a:buNone/>
-            </a:pPr>
-            <a:endParaRPr sz="1800">
-              <a:solidFill>
-                <a:schemeClr val="lt1"/>
-              </a:solidFill>
-              <a:latin typeface="Malgun Gothic"/>
-              <a:ea typeface="Malgun Gothic"/>
-              <a:cs typeface="Malgun Gothic"/>
-              <a:sym typeface="Malgun Gothic"/>
-            </a:endParaRPr>
-          </a:p>
-        </p:txBody>
-      </p:sp>
-      <p:sp>
-        <p:nvSpPr>
-          <p:cNvPr id="251" name="Google Shape;251;p15"/>
-          <p:cNvSpPr/>
-          <p:nvPr/>
-        </p:nvSpPr>
-        <p:spPr>
-          <a:xfrm>
-            <a:off x="8170065" y="1474177"/>
-            <a:ext cx="1744810" cy="824116"/>
-          </a:xfrm>
-          <a:prstGeom prst="roundRect">
-            <a:avLst>
-              <a:gd name="adj" fmla="val 16667"/>
-            </a:avLst>
-          </a:prstGeom>
-          <a:noFill/>
-          <a:ln w="12700" cap="flat" cmpd="sng">
-            <a:solidFill>
-              <a:srgbClr val="F26640"/>
-            </a:solidFill>
-            <a:prstDash val="dash"/>
-            <a:miter lim="800000"/>
-            <a:headEnd type="none" w="sm" len="sm"/>
-            <a:tailEnd type="none" w="sm" len="sm"/>
-          </a:ln>
-        </p:spPr>
-        <p:txBody>
-          <a:bodyPr spcFirstLastPara="1" wrap="square" lIns="91425" tIns="45700" rIns="91425" bIns="45700" anchor="ctr" anchorCtr="0">
-            <a:noAutofit/>
-          </a:bodyPr>
-          <a:lstStyle/>
-          <a:p>
-            <a:pPr marL="0" marR="0" lvl="0" indent="0" algn="ctr" rtl="0">
-              <a:spcBef>
-                <a:spcPts val="0"/>
-              </a:spcBef>
-              <a:spcAft>
-                <a:spcPts val="0"/>
-              </a:spcAft>
-              <a:buNone/>
-            </a:pPr>
-            <a:endParaRPr sz="1800">
-              <a:solidFill>
-                <a:schemeClr val="lt1"/>
-              </a:solidFill>
-              <a:latin typeface="Malgun Gothic"/>
-              <a:ea typeface="Malgun Gothic"/>
-              <a:cs typeface="Malgun Gothic"/>
-              <a:sym typeface="Malgun Gothic"/>
-            </a:endParaRPr>
-          </a:p>
-        </p:txBody>
-      </p:sp>
-      <p:sp>
-        <p:nvSpPr>
-          <p:cNvPr id="252" name="Google Shape;252;p15"/>
-          <p:cNvSpPr/>
-          <p:nvPr/>
-        </p:nvSpPr>
-        <p:spPr>
-          <a:xfrm>
-            <a:off x="2547226" y="5513561"/>
-            <a:ext cx="142634" cy="142634"/>
-          </a:xfrm>
-          <a:prstGeom prst="ellipse">
-            <a:avLst/>
-          </a:prstGeom>
-          <a:solidFill>
-            <a:schemeClr val="lt1"/>
-          </a:solidFill>
-          <a:ln w="19050" cap="flat" cmpd="sng">
-            <a:solidFill>
-              <a:srgbClr val="F26640"/>
-            </a:solidFill>
-            <a:prstDash val="solid"/>
-            <a:miter lim="800000"/>
-            <a:headEnd type="none" w="sm" len="sm"/>
-            <a:tailEnd type="none" w="sm" len="sm"/>
-          </a:ln>
-        </p:spPr>
-        <p:txBody>
-          <a:bodyPr spcFirstLastPara="1" wrap="square" lIns="91425" tIns="45700" rIns="91425" bIns="45700" anchor="ctr" anchorCtr="0">
-            <a:noAutofit/>
-          </a:bodyPr>
-          <a:lstStyle/>
-          <a:p>
-            <a:pPr marL="0" marR="0" lvl="0" indent="0" algn="ctr" rtl="0">
-              <a:spcBef>
-                <a:spcPts val="0"/>
-              </a:spcBef>
-              <a:spcAft>
-                <a:spcPts val="0"/>
-              </a:spcAft>
-              <a:buNone/>
-            </a:pPr>
-            <a:endParaRPr sz="1800">
-              <a:solidFill>
-                <a:schemeClr val="lt1"/>
-              </a:solidFill>
-              <a:latin typeface="Malgun Gothic"/>
-              <a:ea typeface="Malgun Gothic"/>
-              <a:cs typeface="Malgun Gothic"/>
-              <a:sym typeface="Malgun Gothic"/>
-            </a:endParaRPr>
-          </a:p>
-        </p:txBody>
-      </p:sp>
-      <p:cxnSp>
-        <p:nvCxnSpPr>
-          <p:cNvPr id="253" name="Google Shape;253;p15"/>
-          <p:cNvCxnSpPr>
-            <a:stCxn id="252" idx="7"/>
-          </p:cNvCxnSpPr>
-          <p:nvPr/>
-        </p:nvCxnSpPr>
-        <p:spPr>
-          <a:xfrm rot="10800000" flipH="1">
-            <a:off x="2668972" y="4599049"/>
-            <a:ext cx="950400" cy="935400"/>
-          </a:xfrm>
-          <a:prstGeom prst="straightConnector1">
-            <a:avLst/>
-          </a:prstGeom>
-          <a:noFill/>
-          <a:ln w="28575" cap="flat" cmpd="sng">
-            <a:solidFill>
-              <a:srgbClr val="F26640"/>
-            </a:solidFill>
-            <a:prstDash val="solid"/>
-            <a:miter lim="800000"/>
-            <a:headEnd type="none" w="sm" len="sm"/>
-            <a:tailEnd type="none" w="sm" len="sm"/>
-          </a:ln>
-        </p:spPr>
-      </p:cxnSp>
-      <p:sp>
-        <p:nvSpPr>
-          <p:cNvPr id="254" name="Google Shape;254;p15"/>
-          <p:cNvSpPr/>
-          <p:nvPr/>
-        </p:nvSpPr>
-        <p:spPr>
-          <a:xfrm>
-            <a:off x="3551721" y="4545740"/>
-            <a:ext cx="142634" cy="142634"/>
-          </a:xfrm>
-          <a:prstGeom prst="ellipse">
-            <a:avLst/>
-          </a:prstGeom>
-          <a:solidFill>
-            <a:schemeClr val="lt1"/>
-          </a:solidFill>
-          <a:ln w="19050" cap="flat" cmpd="sng">
-            <a:solidFill>
-              <a:srgbClr val="F26640"/>
-            </a:solidFill>
-            <a:prstDash val="solid"/>
-            <a:miter lim="800000"/>
-            <a:headEnd type="none" w="sm" len="sm"/>
-            <a:tailEnd type="none" w="sm" len="sm"/>
-          </a:ln>
-        </p:spPr>
-        <p:txBody>
-          <a:bodyPr spcFirstLastPara="1" wrap="square" lIns="91425" tIns="45700" rIns="91425" bIns="45700" anchor="ctr" anchorCtr="0">
-            <a:noAutofit/>
-          </a:bodyPr>
-          <a:lstStyle/>
-          <a:p>
-            <a:pPr marL="0" marR="0" lvl="0" indent="0" algn="ctr" rtl="0">
-              <a:spcBef>
-                <a:spcPts val="0"/>
-              </a:spcBef>
-              <a:spcAft>
-                <a:spcPts val="0"/>
-              </a:spcAft>
-              <a:buNone/>
-            </a:pPr>
-            <a:endParaRPr sz="1800">
-              <a:solidFill>
-                <a:schemeClr val="lt1"/>
-              </a:solidFill>
-              <a:latin typeface="Malgun Gothic"/>
-              <a:ea typeface="Malgun Gothic"/>
-              <a:cs typeface="Malgun Gothic"/>
-              <a:sym typeface="Malgun Gothic"/>
-            </a:endParaRPr>
-          </a:p>
-        </p:txBody>
-      </p:sp>
-      <p:cxnSp>
-        <p:nvCxnSpPr>
-          <p:cNvPr id="255" name="Google Shape;255;p15"/>
-          <p:cNvCxnSpPr/>
-          <p:nvPr/>
-        </p:nvCxnSpPr>
-        <p:spPr>
-          <a:xfrm rot="10800000" flipH="1">
-            <a:off x="3676771" y="3543493"/>
-            <a:ext cx="1241668" cy="1026754"/>
-          </a:xfrm>
-          <a:prstGeom prst="straightConnector1">
-            <a:avLst/>
-          </a:prstGeom>
-          <a:noFill/>
-          <a:ln w="28575" cap="flat" cmpd="sng">
-            <a:solidFill>
-              <a:srgbClr val="F26640"/>
-            </a:solidFill>
-            <a:prstDash val="solid"/>
-            <a:miter lim="800000"/>
-            <a:headEnd type="none" w="sm" len="sm"/>
-            <a:tailEnd type="none" w="sm" len="sm"/>
-          </a:ln>
-        </p:spPr>
-      </p:cxnSp>
-      <p:sp>
-        <p:nvSpPr>
-          <p:cNvPr id="256" name="Google Shape;256;p15"/>
-          <p:cNvSpPr txBox="1"/>
-          <p:nvPr/>
-        </p:nvSpPr>
-        <p:spPr>
-          <a:xfrm>
-            <a:off x="2618543" y="5675622"/>
-            <a:ext cx="1406700" cy="554100"/>
-          </a:xfrm>
-          <a:prstGeom prst="rect">
-            <a:avLst/>
-          </a:prstGeom>
-          <a:noFill/>
-          <a:ln>
-            <a:noFill/>
-          </a:ln>
-        </p:spPr>
-        <p:txBody>
-          <a:bodyPr spcFirstLastPara="1" wrap="square" lIns="91425" tIns="45700" rIns="91425" bIns="45700" anchor="t" anchorCtr="0">
-            <a:spAutoFit/>
-          </a:bodyPr>
-          <a:lstStyle/>
-          <a:p>
-            <a:pPr marL="0" marR="0" lvl="0" indent="0" algn="ctr" rtl="0">
-              <a:spcBef>
-                <a:spcPts val="0"/>
-              </a:spcBef>
-              <a:spcAft>
-                <a:spcPts val="0"/>
-              </a:spcAft>
-              <a:buNone/>
-            </a:pPr>
-            <a:r>
-              <a:rPr lang="ko-KR" sz="1000">
-                <a:solidFill>
-                  <a:srgbClr val="595959"/>
-                </a:solidFill>
-              </a:rPr>
-              <a:t>토론수업은 중요한데, 대규모로 토론을 진행하기에는 어려워</a:t>
-            </a:r>
-            <a:endParaRPr sz="1000">
-              <a:solidFill>
-                <a:srgbClr val="595959"/>
-              </a:solidFill>
-              <a:latin typeface="Arial"/>
-              <a:ea typeface="Arial"/>
-              <a:cs typeface="Arial"/>
-              <a:sym typeface="Arial"/>
-            </a:endParaRPr>
-          </a:p>
-        </p:txBody>
-      </p:sp>
-      <p:sp>
-        <p:nvSpPr>
-          <p:cNvPr id="257" name="Google Shape;257;p15"/>
-          <p:cNvSpPr/>
-          <p:nvPr/>
-        </p:nvSpPr>
-        <p:spPr>
-          <a:xfrm>
-            <a:off x="4918439" y="3441963"/>
-            <a:ext cx="142634" cy="142634"/>
-          </a:xfrm>
-          <a:prstGeom prst="ellipse">
-            <a:avLst/>
-          </a:prstGeom>
-          <a:solidFill>
-            <a:schemeClr val="lt1"/>
-          </a:solidFill>
-          <a:ln w="19050" cap="flat" cmpd="sng">
-            <a:solidFill>
-              <a:srgbClr val="F26640"/>
-            </a:solidFill>
-            <a:prstDash val="solid"/>
-            <a:miter lim="800000"/>
-            <a:headEnd type="none" w="sm" len="sm"/>
-            <a:tailEnd type="none" w="sm" len="sm"/>
-          </a:ln>
-        </p:spPr>
-        <p:txBody>
-          <a:bodyPr spcFirstLastPara="1" wrap="square" lIns="91425" tIns="45700" rIns="91425" bIns="45700" anchor="ctr" anchorCtr="0">
-            <a:noAutofit/>
-          </a:bodyPr>
-          <a:lstStyle/>
-          <a:p>
-            <a:pPr marL="0" marR="0" lvl="0" indent="0" algn="ctr" rtl="0">
-              <a:spcBef>
-                <a:spcPts val="0"/>
-              </a:spcBef>
-              <a:spcAft>
-                <a:spcPts val="0"/>
-              </a:spcAft>
-              <a:buNone/>
-            </a:pPr>
-            <a:endParaRPr sz="1800">
-              <a:solidFill>
-                <a:schemeClr val="lt1"/>
-              </a:solidFill>
-              <a:latin typeface="Malgun Gothic"/>
-              <a:ea typeface="Malgun Gothic"/>
-              <a:cs typeface="Malgun Gothic"/>
-              <a:sym typeface="Malgun Gothic"/>
-            </a:endParaRPr>
-          </a:p>
-        </p:txBody>
-      </p:sp>
-      <p:sp>
-        <p:nvSpPr>
-          <p:cNvPr id="258" name="Google Shape;258;p15"/>
-          <p:cNvSpPr txBox="1"/>
-          <p:nvPr/>
-        </p:nvSpPr>
-        <p:spPr>
-          <a:xfrm>
-            <a:off x="3329900" y="4630647"/>
-            <a:ext cx="1406700" cy="708000"/>
-          </a:xfrm>
-          <a:prstGeom prst="rect">
-            <a:avLst/>
-          </a:prstGeom>
-          <a:noFill/>
-          <a:ln>
-            <a:noFill/>
-          </a:ln>
-        </p:spPr>
-        <p:txBody>
-          <a:bodyPr spcFirstLastPara="1" wrap="square" lIns="91425" tIns="45700" rIns="91425" bIns="45700" anchor="t" anchorCtr="0">
-            <a:spAutoFit/>
-          </a:bodyPr>
-          <a:lstStyle/>
-          <a:p>
-            <a:pPr marL="0" marR="0" lvl="0" indent="0" algn="ctr" rtl="0">
-              <a:spcBef>
-                <a:spcPts val="0"/>
-              </a:spcBef>
-              <a:spcAft>
-                <a:spcPts val="0"/>
-              </a:spcAft>
-              <a:buNone/>
-            </a:pPr>
-            <a:r>
-              <a:rPr lang="ko-KR" sz="1000">
-                <a:solidFill>
-                  <a:srgbClr val="595959"/>
-                </a:solidFill>
-              </a:rPr>
-              <a:t>선생님없이도 시스템이 토론을 이끌어 나가는 서비스가 있다고?</a:t>
-            </a:r>
-            <a:endParaRPr sz="1000">
-              <a:solidFill>
-                <a:srgbClr val="595959"/>
-              </a:solidFill>
-              <a:latin typeface="Arial"/>
-              <a:ea typeface="Arial"/>
-              <a:cs typeface="Arial"/>
-              <a:sym typeface="Arial"/>
-            </a:endParaRPr>
-          </a:p>
-        </p:txBody>
-      </p:sp>
-      <p:sp>
-        <p:nvSpPr>
-          <p:cNvPr id="259" name="Google Shape;259;p15"/>
-          <p:cNvSpPr txBox="1"/>
-          <p:nvPr/>
-        </p:nvSpPr>
-        <p:spPr>
-          <a:xfrm>
-            <a:off x="4292201" y="3708425"/>
-            <a:ext cx="1744800" cy="554100"/>
-          </a:xfrm>
-          <a:prstGeom prst="rect">
-            <a:avLst/>
-          </a:prstGeom>
-          <a:noFill/>
-          <a:ln>
-            <a:noFill/>
-          </a:ln>
-        </p:spPr>
-        <p:txBody>
-          <a:bodyPr spcFirstLastPara="1" wrap="square" lIns="91425" tIns="45700" rIns="91425" bIns="45700" anchor="t" anchorCtr="0">
-            <a:spAutoFit/>
-          </a:bodyPr>
-          <a:lstStyle/>
-          <a:p>
-            <a:pPr marL="0" marR="0" lvl="0" indent="0" algn="ctr" rtl="0">
-              <a:spcBef>
-                <a:spcPts val="0"/>
-              </a:spcBef>
-              <a:spcAft>
-                <a:spcPts val="0"/>
-              </a:spcAft>
-              <a:buNone/>
-            </a:pPr>
-            <a:r>
-              <a:rPr lang="ko-KR" sz="1000">
-                <a:solidFill>
-                  <a:srgbClr val="595959"/>
-                </a:solidFill>
-              </a:rPr>
-              <a:t>선생님없이도 토론을 할 수 있다니! 청중으로 학생들 토론도 참관 가능하네?</a:t>
-            </a:r>
-            <a:endParaRPr sz="1000">
-              <a:solidFill>
-                <a:srgbClr val="595959"/>
-              </a:solidFill>
-              <a:latin typeface="Arial"/>
-              <a:ea typeface="Arial"/>
-              <a:cs typeface="Arial"/>
-              <a:sym typeface="Arial"/>
-            </a:endParaRPr>
-          </a:p>
-        </p:txBody>
-      </p:sp>
-      <p:cxnSp>
-        <p:nvCxnSpPr>
-          <p:cNvPr id="260" name="Google Shape;260;p15"/>
-          <p:cNvCxnSpPr/>
-          <p:nvPr/>
-        </p:nvCxnSpPr>
-        <p:spPr>
-          <a:xfrm>
-            <a:off x="5061660" y="3518544"/>
-            <a:ext cx="1875471" cy="522061"/>
-          </a:xfrm>
-          <a:prstGeom prst="straightConnector1">
-            <a:avLst/>
-          </a:prstGeom>
-          <a:noFill/>
-          <a:ln w="28575" cap="flat" cmpd="sng">
-            <a:solidFill>
-              <a:srgbClr val="F26640"/>
-            </a:solidFill>
-            <a:prstDash val="solid"/>
-            <a:miter lim="800000"/>
-            <a:headEnd type="none" w="sm" len="sm"/>
-            <a:tailEnd type="none" w="sm" len="sm"/>
-          </a:ln>
-        </p:spPr>
-      </p:cxnSp>
-      <p:sp>
-        <p:nvSpPr>
-          <p:cNvPr id="261" name="Google Shape;261;p15"/>
-          <p:cNvSpPr/>
-          <p:nvPr/>
-        </p:nvSpPr>
-        <p:spPr>
-          <a:xfrm>
-            <a:off x="6928520" y="3999501"/>
-            <a:ext cx="142634" cy="142634"/>
-          </a:xfrm>
-          <a:prstGeom prst="ellipse">
-            <a:avLst/>
-          </a:prstGeom>
-          <a:solidFill>
-            <a:schemeClr val="lt1"/>
-          </a:solidFill>
-          <a:ln w="19050" cap="flat" cmpd="sng">
-            <a:solidFill>
-              <a:srgbClr val="F26640"/>
-            </a:solidFill>
-            <a:prstDash val="solid"/>
-            <a:miter lim="800000"/>
-            <a:headEnd type="none" w="sm" len="sm"/>
-            <a:tailEnd type="none" w="sm" len="sm"/>
-          </a:ln>
-        </p:spPr>
-        <p:txBody>
-          <a:bodyPr spcFirstLastPara="1" wrap="square" lIns="91425" tIns="45700" rIns="91425" bIns="45700" anchor="ctr" anchorCtr="0">
-            <a:noAutofit/>
-          </a:bodyPr>
-          <a:lstStyle/>
-          <a:p>
-            <a:pPr marL="0" marR="0" lvl="0" indent="0" algn="ctr" rtl="0">
-              <a:spcBef>
-                <a:spcPts val="0"/>
-              </a:spcBef>
-              <a:spcAft>
-                <a:spcPts val="0"/>
-              </a:spcAft>
-              <a:buNone/>
-            </a:pPr>
-            <a:endParaRPr sz="1800">
-              <a:solidFill>
-                <a:schemeClr val="lt1"/>
-              </a:solidFill>
-              <a:latin typeface="Malgun Gothic"/>
-              <a:ea typeface="Malgun Gothic"/>
-              <a:cs typeface="Malgun Gothic"/>
-              <a:sym typeface="Malgun Gothic"/>
-            </a:endParaRPr>
-          </a:p>
-        </p:txBody>
-      </p:sp>
-      <p:sp>
-        <p:nvSpPr>
-          <p:cNvPr id="262" name="Google Shape;262;p15"/>
-          <p:cNvSpPr txBox="1"/>
-          <p:nvPr/>
-        </p:nvSpPr>
-        <p:spPr>
-          <a:xfrm>
-            <a:off x="6296427" y="4171190"/>
-            <a:ext cx="1406700" cy="400200"/>
-          </a:xfrm>
-          <a:prstGeom prst="rect">
-            <a:avLst/>
-          </a:prstGeom>
-          <a:noFill/>
-          <a:ln>
-            <a:noFill/>
-          </a:ln>
-        </p:spPr>
-        <p:txBody>
-          <a:bodyPr spcFirstLastPara="1" wrap="square" lIns="91425" tIns="45700" rIns="91425" bIns="45700" anchor="t" anchorCtr="0">
-            <a:spAutoFit/>
-          </a:bodyPr>
-          <a:lstStyle/>
-          <a:p>
-            <a:pPr marL="0" marR="0" lvl="0" indent="0" algn="ctr" rtl="0">
-              <a:spcBef>
-                <a:spcPts val="0"/>
-              </a:spcBef>
-              <a:spcAft>
-                <a:spcPts val="0"/>
-              </a:spcAft>
-              <a:buNone/>
-            </a:pPr>
-            <a:r>
-              <a:rPr lang="ko-KR" sz="1000">
-                <a:solidFill>
-                  <a:srgbClr val="595959"/>
-                </a:solidFill>
-              </a:rPr>
-              <a:t>그런데 평가나 피드백은 어떡하지?</a:t>
-            </a:r>
-            <a:endParaRPr sz="1000">
-              <a:solidFill>
-                <a:srgbClr val="595959"/>
-              </a:solidFill>
-              <a:latin typeface="Arial"/>
-              <a:ea typeface="Arial"/>
-              <a:cs typeface="Arial"/>
-              <a:sym typeface="Arial"/>
-            </a:endParaRPr>
-          </a:p>
-        </p:txBody>
-      </p:sp>
-      <p:cxnSp>
-        <p:nvCxnSpPr>
-          <p:cNvPr id="263" name="Google Shape;263;p15"/>
-          <p:cNvCxnSpPr/>
-          <p:nvPr/>
-        </p:nvCxnSpPr>
-        <p:spPr>
-          <a:xfrm rot="10800000" flipH="1">
-            <a:off x="7062362" y="3520487"/>
-            <a:ext cx="976581" cy="508641"/>
-          </a:xfrm>
-          <a:prstGeom prst="straightConnector1">
-            <a:avLst/>
-          </a:prstGeom>
-          <a:noFill/>
-          <a:ln w="28575" cap="flat" cmpd="sng">
-            <a:solidFill>
-              <a:srgbClr val="F26640"/>
-            </a:solidFill>
-            <a:prstDash val="solid"/>
-            <a:miter lim="800000"/>
-            <a:headEnd type="none" w="sm" len="sm"/>
-            <a:tailEnd type="none" w="sm" len="sm"/>
-          </a:ln>
-        </p:spPr>
-      </p:cxnSp>
-      <p:sp>
-        <p:nvSpPr>
-          <p:cNvPr id="264" name="Google Shape;264;p15"/>
-          <p:cNvSpPr/>
-          <p:nvPr/>
-        </p:nvSpPr>
-        <p:spPr>
-          <a:xfrm>
-            <a:off x="7996363" y="3438902"/>
-            <a:ext cx="142634" cy="142634"/>
-          </a:xfrm>
-          <a:prstGeom prst="ellipse">
-            <a:avLst/>
-          </a:prstGeom>
-          <a:solidFill>
-            <a:schemeClr val="lt1"/>
-          </a:solidFill>
-          <a:ln w="19050" cap="flat" cmpd="sng">
-            <a:solidFill>
-              <a:srgbClr val="F26640"/>
-            </a:solidFill>
-            <a:prstDash val="solid"/>
-            <a:miter lim="800000"/>
-            <a:headEnd type="none" w="sm" len="sm"/>
-            <a:tailEnd type="none" w="sm" len="sm"/>
-          </a:ln>
-        </p:spPr>
-        <p:txBody>
-          <a:bodyPr spcFirstLastPara="1" wrap="square" lIns="91425" tIns="45700" rIns="91425" bIns="45700" anchor="ctr" anchorCtr="0">
-            <a:noAutofit/>
-          </a:bodyPr>
-          <a:lstStyle/>
-          <a:p>
-            <a:pPr marL="0" marR="0" lvl="0" indent="0" algn="ctr" rtl="0">
-              <a:spcBef>
-                <a:spcPts val="0"/>
-              </a:spcBef>
-              <a:spcAft>
-                <a:spcPts val="0"/>
-              </a:spcAft>
-              <a:buNone/>
-            </a:pPr>
-            <a:endParaRPr sz="1800">
-              <a:solidFill>
-                <a:schemeClr val="lt1"/>
-              </a:solidFill>
-              <a:latin typeface="Malgun Gothic"/>
-              <a:ea typeface="Malgun Gothic"/>
-              <a:cs typeface="Malgun Gothic"/>
-              <a:sym typeface="Malgun Gothic"/>
-            </a:endParaRPr>
-          </a:p>
-        </p:txBody>
-      </p:sp>
-      <p:cxnSp>
-        <p:nvCxnSpPr>
-          <p:cNvPr id="265" name="Google Shape;265;p15"/>
-          <p:cNvCxnSpPr/>
-          <p:nvPr/>
-        </p:nvCxnSpPr>
-        <p:spPr>
-          <a:xfrm rot="10800000" flipH="1">
-            <a:off x="8138997" y="3517460"/>
-            <a:ext cx="1189641" cy="1551"/>
-          </a:xfrm>
-          <a:prstGeom prst="straightConnector1">
-            <a:avLst/>
-          </a:prstGeom>
-          <a:noFill/>
-          <a:ln w="28575" cap="flat" cmpd="sng">
-            <a:solidFill>
-              <a:srgbClr val="F26640"/>
-            </a:solidFill>
-            <a:prstDash val="solid"/>
-            <a:miter lim="800000"/>
-            <a:headEnd type="none" w="sm" len="sm"/>
-            <a:tailEnd type="none" w="sm" len="sm"/>
-          </a:ln>
-        </p:spPr>
-      </p:cxnSp>
-      <p:sp>
-        <p:nvSpPr>
-          <p:cNvPr id="266" name="Google Shape;266;p15"/>
-          <p:cNvSpPr/>
-          <p:nvPr/>
-        </p:nvSpPr>
-        <p:spPr>
-          <a:xfrm>
-            <a:off x="9328638" y="3436447"/>
-            <a:ext cx="142634" cy="142634"/>
-          </a:xfrm>
-          <a:prstGeom prst="ellipse">
-            <a:avLst/>
-          </a:prstGeom>
-          <a:solidFill>
-            <a:schemeClr val="lt1"/>
-          </a:solidFill>
-          <a:ln w="19050" cap="flat" cmpd="sng">
-            <a:solidFill>
-              <a:srgbClr val="F26640"/>
-            </a:solidFill>
-            <a:prstDash val="solid"/>
-            <a:miter lim="800000"/>
-            <a:headEnd type="none" w="sm" len="sm"/>
-            <a:tailEnd type="none" w="sm" len="sm"/>
-          </a:ln>
-        </p:spPr>
-        <p:txBody>
-          <a:bodyPr spcFirstLastPara="1" wrap="square" lIns="91425" tIns="45700" rIns="91425" bIns="45700" anchor="ctr" anchorCtr="0">
-            <a:noAutofit/>
-          </a:bodyPr>
-          <a:lstStyle/>
-          <a:p>
-            <a:pPr marL="0" marR="0" lvl="0" indent="0" algn="ctr" rtl="0">
-              <a:spcBef>
-                <a:spcPts val="0"/>
-              </a:spcBef>
-              <a:spcAft>
-                <a:spcPts val="0"/>
-              </a:spcAft>
-              <a:buNone/>
-            </a:pPr>
-            <a:endParaRPr sz="1800">
-              <a:solidFill>
-                <a:schemeClr val="lt1"/>
-              </a:solidFill>
-              <a:latin typeface="Malgun Gothic"/>
-              <a:ea typeface="Malgun Gothic"/>
-              <a:cs typeface="Malgun Gothic"/>
-              <a:sym typeface="Malgun Gothic"/>
-            </a:endParaRPr>
-          </a:p>
-        </p:txBody>
-      </p:sp>
-      <p:sp>
-        <p:nvSpPr>
-          <p:cNvPr id="267" name="Google Shape;267;p15"/>
-          <p:cNvSpPr txBox="1"/>
-          <p:nvPr/>
-        </p:nvSpPr>
-        <p:spPr>
-          <a:xfrm>
-            <a:off x="7364295" y="2995801"/>
-            <a:ext cx="1406700" cy="400200"/>
-          </a:xfrm>
-          <a:prstGeom prst="rect">
-            <a:avLst/>
-          </a:prstGeom>
-          <a:noFill/>
-          <a:ln>
-            <a:noFill/>
-          </a:ln>
-        </p:spPr>
-        <p:txBody>
-          <a:bodyPr spcFirstLastPara="1" wrap="square" lIns="91425" tIns="45700" rIns="91425" bIns="45700" anchor="t" anchorCtr="0">
-            <a:spAutoFit/>
-          </a:bodyPr>
-          <a:lstStyle/>
-          <a:p>
-            <a:pPr marL="0" marR="0" lvl="0" indent="0" algn="ctr" rtl="0">
-              <a:spcBef>
-                <a:spcPts val="0"/>
-              </a:spcBef>
-              <a:spcAft>
-                <a:spcPts val="0"/>
-              </a:spcAft>
-              <a:buNone/>
-            </a:pPr>
-            <a:r>
-              <a:rPr lang="ko-KR" sz="1000">
-                <a:solidFill>
-                  <a:srgbClr val="595959"/>
-                </a:solidFill>
-              </a:rPr>
-              <a:t>학생들 자체적으로 평가를 할 수 있잖아?</a:t>
-            </a:r>
-            <a:endParaRPr sz="1000">
-              <a:solidFill>
-                <a:srgbClr val="595959"/>
-              </a:solidFill>
-              <a:latin typeface="Arial"/>
-              <a:ea typeface="Arial"/>
-              <a:cs typeface="Arial"/>
-              <a:sym typeface="Arial"/>
-            </a:endParaRPr>
-          </a:p>
-        </p:txBody>
-      </p:sp>
-      <p:sp>
-        <p:nvSpPr>
-          <p:cNvPr id="268" name="Google Shape;268;p15"/>
-          <p:cNvSpPr txBox="1"/>
-          <p:nvPr/>
-        </p:nvSpPr>
-        <p:spPr>
-          <a:xfrm>
-            <a:off x="8771064" y="3683043"/>
-            <a:ext cx="1534200" cy="554100"/>
-          </a:xfrm>
-          <a:prstGeom prst="rect">
-            <a:avLst/>
-          </a:prstGeom>
-          <a:noFill/>
-          <a:ln>
-            <a:noFill/>
-          </a:ln>
-        </p:spPr>
-        <p:txBody>
-          <a:bodyPr spcFirstLastPara="1" wrap="square" lIns="91425" tIns="45700" rIns="91425" bIns="45700" anchor="t" anchorCtr="0">
-            <a:spAutoFit/>
-          </a:bodyPr>
-          <a:lstStyle/>
-          <a:p>
-            <a:pPr marL="0" marR="0" lvl="0" indent="0" algn="ctr" rtl="0">
-              <a:spcBef>
-                <a:spcPts val="0"/>
-              </a:spcBef>
-              <a:spcAft>
-                <a:spcPts val="0"/>
-              </a:spcAft>
-              <a:buNone/>
-            </a:pPr>
-            <a:r>
-              <a:rPr lang="ko-KR" sz="1000">
-                <a:solidFill>
-                  <a:srgbClr val="595959"/>
-                </a:solidFill>
-              </a:rPr>
-              <a:t>앞으로 이렇게 토론 수업을 진행하면 되겠다!</a:t>
-            </a:r>
-            <a:endParaRPr sz="1000">
-              <a:solidFill>
-                <a:srgbClr val="595959"/>
-              </a:solidFill>
-              <a:latin typeface="Arial"/>
-              <a:ea typeface="Arial"/>
-              <a:cs typeface="Arial"/>
-              <a:sym typeface="Arial"/>
-            </a:endParaRPr>
-          </a:p>
-        </p:txBody>
-      </p:sp>
-      <p:sp>
-        <p:nvSpPr>
-          <p:cNvPr id="269" name="Google Shape;269;p15"/>
-          <p:cNvSpPr txBox="1"/>
-          <p:nvPr/>
-        </p:nvSpPr>
-        <p:spPr>
-          <a:xfrm>
-            <a:off x="2468870" y="1705554"/>
-            <a:ext cx="1574400" cy="400200"/>
-          </a:xfrm>
-          <a:prstGeom prst="rect">
-            <a:avLst/>
-          </a:prstGeom>
-          <a:noFill/>
-          <a:ln>
-            <a:noFill/>
-          </a:ln>
-        </p:spPr>
-        <p:txBody>
-          <a:bodyPr spcFirstLastPara="1" wrap="square" lIns="91425" tIns="45700" rIns="91425" bIns="45700" anchor="t" anchorCtr="0">
-            <a:spAutoFit/>
-          </a:bodyPr>
-          <a:lstStyle/>
-          <a:p>
-            <a:pPr marL="0" marR="0" lvl="0" indent="0" algn="ctr" rtl="0">
-              <a:spcBef>
-                <a:spcPts val="0"/>
-              </a:spcBef>
-              <a:spcAft>
-                <a:spcPts val="0"/>
-              </a:spcAft>
-              <a:buNone/>
-            </a:pPr>
-            <a:r>
-              <a:rPr lang="ko-KR" sz="1000">
-                <a:solidFill>
-                  <a:srgbClr val="595959"/>
-                </a:solidFill>
-              </a:rPr>
-              <a:t>토론수업을 하고 싶은데, 준비과정부터 쉽지 않음. </a:t>
-            </a:r>
-            <a:endParaRPr/>
-          </a:p>
-        </p:txBody>
-      </p:sp>
-      <p:sp>
-        <p:nvSpPr>
-          <p:cNvPr id="270" name="Google Shape;270;p15"/>
-          <p:cNvSpPr txBox="1"/>
-          <p:nvPr/>
-        </p:nvSpPr>
-        <p:spPr>
-          <a:xfrm>
-            <a:off x="4385280" y="1628597"/>
-            <a:ext cx="1574400" cy="554100"/>
-          </a:xfrm>
-          <a:prstGeom prst="rect">
-            <a:avLst/>
-          </a:prstGeom>
-          <a:noFill/>
-          <a:ln>
-            <a:noFill/>
-          </a:ln>
-        </p:spPr>
-        <p:txBody>
-          <a:bodyPr spcFirstLastPara="1" wrap="square" lIns="91425" tIns="45700" rIns="91425" bIns="45700" anchor="t" anchorCtr="0">
-            <a:spAutoFit/>
-          </a:bodyPr>
-          <a:lstStyle/>
-          <a:p>
-            <a:pPr marL="0" marR="0" lvl="0" indent="0" algn="ctr" rtl="0">
-              <a:spcBef>
-                <a:spcPts val="0"/>
-              </a:spcBef>
-              <a:spcAft>
-                <a:spcPts val="0"/>
-              </a:spcAft>
-              <a:buNone/>
-            </a:pPr>
-            <a:r>
-              <a:rPr lang="ko-KR" sz="1000">
-                <a:solidFill>
-                  <a:srgbClr val="595959"/>
-                </a:solidFill>
-              </a:rPr>
-              <a:t>학생들 자율적으로 토론을 할 수 있는 서비스를 발견함</a:t>
-            </a:r>
-            <a:r>
-              <a:rPr lang="ko-KR" sz="1000">
-                <a:solidFill>
-                  <a:srgbClr val="595959"/>
-                </a:solidFill>
-                <a:latin typeface="Arial"/>
-                <a:ea typeface="Arial"/>
-                <a:cs typeface="Arial"/>
-                <a:sym typeface="Arial"/>
-              </a:rPr>
-              <a:t> </a:t>
-            </a:r>
-            <a:endParaRPr/>
-          </a:p>
-        </p:txBody>
-      </p:sp>
-      <p:sp>
-        <p:nvSpPr>
-          <p:cNvPr id="271" name="Google Shape;271;p15"/>
-          <p:cNvSpPr txBox="1"/>
-          <p:nvPr/>
-        </p:nvSpPr>
-        <p:spPr>
-          <a:xfrm>
-            <a:off x="6212538" y="1628593"/>
-            <a:ext cx="1574400" cy="554100"/>
-          </a:xfrm>
-          <a:prstGeom prst="rect">
-            <a:avLst/>
-          </a:prstGeom>
-          <a:noFill/>
-          <a:ln>
-            <a:noFill/>
-          </a:ln>
-        </p:spPr>
-        <p:txBody>
-          <a:bodyPr spcFirstLastPara="1" wrap="square" lIns="91425" tIns="45700" rIns="91425" bIns="45700" anchor="t" anchorCtr="0">
-            <a:spAutoFit/>
-          </a:bodyPr>
-          <a:lstStyle/>
-          <a:p>
-            <a:pPr marL="0" marR="0" lvl="0" indent="0" algn="ctr" rtl="0">
-              <a:spcBef>
-                <a:spcPts val="0"/>
-              </a:spcBef>
-              <a:spcAft>
-                <a:spcPts val="0"/>
-              </a:spcAft>
-              <a:buNone/>
-            </a:pPr>
-            <a:r>
-              <a:rPr lang="ko-KR" sz="1000">
-                <a:solidFill>
-                  <a:srgbClr val="595959"/>
-                </a:solidFill>
-              </a:rPr>
-              <a:t>학생들이 선생님없이도 시스템이 토론을 이끌어나감</a:t>
-            </a:r>
-            <a:endParaRPr/>
-          </a:p>
-        </p:txBody>
-      </p:sp>
-      <p:sp>
-        <p:nvSpPr>
-          <p:cNvPr id="272" name="Google Shape;272;p15"/>
-          <p:cNvSpPr txBox="1"/>
-          <p:nvPr/>
-        </p:nvSpPr>
-        <p:spPr>
-          <a:xfrm>
-            <a:off x="8260416" y="1551658"/>
-            <a:ext cx="1574400" cy="708000"/>
-          </a:xfrm>
-          <a:prstGeom prst="rect">
-            <a:avLst/>
-          </a:prstGeom>
-          <a:noFill/>
-          <a:ln>
-            <a:noFill/>
-          </a:ln>
-        </p:spPr>
-        <p:txBody>
-          <a:bodyPr spcFirstLastPara="1" wrap="square" lIns="91425" tIns="45700" rIns="91425" bIns="45700" anchor="t" anchorCtr="0">
-            <a:spAutoFit/>
-          </a:bodyPr>
-          <a:lstStyle/>
-          <a:p>
-            <a:pPr marL="0" marR="0" lvl="0" indent="0" algn="ctr" rtl="0">
-              <a:spcBef>
-                <a:spcPts val="0"/>
-              </a:spcBef>
-              <a:spcAft>
-                <a:spcPts val="0"/>
-              </a:spcAft>
-              <a:buNone/>
-            </a:pPr>
-            <a:r>
-              <a:rPr lang="ko-KR" sz="1000">
-                <a:solidFill>
-                  <a:srgbClr val="595959"/>
-                </a:solidFill>
-              </a:rPr>
-              <a:t>토론 후 학생들 자체적으로 평가를 할 수 있고, 이를 통해 피드백이 원활해짐</a:t>
-            </a:r>
-            <a:endParaRPr/>
-          </a:p>
-        </p:txBody>
-      </p:sp>
-      <p:sp>
-        <p:nvSpPr>
-          <p:cNvPr id="2" name="TextBox 1">
-            <a:extLst>
-              <a:ext uri="{FF2B5EF4-FFF2-40B4-BE49-F238E27FC236}">
-                <a16:creationId xmlns:a16="http://schemas.microsoft.com/office/drawing/2014/main" id="{B7D52E3D-A5BE-D162-DFC9-8BCDB3C75933}"/>
-              </a:ext>
-            </a:extLst>
-          </p:cNvPr>
-          <p:cNvSpPr txBox="1"/>
-          <p:nvPr/>
-        </p:nvSpPr>
-        <p:spPr>
-          <a:xfrm>
-            <a:off x="2313803" y="252807"/>
-            <a:ext cx="6096000" cy="415627"/>
-          </a:xfrm>
-          <a:prstGeom prst="rect">
-            <a:avLst/>
-          </a:prstGeom>
-          <a:noFill/>
-        </p:spPr>
-        <p:txBody>
-          <a:bodyPr wrap="square" anchor="ctr">
-            <a:spAutoFit/>
-          </a:bodyPr>
-          <a:lstStyle/>
-          <a:p>
-            <a:pPr marL="0" marR="0" lvl="0" indent="0" algn="l" rtl="0">
-              <a:lnSpc>
-                <a:spcPct val="150000"/>
-              </a:lnSpc>
-              <a:spcBef>
-                <a:spcPts val="0"/>
-              </a:spcBef>
-              <a:spcAft>
-                <a:spcPts val="0"/>
-              </a:spcAft>
-              <a:buNone/>
-            </a:pPr>
-            <a:r>
-              <a:rPr lang="ko-KR" altLang="en-US" sz="1600" dirty="0">
-                <a:solidFill>
-                  <a:srgbClr val="595959"/>
-                </a:solidFill>
-              </a:rPr>
-              <a:t>사용자 여정 지도</a:t>
-            </a:r>
-            <a:endParaRPr lang="ko-KR" altLang="en-US" sz="1600" dirty="0">
-              <a:solidFill>
-                <a:srgbClr val="595959"/>
-              </a:solidFill>
-              <a:latin typeface="Arial"/>
-              <a:ea typeface="Arial"/>
-              <a:cs typeface="Arial"/>
-              <a:sym typeface="Arial"/>
-            </a:endParaRPr>
-          </a:p>
-        </p:txBody>
-      </p:sp>
-      <p:sp>
-        <p:nvSpPr>
-          <p:cNvPr id="4" name="TextBox 3">
-            <a:extLst>
-              <a:ext uri="{FF2B5EF4-FFF2-40B4-BE49-F238E27FC236}">
-                <a16:creationId xmlns:a16="http://schemas.microsoft.com/office/drawing/2014/main" id="{882E81CF-3C14-E4CA-0A6B-23585AA36566}"/>
-              </a:ext>
-            </a:extLst>
-          </p:cNvPr>
-          <p:cNvSpPr txBox="1"/>
-          <p:nvPr/>
-        </p:nvSpPr>
-        <p:spPr>
-          <a:xfrm>
-            <a:off x="323273" y="215254"/>
-            <a:ext cx="1948872" cy="496546"/>
-          </a:xfrm>
-          <a:prstGeom prst="rect">
-            <a:avLst/>
-          </a:prstGeom>
-          <a:noFill/>
-        </p:spPr>
-        <p:txBody>
-          <a:bodyPr wrap="square" anchor="ctr">
-            <a:spAutoFit/>
-          </a:bodyPr>
-          <a:lstStyle/>
-          <a:p>
-            <a:pPr marL="0" marR="0" lvl="0" indent="0" algn="l" rtl="0">
-              <a:lnSpc>
-                <a:spcPct val="150000"/>
-              </a:lnSpc>
-              <a:spcBef>
-                <a:spcPts val="0"/>
-              </a:spcBef>
-              <a:spcAft>
-                <a:spcPts val="0"/>
-              </a:spcAft>
-              <a:buNone/>
-            </a:pPr>
-            <a:r>
-              <a:rPr lang="en-US" altLang="ko-KR" sz="2000" dirty="0">
-                <a:solidFill>
-                  <a:srgbClr val="F26640"/>
-                </a:solidFill>
-                <a:latin typeface="Arial"/>
-                <a:ea typeface="Arial"/>
-                <a:cs typeface="Arial"/>
-                <a:sym typeface="Arial"/>
-              </a:rPr>
-              <a:t>03. </a:t>
-            </a:r>
-            <a:r>
-              <a:rPr lang="ko-KR" altLang="en-US" sz="2000" dirty="0">
-                <a:solidFill>
-                  <a:srgbClr val="F26640"/>
-                </a:solidFill>
-                <a:latin typeface="Arial"/>
-                <a:ea typeface="Arial"/>
-                <a:cs typeface="Arial"/>
-                <a:sym typeface="Arial"/>
-              </a:rPr>
-              <a:t>사용자 정의</a:t>
-            </a:r>
           </a:p>
         </p:txBody>
       </p:sp>
@@ -17046,6 +15838,1660 @@
   <p:cSld>
     <p:spTree>
       <p:nvGrpSpPr>
+        <p:cNvPr id="1" name="Shape 238"/>
+        <p:cNvGrpSpPr/>
+        <p:nvPr/>
+      </p:nvGrpSpPr>
+      <p:grpSpPr>
+        <a:xfrm>
+          <a:off x="0" y="0"/>
+          <a:ext cx="0" cy="0"/>
+          <a:chOff x="0" y="0"/>
+          <a:chExt cx="0" cy="0"/>
+        </a:xfrm>
+      </p:grpSpPr>
+      <p:sp>
+        <p:nvSpPr>
+          <p:cNvPr id="239" name="Google Shape;239;p15"/>
+          <p:cNvSpPr/>
+          <p:nvPr/>
+        </p:nvSpPr>
+        <p:spPr>
+          <a:xfrm>
+            <a:off x="2387589" y="2344930"/>
+            <a:ext cx="1744809" cy="288032"/>
+          </a:xfrm>
+          <a:prstGeom prst="rect">
+            <a:avLst/>
+          </a:prstGeom>
+          <a:solidFill>
+            <a:srgbClr val="F2F2F2"/>
+          </a:solidFill>
+          <a:ln>
+            <a:noFill/>
+          </a:ln>
+        </p:spPr>
+        <p:txBody>
+          <a:bodyPr spcFirstLastPara="1" wrap="square" lIns="91425" tIns="45700" rIns="91425" bIns="45700" anchor="ctr" anchorCtr="0">
+            <a:noAutofit/>
+          </a:bodyPr>
+          <a:lstStyle/>
+          <a:p>
+            <a:pPr marL="0" marR="0" lvl="0" indent="0" algn="ctr" rtl="0">
+              <a:spcBef>
+                <a:spcPts val="0"/>
+              </a:spcBef>
+              <a:spcAft>
+                <a:spcPts val="0"/>
+              </a:spcAft>
+              <a:buNone/>
+            </a:pPr>
+            <a:endParaRPr sz="1800">
+              <a:solidFill>
+                <a:schemeClr val="lt1"/>
+              </a:solidFill>
+              <a:latin typeface="Malgun Gothic"/>
+              <a:ea typeface="Malgun Gothic"/>
+              <a:cs typeface="Malgun Gothic"/>
+              <a:sym typeface="Malgun Gothic"/>
+            </a:endParaRPr>
+          </a:p>
+        </p:txBody>
+      </p:sp>
+      <p:sp>
+        <p:nvSpPr>
+          <p:cNvPr id="240" name="Google Shape;240;p15"/>
+          <p:cNvSpPr/>
+          <p:nvPr/>
+        </p:nvSpPr>
+        <p:spPr>
+          <a:xfrm>
+            <a:off x="4164709" y="2344930"/>
+            <a:ext cx="3974288" cy="288032"/>
+          </a:xfrm>
+          <a:prstGeom prst="rect">
+            <a:avLst/>
+          </a:prstGeom>
+          <a:solidFill>
+            <a:srgbClr val="D8D8D8"/>
+          </a:solidFill>
+          <a:ln>
+            <a:noFill/>
+          </a:ln>
+        </p:spPr>
+        <p:txBody>
+          <a:bodyPr spcFirstLastPara="1" wrap="square" lIns="91425" tIns="45700" rIns="91425" bIns="45700" anchor="ctr" anchorCtr="0">
+            <a:noAutofit/>
+          </a:bodyPr>
+          <a:lstStyle/>
+          <a:p>
+            <a:pPr marL="0" marR="0" lvl="0" indent="0" algn="ctr" rtl="0">
+              <a:spcBef>
+                <a:spcPts val="0"/>
+              </a:spcBef>
+              <a:spcAft>
+                <a:spcPts val="0"/>
+              </a:spcAft>
+              <a:buNone/>
+            </a:pPr>
+            <a:endParaRPr sz="1800">
+              <a:solidFill>
+                <a:schemeClr val="lt1"/>
+              </a:solidFill>
+              <a:latin typeface="Malgun Gothic"/>
+              <a:ea typeface="Malgun Gothic"/>
+              <a:cs typeface="Malgun Gothic"/>
+              <a:sym typeface="Malgun Gothic"/>
+            </a:endParaRPr>
+          </a:p>
+        </p:txBody>
+      </p:sp>
+      <p:sp>
+        <p:nvSpPr>
+          <p:cNvPr id="241" name="Google Shape;241;p15"/>
+          <p:cNvSpPr/>
+          <p:nvPr/>
+        </p:nvSpPr>
+        <p:spPr>
+          <a:xfrm>
+            <a:off x="8170065" y="2344930"/>
+            <a:ext cx="1744809" cy="288032"/>
+          </a:xfrm>
+          <a:prstGeom prst="rect">
+            <a:avLst/>
+          </a:prstGeom>
+          <a:solidFill>
+            <a:srgbClr val="A5A5A5"/>
+          </a:solidFill>
+          <a:ln>
+            <a:noFill/>
+          </a:ln>
+        </p:spPr>
+        <p:txBody>
+          <a:bodyPr spcFirstLastPara="1" wrap="square" lIns="91425" tIns="45700" rIns="91425" bIns="45700" anchor="ctr" anchorCtr="0">
+            <a:noAutofit/>
+          </a:bodyPr>
+          <a:lstStyle/>
+          <a:p>
+            <a:pPr marL="0" marR="0" lvl="0" indent="0" algn="ctr" rtl="0">
+              <a:spcBef>
+                <a:spcPts val="0"/>
+              </a:spcBef>
+              <a:spcAft>
+                <a:spcPts val="0"/>
+              </a:spcAft>
+              <a:buNone/>
+            </a:pPr>
+            <a:endParaRPr sz="1800">
+              <a:solidFill>
+                <a:schemeClr val="lt1"/>
+              </a:solidFill>
+              <a:latin typeface="Malgun Gothic"/>
+              <a:ea typeface="Malgun Gothic"/>
+              <a:cs typeface="Malgun Gothic"/>
+              <a:sym typeface="Malgun Gothic"/>
+            </a:endParaRPr>
+          </a:p>
+        </p:txBody>
+      </p:sp>
+      <p:sp>
+        <p:nvSpPr>
+          <p:cNvPr id="242" name="Google Shape;242;p15"/>
+          <p:cNvSpPr txBox="1"/>
+          <p:nvPr/>
+        </p:nvSpPr>
+        <p:spPr>
+          <a:xfrm>
+            <a:off x="2753798" y="2298293"/>
+            <a:ext cx="7194631" cy="348430"/>
+          </a:xfrm>
+          <a:prstGeom prst="rect">
+            <a:avLst/>
+          </a:prstGeom>
+          <a:noFill/>
+          <a:ln>
+            <a:noFill/>
+          </a:ln>
+        </p:spPr>
+        <p:txBody>
+          <a:bodyPr spcFirstLastPara="1" wrap="square" lIns="90000" tIns="46800" rIns="90000" bIns="46800" anchor="t" anchorCtr="0">
+            <a:spAutoFit/>
+          </a:bodyPr>
+          <a:lstStyle/>
+          <a:p>
+            <a:pPr marL="228600" marR="0" lvl="0" indent="-228600" algn="l" rtl="0">
+              <a:lnSpc>
+                <a:spcPct val="150000"/>
+              </a:lnSpc>
+              <a:spcBef>
+                <a:spcPts val="0"/>
+              </a:spcBef>
+              <a:spcAft>
+                <a:spcPts val="0"/>
+              </a:spcAft>
+              <a:buNone/>
+            </a:pPr>
+            <a:r>
+              <a:rPr lang="ko-KR" sz="1100">
+                <a:solidFill>
+                  <a:schemeClr val="dk1"/>
+                </a:solidFill>
+                <a:latin typeface="Malgun Gothic"/>
+                <a:ea typeface="Malgun Gothic"/>
+                <a:cs typeface="Malgun Gothic"/>
+                <a:sym typeface="Malgun Gothic"/>
+              </a:rPr>
+              <a:t>서비스 이용 전                                                       서비스 이용 중                                                         서비스 이용 후</a:t>
+            </a:r>
+            <a:endParaRPr sz="1100">
+              <a:solidFill>
+                <a:schemeClr val="dk1"/>
+              </a:solidFill>
+              <a:latin typeface="Malgun Gothic"/>
+              <a:ea typeface="Malgun Gothic"/>
+              <a:cs typeface="Malgun Gothic"/>
+              <a:sym typeface="Malgun Gothic"/>
+            </a:endParaRPr>
+          </a:p>
+        </p:txBody>
+      </p:sp>
+      <p:cxnSp>
+        <p:nvCxnSpPr>
+          <p:cNvPr id="243" name="Google Shape;243;p15"/>
+          <p:cNvCxnSpPr/>
+          <p:nvPr/>
+        </p:nvCxnSpPr>
+        <p:spPr>
+          <a:xfrm>
+            <a:off x="2387588" y="3522429"/>
+            <a:ext cx="7560840" cy="0"/>
+          </a:xfrm>
+          <a:prstGeom prst="straightConnector1">
+            <a:avLst/>
+          </a:prstGeom>
+          <a:noFill/>
+          <a:ln w="9525" cap="flat" cmpd="sng">
+            <a:solidFill>
+              <a:srgbClr val="A5A5A5"/>
+            </a:solidFill>
+            <a:prstDash val="dash"/>
+            <a:miter lim="800000"/>
+            <a:headEnd type="none" w="sm" len="sm"/>
+            <a:tailEnd type="none" w="sm" len="sm"/>
+          </a:ln>
+        </p:spPr>
+      </p:cxnSp>
+      <p:cxnSp>
+        <p:nvCxnSpPr>
+          <p:cNvPr id="244" name="Google Shape;244;p15"/>
+          <p:cNvCxnSpPr/>
+          <p:nvPr/>
+        </p:nvCxnSpPr>
+        <p:spPr>
+          <a:xfrm>
+            <a:off x="2387588" y="5585144"/>
+            <a:ext cx="7560840" cy="0"/>
+          </a:xfrm>
+          <a:prstGeom prst="straightConnector1">
+            <a:avLst/>
+          </a:prstGeom>
+          <a:noFill/>
+          <a:ln w="9525" cap="flat" cmpd="sng">
+            <a:solidFill>
+              <a:srgbClr val="A5A5A5"/>
+            </a:solidFill>
+            <a:prstDash val="dash"/>
+            <a:miter lim="800000"/>
+            <a:headEnd type="none" w="sm" len="sm"/>
+            <a:tailEnd type="none" w="sm" len="sm"/>
+          </a:ln>
+        </p:spPr>
+      </p:cxnSp>
+      <p:cxnSp>
+        <p:nvCxnSpPr>
+          <p:cNvPr id="245" name="Google Shape;245;p15"/>
+          <p:cNvCxnSpPr/>
+          <p:nvPr/>
+        </p:nvCxnSpPr>
+        <p:spPr>
+          <a:xfrm>
+            <a:off x="2387588" y="4600460"/>
+            <a:ext cx="7560840" cy="0"/>
+          </a:xfrm>
+          <a:prstGeom prst="straightConnector1">
+            <a:avLst/>
+          </a:prstGeom>
+          <a:noFill/>
+          <a:ln w="9525" cap="flat" cmpd="sng">
+            <a:solidFill>
+              <a:srgbClr val="A5A5A5"/>
+            </a:solidFill>
+            <a:prstDash val="dash"/>
+            <a:miter lim="800000"/>
+            <a:headEnd type="none" w="sm" len="sm"/>
+            <a:tailEnd type="none" w="sm" len="sm"/>
+          </a:ln>
+        </p:spPr>
+      </p:cxnSp>
+      <p:pic>
+        <p:nvPicPr>
+          <p:cNvPr id="246" name="Google Shape;246;p15"/>
+          <p:cNvPicPr preferRelativeResize="0"/>
+          <p:nvPr/>
+        </p:nvPicPr>
+        <p:blipFill rotWithShape="1">
+          <a:blip r:embed="rId3">
+            <a:alphaModFix/>
+          </a:blip>
+          <a:srcRect/>
+          <a:stretch/>
+        </p:blipFill>
+        <p:spPr>
+          <a:xfrm>
+            <a:off x="1812032" y="3306405"/>
+            <a:ext cx="431540" cy="425002"/>
+          </a:xfrm>
+          <a:prstGeom prst="rect">
+            <a:avLst/>
+          </a:prstGeom>
+          <a:noFill/>
+          <a:ln>
+            <a:noFill/>
+          </a:ln>
+        </p:spPr>
+      </p:pic>
+      <p:pic>
+        <p:nvPicPr>
+          <p:cNvPr id="247" name="Google Shape;247;p15"/>
+          <p:cNvPicPr preferRelativeResize="0"/>
+          <p:nvPr/>
+        </p:nvPicPr>
+        <p:blipFill rotWithShape="1">
+          <a:blip r:embed="rId4">
+            <a:alphaModFix/>
+          </a:blip>
+          <a:srcRect/>
+          <a:stretch/>
+        </p:blipFill>
+        <p:spPr>
+          <a:xfrm>
+            <a:off x="1812032" y="4386525"/>
+            <a:ext cx="431540" cy="425002"/>
+          </a:xfrm>
+          <a:prstGeom prst="rect">
+            <a:avLst/>
+          </a:prstGeom>
+          <a:noFill/>
+          <a:ln>
+            <a:noFill/>
+          </a:ln>
+        </p:spPr>
+      </p:pic>
+      <p:pic>
+        <p:nvPicPr>
+          <p:cNvPr id="248" name="Google Shape;248;p15"/>
+          <p:cNvPicPr preferRelativeResize="0"/>
+          <p:nvPr/>
+        </p:nvPicPr>
+        <p:blipFill rotWithShape="1">
+          <a:blip r:embed="rId5">
+            <a:alphaModFix/>
+          </a:blip>
+          <a:srcRect/>
+          <a:stretch/>
+        </p:blipFill>
+        <p:spPr>
+          <a:xfrm>
+            <a:off x="1812032" y="5394637"/>
+            <a:ext cx="431540" cy="425002"/>
+          </a:xfrm>
+          <a:prstGeom prst="rect">
+            <a:avLst/>
+          </a:prstGeom>
+          <a:noFill/>
+          <a:ln>
+            <a:noFill/>
+          </a:ln>
+        </p:spPr>
+      </p:pic>
+      <p:sp>
+        <p:nvSpPr>
+          <p:cNvPr id="249" name="Google Shape;249;p15"/>
+          <p:cNvSpPr/>
+          <p:nvPr/>
+        </p:nvSpPr>
+        <p:spPr>
+          <a:xfrm>
+            <a:off x="2387589" y="1474177"/>
+            <a:ext cx="1744810" cy="824116"/>
+          </a:xfrm>
+          <a:prstGeom prst="roundRect">
+            <a:avLst>
+              <a:gd name="adj" fmla="val 16667"/>
+            </a:avLst>
+          </a:prstGeom>
+          <a:noFill/>
+          <a:ln w="12700" cap="flat" cmpd="sng">
+            <a:solidFill>
+              <a:srgbClr val="F26640"/>
+            </a:solidFill>
+            <a:prstDash val="dash"/>
+            <a:miter lim="800000"/>
+            <a:headEnd type="none" w="sm" len="sm"/>
+            <a:tailEnd type="none" w="sm" len="sm"/>
+          </a:ln>
+        </p:spPr>
+        <p:txBody>
+          <a:bodyPr spcFirstLastPara="1" wrap="square" lIns="91425" tIns="45700" rIns="91425" bIns="45700" anchor="ctr" anchorCtr="0">
+            <a:noAutofit/>
+          </a:bodyPr>
+          <a:lstStyle/>
+          <a:p>
+            <a:pPr marL="0" marR="0" lvl="0" indent="0" algn="ctr" rtl="0">
+              <a:spcBef>
+                <a:spcPts val="0"/>
+              </a:spcBef>
+              <a:spcAft>
+                <a:spcPts val="0"/>
+              </a:spcAft>
+              <a:buNone/>
+            </a:pPr>
+            <a:endParaRPr sz="1800">
+              <a:solidFill>
+                <a:schemeClr val="lt1"/>
+              </a:solidFill>
+              <a:latin typeface="Malgun Gothic"/>
+              <a:ea typeface="Malgun Gothic"/>
+              <a:cs typeface="Malgun Gothic"/>
+              <a:sym typeface="Malgun Gothic"/>
+            </a:endParaRPr>
+          </a:p>
+        </p:txBody>
+      </p:sp>
+      <p:sp>
+        <p:nvSpPr>
+          <p:cNvPr id="250" name="Google Shape;250;p15"/>
+          <p:cNvSpPr/>
+          <p:nvPr/>
+        </p:nvSpPr>
+        <p:spPr>
+          <a:xfrm>
+            <a:off x="4164710" y="1474177"/>
+            <a:ext cx="3974288" cy="824116"/>
+          </a:xfrm>
+          <a:prstGeom prst="roundRect">
+            <a:avLst>
+              <a:gd name="adj" fmla="val 16667"/>
+            </a:avLst>
+          </a:prstGeom>
+          <a:noFill/>
+          <a:ln w="12700" cap="flat" cmpd="sng">
+            <a:solidFill>
+              <a:srgbClr val="F26640"/>
+            </a:solidFill>
+            <a:prstDash val="dash"/>
+            <a:miter lim="800000"/>
+            <a:headEnd type="none" w="sm" len="sm"/>
+            <a:tailEnd type="none" w="sm" len="sm"/>
+          </a:ln>
+        </p:spPr>
+        <p:txBody>
+          <a:bodyPr spcFirstLastPara="1" wrap="square" lIns="91425" tIns="45700" rIns="91425" bIns="45700" anchor="ctr" anchorCtr="0">
+            <a:noAutofit/>
+          </a:bodyPr>
+          <a:lstStyle/>
+          <a:p>
+            <a:pPr marL="0" marR="0" lvl="0" indent="0" algn="ctr" rtl="0">
+              <a:spcBef>
+                <a:spcPts val="0"/>
+              </a:spcBef>
+              <a:spcAft>
+                <a:spcPts val="0"/>
+              </a:spcAft>
+              <a:buNone/>
+            </a:pPr>
+            <a:endParaRPr sz="1800">
+              <a:solidFill>
+                <a:schemeClr val="lt1"/>
+              </a:solidFill>
+              <a:latin typeface="Malgun Gothic"/>
+              <a:ea typeface="Malgun Gothic"/>
+              <a:cs typeface="Malgun Gothic"/>
+              <a:sym typeface="Malgun Gothic"/>
+            </a:endParaRPr>
+          </a:p>
+        </p:txBody>
+      </p:sp>
+      <p:sp>
+        <p:nvSpPr>
+          <p:cNvPr id="251" name="Google Shape;251;p15"/>
+          <p:cNvSpPr/>
+          <p:nvPr/>
+        </p:nvSpPr>
+        <p:spPr>
+          <a:xfrm>
+            <a:off x="8170065" y="1474177"/>
+            <a:ext cx="1744810" cy="824116"/>
+          </a:xfrm>
+          <a:prstGeom prst="roundRect">
+            <a:avLst>
+              <a:gd name="adj" fmla="val 16667"/>
+            </a:avLst>
+          </a:prstGeom>
+          <a:noFill/>
+          <a:ln w="12700" cap="flat" cmpd="sng">
+            <a:solidFill>
+              <a:srgbClr val="F26640"/>
+            </a:solidFill>
+            <a:prstDash val="dash"/>
+            <a:miter lim="800000"/>
+            <a:headEnd type="none" w="sm" len="sm"/>
+            <a:tailEnd type="none" w="sm" len="sm"/>
+          </a:ln>
+        </p:spPr>
+        <p:txBody>
+          <a:bodyPr spcFirstLastPara="1" wrap="square" lIns="91425" tIns="45700" rIns="91425" bIns="45700" anchor="ctr" anchorCtr="0">
+            <a:noAutofit/>
+          </a:bodyPr>
+          <a:lstStyle/>
+          <a:p>
+            <a:pPr marL="0" marR="0" lvl="0" indent="0" algn="ctr" rtl="0">
+              <a:spcBef>
+                <a:spcPts val="0"/>
+              </a:spcBef>
+              <a:spcAft>
+                <a:spcPts val="0"/>
+              </a:spcAft>
+              <a:buNone/>
+            </a:pPr>
+            <a:endParaRPr sz="1800">
+              <a:solidFill>
+                <a:schemeClr val="lt1"/>
+              </a:solidFill>
+              <a:latin typeface="Malgun Gothic"/>
+              <a:ea typeface="Malgun Gothic"/>
+              <a:cs typeface="Malgun Gothic"/>
+              <a:sym typeface="Malgun Gothic"/>
+            </a:endParaRPr>
+          </a:p>
+        </p:txBody>
+      </p:sp>
+      <p:sp>
+        <p:nvSpPr>
+          <p:cNvPr id="252" name="Google Shape;252;p15"/>
+          <p:cNvSpPr/>
+          <p:nvPr/>
+        </p:nvSpPr>
+        <p:spPr>
+          <a:xfrm>
+            <a:off x="2547226" y="5513561"/>
+            <a:ext cx="142634" cy="142634"/>
+          </a:xfrm>
+          <a:prstGeom prst="ellipse">
+            <a:avLst/>
+          </a:prstGeom>
+          <a:solidFill>
+            <a:schemeClr val="lt1"/>
+          </a:solidFill>
+          <a:ln w="19050" cap="flat" cmpd="sng">
+            <a:solidFill>
+              <a:srgbClr val="F26640"/>
+            </a:solidFill>
+            <a:prstDash val="solid"/>
+            <a:miter lim="800000"/>
+            <a:headEnd type="none" w="sm" len="sm"/>
+            <a:tailEnd type="none" w="sm" len="sm"/>
+          </a:ln>
+        </p:spPr>
+        <p:txBody>
+          <a:bodyPr spcFirstLastPara="1" wrap="square" lIns="91425" tIns="45700" rIns="91425" bIns="45700" anchor="ctr" anchorCtr="0">
+            <a:noAutofit/>
+          </a:bodyPr>
+          <a:lstStyle/>
+          <a:p>
+            <a:pPr marL="0" marR="0" lvl="0" indent="0" algn="ctr" rtl="0">
+              <a:spcBef>
+                <a:spcPts val="0"/>
+              </a:spcBef>
+              <a:spcAft>
+                <a:spcPts val="0"/>
+              </a:spcAft>
+              <a:buNone/>
+            </a:pPr>
+            <a:endParaRPr sz="1800">
+              <a:solidFill>
+                <a:schemeClr val="lt1"/>
+              </a:solidFill>
+              <a:latin typeface="Malgun Gothic"/>
+              <a:ea typeface="Malgun Gothic"/>
+              <a:cs typeface="Malgun Gothic"/>
+              <a:sym typeface="Malgun Gothic"/>
+            </a:endParaRPr>
+          </a:p>
+        </p:txBody>
+      </p:sp>
+      <p:cxnSp>
+        <p:nvCxnSpPr>
+          <p:cNvPr id="253" name="Google Shape;253;p15"/>
+          <p:cNvCxnSpPr>
+            <a:stCxn id="252" idx="7"/>
+          </p:cNvCxnSpPr>
+          <p:nvPr/>
+        </p:nvCxnSpPr>
+        <p:spPr>
+          <a:xfrm rot="10800000" flipH="1">
+            <a:off x="2668972" y="4599049"/>
+            <a:ext cx="950400" cy="935400"/>
+          </a:xfrm>
+          <a:prstGeom prst="straightConnector1">
+            <a:avLst/>
+          </a:prstGeom>
+          <a:noFill/>
+          <a:ln w="28575" cap="flat" cmpd="sng">
+            <a:solidFill>
+              <a:srgbClr val="F26640"/>
+            </a:solidFill>
+            <a:prstDash val="solid"/>
+            <a:miter lim="800000"/>
+            <a:headEnd type="none" w="sm" len="sm"/>
+            <a:tailEnd type="none" w="sm" len="sm"/>
+          </a:ln>
+        </p:spPr>
+      </p:cxnSp>
+      <p:sp>
+        <p:nvSpPr>
+          <p:cNvPr id="254" name="Google Shape;254;p15"/>
+          <p:cNvSpPr/>
+          <p:nvPr/>
+        </p:nvSpPr>
+        <p:spPr>
+          <a:xfrm>
+            <a:off x="3551721" y="4545740"/>
+            <a:ext cx="142634" cy="142634"/>
+          </a:xfrm>
+          <a:prstGeom prst="ellipse">
+            <a:avLst/>
+          </a:prstGeom>
+          <a:solidFill>
+            <a:schemeClr val="lt1"/>
+          </a:solidFill>
+          <a:ln w="19050" cap="flat" cmpd="sng">
+            <a:solidFill>
+              <a:srgbClr val="F26640"/>
+            </a:solidFill>
+            <a:prstDash val="solid"/>
+            <a:miter lim="800000"/>
+            <a:headEnd type="none" w="sm" len="sm"/>
+            <a:tailEnd type="none" w="sm" len="sm"/>
+          </a:ln>
+        </p:spPr>
+        <p:txBody>
+          <a:bodyPr spcFirstLastPara="1" wrap="square" lIns="91425" tIns="45700" rIns="91425" bIns="45700" anchor="ctr" anchorCtr="0">
+            <a:noAutofit/>
+          </a:bodyPr>
+          <a:lstStyle/>
+          <a:p>
+            <a:pPr marL="0" marR="0" lvl="0" indent="0" algn="ctr" rtl="0">
+              <a:spcBef>
+                <a:spcPts val="0"/>
+              </a:spcBef>
+              <a:spcAft>
+                <a:spcPts val="0"/>
+              </a:spcAft>
+              <a:buNone/>
+            </a:pPr>
+            <a:endParaRPr sz="1800">
+              <a:solidFill>
+                <a:schemeClr val="lt1"/>
+              </a:solidFill>
+              <a:latin typeface="Malgun Gothic"/>
+              <a:ea typeface="Malgun Gothic"/>
+              <a:cs typeface="Malgun Gothic"/>
+              <a:sym typeface="Malgun Gothic"/>
+            </a:endParaRPr>
+          </a:p>
+        </p:txBody>
+      </p:sp>
+      <p:cxnSp>
+        <p:nvCxnSpPr>
+          <p:cNvPr id="255" name="Google Shape;255;p15"/>
+          <p:cNvCxnSpPr/>
+          <p:nvPr/>
+        </p:nvCxnSpPr>
+        <p:spPr>
+          <a:xfrm rot="10800000" flipH="1">
+            <a:off x="3676771" y="3543493"/>
+            <a:ext cx="1241668" cy="1026754"/>
+          </a:xfrm>
+          <a:prstGeom prst="straightConnector1">
+            <a:avLst/>
+          </a:prstGeom>
+          <a:noFill/>
+          <a:ln w="28575" cap="flat" cmpd="sng">
+            <a:solidFill>
+              <a:srgbClr val="F26640"/>
+            </a:solidFill>
+            <a:prstDash val="solid"/>
+            <a:miter lim="800000"/>
+            <a:headEnd type="none" w="sm" len="sm"/>
+            <a:tailEnd type="none" w="sm" len="sm"/>
+          </a:ln>
+        </p:spPr>
+      </p:cxnSp>
+      <p:sp>
+        <p:nvSpPr>
+          <p:cNvPr id="256" name="Google Shape;256;p15"/>
+          <p:cNvSpPr txBox="1"/>
+          <p:nvPr/>
+        </p:nvSpPr>
+        <p:spPr>
+          <a:xfrm>
+            <a:off x="2618543" y="5675622"/>
+            <a:ext cx="1406700" cy="554100"/>
+          </a:xfrm>
+          <a:prstGeom prst="rect">
+            <a:avLst/>
+          </a:prstGeom>
+          <a:noFill/>
+          <a:ln>
+            <a:noFill/>
+          </a:ln>
+        </p:spPr>
+        <p:txBody>
+          <a:bodyPr spcFirstLastPara="1" wrap="square" lIns="91425" tIns="45700" rIns="91425" bIns="45700" anchor="t" anchorCtr="0">
+            <a:spAutoFit/>
+          </a:bodyPr>
+          <a:lstStyle/>
+          <a:p>
+            <a:pPr marL="0" marR="0" lvl="0" indent="0" algn="ctr" rtl="0">
+              <a:spcBef>
+                <a:spcPts val="0"/>
+              </a:spcBef>
+              <a:spcAft>
+                <a:spcPts val="0"/>
+              </a:spcAft>
+              <a:buNone/>
+            </a:pPr>
+            <a:r>
+              <a:rPr lang="ko-KR" sz="1000">
+                <a:solidFill>
+                  <a:srgbClr val="595959"/>
+                </a:solidFill>
+              </a:rPr>
+              <a:t>토론수업은 중요한데, 대규모로 토론을 진행하기에는 어려워</a:t>
+            </a:r>
+            <a:endParaRPr sz="1000">
+              <a:solidFill>
+                <a:srgbClr val="595959"/>
+              </a:solidFill>
+              <a:latin typeface="Arial"/>
+              <a:ea typeface="Arial"/>
+              <a:cs typeface="Arial"/>
+              <a:sym typeface="Arial"/>
+            </a:endParaRPr>
+          </a:p>
+        </p:txBody>
+      </p:sp>
+      <p:sp>
+        <p:nvSpPr>
+          <p:cNvPr id="257" name="Google Shape;257;p15"/>
+          <p:cNvSpPr/>
+          <p:nvPr/>
+        </p:nvSpPr>
+        <p:spPr>
+          <a:xfrm>
+            <a:off x="4918439" y="3441963"/>
+            <a:ext cx="142634" cy="142634"/>
+          </a:xfrm>
+          <a:prstGeom prst="ellipse">
+            <a:avLst/>
+          </a:prstGeom>
+          <a:solidFill>
+            <a:schemeClr val="lt1"/>
+          </a:solidFill>
+          <a:ln w="19050" cap="flat" cmpd="sng">
+            <a:solidFill>
+              <a:srgbClr val="F26640"/>
+            </a:solidFill>
+            <a:prstDash val="solid"/>
+            <a:miter lim="800000"/>
+            <a:headEnd type="none" w="sm" len="sm"/>
+            <a:tailEnd type="none" w="sm" len="sm"/>
+          </a:ln>
+        </p:spPr>
+        <p:txBody>
+          <a:bodyPr spcFirstLastPara="1" wrap="square" lIns="91425" tIns="45700" rIns="91425" bIns="45700" anchor="ctr" anchorCtr="0">
+            <a:noAutofit/>
+          </a:bodyPr>
+          <a:lstStyle/>
+          <a:p>
+            <a:pPr marL="0" marR="0" lvl="0" indent="0" algn="ctr" rtl="0">
+              <a:spcBef>
+                <a:spcPts val="0"/>
+              </a:spcBef>
+              <a:spcAft>
+                <a:spcPts val="0"/>
+              </a:spcAft>
+              <a:buNone/>
+            </a:pPr>
+            <a:endParaRPr sz="1800">
+              <a:solidFill>
+                <a:schemeClr val="lt1"/>
+              </a:solidFill>
+              <a:latin typeface="Malgun Gothic"/>
+              <a:ea typeface="Malgun Gothic"/>
+              <a:cs typeface="Malgun Gothic"/>
+              <a:sym typeface="Malgun Gothic"/>
+            </a:endParaRPr>
+          </a:p>
+        </p:txBody>
+      </p:sp>
+      <p:sp>
+        <p:nvSpPr>
+          <p:cNvPr id="258" name="Google Shape;258;p15"/>
+          <p:cNvSpPr txBox="1"/>
+          <p:nvPr/>
+        </p:nvSpPr>
+        <p:spPr>
+          <a:xfrm>
+            <a:off x="3329900" y="4630647"/>
+            <a:ext cx="1406700" cy="708000"/>
+          </a:xfrm>
+          <a:prstGeom prst="rect">
+            <a:avLst/>
+          </a:prstGeom>
+          <a:noFill/>
+          <a:ln>
+            <a:noFill/>
+          </a:ln>
+        </p:spPr>
+        <p:txBody>
+          <a:bodyPr spcFirstLastPara="1" wrap="square" lIns="91425" tIns="45700" rIns="91425" bIns="45700" anchor="t" anchorCtr="0">
+            <a:spAutoFit/>
+          </a:bodyPr>
+          <a:lstStyle/>
+          <a:p>
+            <a:pPr marL="0" marR="0" lvl="0" indent="0" algn="ctr" rtl="0">
+              <a:spcBef>
+                <a:spcPts val="0"/>
+              </a:spcBef>
+              <a:spcAft>
+                <a:spcPts val="0"/>
+              </a:spcAft>
+              <a:buNone/>
+            </a:pPr>
+            <a:r>
+              <a:rPr lang="ko-KR" sz="1000">
+                <a:solidFill>
+                  <a:srgbClr val="595959"/>
+                </a:solidFill>
+              </a:rPr>
+              <a:t>선생님없이도 시스템이 토론을 이끌어 나가는 서비스가 있다고?</a:t>
+            </a:r>
+            <a:endParaRPr sz="1000">
+              <a:solidFill>
+                <a:srgbClr val="595959"/>
+              </a:solidFill>
+              <a:latin typeface="Arial"/>
+              <a:ea typeface="Arial"/>
+              <a:cs typeface="Arial"/>
+              <a:sym typeface="Arial"/>
+            </a:endParaRPr>
+          </a:p>
+        </p:txBody>
+      </p:sp>
+      <p:sp>
+        <p:nvSpPr>
+          <p:cNvPr id="259" name="Google Shape;259;p15"/>
+          <p:cNvSpPr txBox="1"/>
+          <p:nvPr/>
+        </p:nvSpPr>
+        <p:spPr>
+          <a:xfrm>
+            <a:off x="4292201" y="3708425"/>
+            <a:ext cx="1744800" cy="554100"/>
+          </a:xfrm>
+          <a:prstGeom prst="rect">
+            <a:avLst/>
+          </a:prstGeom>
+          <a:noFill/>
+          <a:ln>
+            <a:noFill/>
+          </a:ln>
+        </p:spPr>
+        <p:txBody>
+          <a:bodyPr spcFirstLastPara="1" wrap="square" lIns="91425" tIns="45700" rIns="91425" bIns="45700" anchor="t" anchorCtr="0">
+            <a:spAutoFit/>
+          </a:bodyPr>
+          <a:lstStyle/>
+          <a:p>
+            <a:pPr marL="0" marR="0" lvl="0" indent="0" algn="ctr" rtl="0">
+              <a:spcBef>
+                <a:spcPts val="0"/>
+              </a:spcBef>
+              <a:spcAft>
+                <a:spcPts val="0"/>
+              </a:spcAft>
+              <a:buNone/>
+            </a:pPr>
+            <a:r>
+              <a:rPr lang="ko-KR" sz="1000">
+                <a:solidFill>
+                  <a:srgbClr val="595959"/>
+                </a:solidFill>
+              </a:rPr>
+              <a:t>선생님없이도 토론을 할 수 있다니! 청중으로 학생들 토론도 참관 가능하네?</a:t>
+            </a:r>
+            <a:endParaRPr sz="1000">
+              <a:solidFill>
+                <a:srgbClr val="595959"/>
+              </a:solidFill>
+              <a:latin typeface="Arial"/>
+              <a:ea typeface="Arial"/>
+              <a:cs typeface="Arial"/>
+              <a:sym typeface="Arial"/>
+            </a:endParaRPr>
+          </a:p>
+        </p:txBody>
+      </p:sp>
+      <p:cxnSp>
+        <p:nvCxnSpPr>
+          <p:cNvPr id="260" name="Google Shape;260;p15"/>
+          <p:cNvCxnSpPr/>
+          <p:nvPr/>
+        </p:nvCxnSpPr>
+        <p:spPr>
+          <a:xfrm>
+            <a:off x="5061660" y="3518544"/>
+            <a:ext cx="1875471" cy="522061"/>
+          </a:xfrm>
+          <a:prstGeom prst="straightConnector1">
+            <a:avLst/>
+          </a:prstGeom>
+          <a:noFill/>
+          <a:ln w="28575" cap="flat" cmpd="sng">
+            <a:solidFill>
+              <a:srgbClr val="F26640"/>
+            </a:solidFill>
+            <a:prstDash val="solid"/>
+            <a:miter lim="800000"/>
+            <a:headEnd type="none" w="sm" len="sm"/>
+            <a:tailEnd type="none" w="sm" len="sm"/>
+          </a:ln>
+        </p:spPr>
+      </p:cxnSp>
+      <p:sp>
+        <p:nvSpPr>
+          <p:cNvPr id="261" name="Google Shape;261;p15"/>
+          <p:cNvSpPr/>
+          <p:nvPr/>
+        </p:nvSpPr>
+        <p:spPr>
+          <a:xfrm>
+            <a:off x="6928520" y="3999501"/>
+            <a:ext cx="142634" cy="142634"/>
+          </a:xfrm>
+          <a:prstGeom prst="ellipse">
+            <a:avLst/>
+          </a:prstGeom>
+          <a:solidFill>
+            <a:schemeClr val="lt1"/>
+          </a:solidFill>
+          <a:ln w="19050" cap="flat" cmpd="sng">
+            <a:solidFill>
+              <a:srgbClr val="F26640"/>
+            </a:solidFill>
+            <a:prstDash val="solid"/>
+            <a:miter lim="800000"/>
+            <a:headEnd type="none" w="sm" len="sm"/>
+            <a:tailEnd type="none" w="sm" len="sm"/>
+          </a:ln>
+        </p:spPr>
+        <p:txBody>
+          <a:bodyPr spcFirstLastPara="1" wrap="square" lIns="91425" tIns="45700" rIns="91425" bIns="45700" anchor="ctr" anchorCtr="0">
+            <a:noAutofit/>
+          </a:bodyPr>
+          <a:lstStyle/>
+          <a:p>
+            <a:pPr marL="0" marR="0" lvl="0" indent="0" algn="ctr" rtl="0">
+              <a:spcBef>
+                <a:spcPts val="0"/>
+              </a:spcBef>
+              <a:spcAft>
+                <a:spcPts val="0"/>
+              </a:spcAft>
+              <a:buNone/>
+            </a:pPr>
+            <a:endParaRPr sz="1800">
+              <a:solidFill>
+                <a:schemeClr val="lt1"/>
+              </a:solidFill>
+              <a:latin typeface="Malgun Gothic"/>
+              <a:ea typeface="Malgun Gothic"/>
+              <a:cs typeface="Malgun Gothic"/>
+              <a:sym typeface="Malgun Gothic"/>
+            </a:endParaRPr>
+          </a:p>
+        </p:txBody>
+      </p:sp>
+      <p:sp>
+        <p:nvSpPr>
+          <p:cNvPr id="262" name="Google Shape;262;p15"/>
+          <p:cNvSpPr txBox="1"/>
+          <p:nvPr/>
+        </p:nvSpPr>
+        <p:spPr>
+          <a:xfrm>
+            <a:off x="6296427" y="4171190"/>
+            <a:ext cx="1406700" cy="400200"/>
+          </a:xfrm>
+          <a:prstGeom prst="rect">
+            <a:avLst/>
+          </a:prstGeom>
+          <a:noFill/>
+          <a:ln>
+            <a:noFill/>
+          </a:ln>
+        </p:spPr>
+        <p:txBody>
+          <a:bodyPr spcFirstLastPara="1" wrap="square" lIns="91425" tIns="45700" rIns="91425" bIns="45700" anchor="t" anchorCtr="0">
+            <a:spAutoFit/>
+          </a:bodyPr>
+          <a:lstStyle/>
+          <a:p>
+            <a:pPr marL="0" marR="0" lvl="0" indent="0" algn="ctr" rtl="0">
+              <a:spcBef>
+                <a:spcPts val="0"/>
+              </a:spcBef>
+              <a:spcAft>
+                <a:spcPts val="0"/>
+              </a:spcAft>
+              <a:buNone/>
+            </a:pPr>
+            <a:r>
+              <a:rPr lang="ko-KR" sz="1000">
+                <a:solidFill>
+                  <a:srgbClr val="595959"/>
+                </a:solidFill>
+              </a:rPr>
+              <a:t>그런데 평가나 피드백은 어떡하지?</a:t>
+            </a:r>
+            <a:endParaRPr sz="1000">
+              <a:solidFill>
+                <a:srgbClr val="595959"/>
+              </a:solidFill>
+              <a:latin typeface="Arial"/>
+              <a:ea typeface="Arial"/>
+              <a:cs typeface="Arial"/>
+              <a:sym typeface="Arial"/>
+            </a:endParaRPr>
+          </a:p>
+        </p:txBody>
+      </p:sp>
+      <p:cxnSp>
+        <p:nvCxnSpPr>
+          <p:cNvPr id="263" name="Google Shape;263;p15"/>
+          <p:cNvCxnSpPr/>
+          <p:nvPr/>
+        </p:nvCxnSpPr>
+        <p:spPr>
+          <a:xfrm rot="10800000" flipH="1">
+            <a:off x="7062362" y="3520487"/>
+            <a:ext cx="976581" cy="508641"/>
+          </a:xfrm>
+          <a:prstGeom prst="straightConnector1">
+            <a:avLst/>
+          </a:prstGeom>
+          <a:noFill/>
+          <a:ln w="28575" cap="flat" cmpd="sng">
+            <a:solidFill>
+              <a:srgbClr val="F26640"/>
+            </a:solidFill>
+            <a:prstDash val="solid"/>
+            <a:miter lim="800000"/>
+            <a:headEnd type="none" w="sm" len="sm"/>
+            <a:tailEnd type="none" w="sm" len="sm"/>
+          </a:ln>
+        </p:spPr>
+      </p:cxnSp>
+      <p:sp>
+        <p:nvSpPr>
+          <p:cNvPr id="264" name="Google Shape;264;p15"/>
+          <p:cNvSpPr/>
+          <p:nvPr/>
+        </p:nvSpPr>
+        <p:spPr>
+          <a:xfrm>
+            <a:off x="7996363" y="3438902"/>
+            <a:ext cx="142634" cy="142634"/>
+          </a:xfrm>
+          <a:prstGeom prst="ellipse">
+            <a:avLst/>
+          </a:prstGeom>
+          <a:solidFill>
+            <a:schemeClr val="lt1"/>
+          </a:solidFill>
+          <a:ln w="19050" cap="flat" cmpd="sng">
+            <a:solidFill>
+              <a:srgbClr val="F26640"/>
+            </a:solidFill>
+            <a:prstDash val="solid"/>
+            <a:miter lim="800000"/>
+            <a:headEnd type="none" w="sm" len="sm"/>
+            <a:tailEnd type="none" w="sm" len="sm"/>
+          </a:ln>
+        </p:spPr>
+        <p:txBody>
+          <a:bodyPr spcFirstLastPara="1" wrap="square" lIns="91425" tIns="45700" rIns="91425" bIns="45700" anchor="ctr" anchorCtr="0">
+            <a:noAutofit/>
+          </a:bodyPr>
+          <a:lstStyle/>
+          <a:p>
+            <a:pPr marL="0" marR="0" lvl="0" indent="0" algn="ctr" rtl="0">
+              <a:spcBef>
+                <a:spcPts val="0"/>
+              </a:spcBef>
+              <a:spcAft>
+                <a:spcPts val="0"/>
+              </a:spcAft>
+              <a:buNone/>
+            </a:pPr>
+            <a:endParaRPr sz="1800">
+              <a:solidFill>
+                <a:schemeClr val="lt1"/>
+              </a:solidFill>
+              <a:latin typeface="Malgun Gothic"/>
+              <a:ea typeface="Malgun Gothic"/>
+              <a:cs typeface="Malgun Gothic"/>
+              <a:sym typeface="Malgun Gothic"/>
+            </a:endParaRPr>
+          </a:p>
+        </p:txBody>
+      </p:sp>
+      <p:cxnSp>
+        <p:nvCxnSpPr>
+          <p:cNvPr id="265" name="Google Shape;265;p15"/>
+          <p:cNvCxnSpPr/>
+          <p:nvPr/>
+        </p:nvCxnSpPr>
+        <p:spPr>
+          <a:xfrm rot="10800000" flipH="1">
+            <a:off x="8138997" y="3517460"/>
+            <a:ext cx="1189641" cy="1551"/>
+          </a:xfrm>
+          <a:prstGeom prst="straightConnector1">
+            <a:avLst/>
+          </a:prstGeom>
+          <a:noFill/>
+          <a:ln w="28575" cap="flat" cmpd="sng">
+            <a:solidFill>
+              <a:srgbClr val="F26640"/>
+            </a:solidFill>
+            <a:prstDash val="solid"/>
+            <a:miter lim="800000"/>
+            <a:headEnd type="none" w="sm" len="sm"/>
+            <a:tailEnd type="none" w="sm" len="sm"/>
+          </a:ln>
+        </p:spPr>
+      </p:cxnSp>
+      <p:sp>
+        <p:nvSpPr>
+          <p:cNvPr id="266" name="Google Shape;266;p15"/>
+          <p:cNvSpPr/>
+          <p:nvPr/>
+        </p:nvSpPr>
+        <p:spPr>
+          <a:xfrm>
+            <a:off x="9328638" y="3436447"/>
+            <a:ext cx="142634" cy="142634"/>
+          </a:xfrm>
+          <a:prstGeom prst="ellipse">
+            <a:avLst/>
+          </a:prstGeom>
+          <a:solidFill>
+            <a:schemeClr val="lt1"/>
+          </a:solidFill>
+          <a:ln w="19050" cap="flat" cmpd="sng">
+            <a:solidFill>
+              <a:srgbClr val="F26640"/>
+            </a:solidFill>
+            <a:prstDash val="solid"/>
+            <a:miter lim="800000"/>
+            <a:headEnd type="none" w="sm" len="sm"/>
+            <a:tailEnd type="none" w="sm" len="sm"/>
+          </a:ln>
+        </p:spPr>
+        <p:txBody>
+          <a:bodyPr spcFirstLastPara="1" wrap="square" lIns="91425" tIns="45700" rIns="91425" bIns="45700" anchor="ctr" anchorCtr="0">
+            <a:noAutofit/>
+          </a:bodyPr>
+          <a:lstStyle/>
+          <a:p>
+            <a:pPr marL="0" marR="0" lvl="0" indent="0" algn="ctr" rtl="0">
+              <a:spcBef>
+                <a:spcPts val="0"/>
+              </a:spcBef>
+              <a:spcAft>
+                <a:spcPts val="0"/>
+              </a:spcAft>
+              <a:buNone/>
+            </a:pPr>
+            <a:endParaRPr sz="1800">
+              <a:solidFill>
+                <a:schemeClr val="lt1"/>
+              </a:solidFill>
+              <a:latin typeface="Malgun Gothic"/>
+              <a:ea typeface="Malgun Gothic"/>
+              <a:cs typeface="Malgun Gothic"/>
+              <a:sym typeface="Malgun Gothic"/>
+            </a:endParaRPr>
+          </a:p>
+        </p:txBody>
+      </p:sp>
+      <p:sp>
+        <p:nvSpPr>
+          <p:cNvPr id="267" name="Google Shape;267;p15"/>
+          <p:cNvSpPr txBox="1"/>
+          <p:nvPr/>
+        </p:nvSpPr>
+        <p:spPr>
+          <a:xfrm>
+            <a:off x="7364295" y="2995801"/>
+            <a:ext cx="1406700" cy="400200"/>
+          </a:xfrm>
+          <a:prstGeom prst="rect">
+            <a:avLst/>
+          </a:prstGeom>
+          <a:noFill/>
+          <a:ln>
+            <a:noFill/>
+          </a:ln>
+        </p:spPr>
+        <p:txBody>
+          <a:bodyPr spcFirstLastPara="1" wrap="square" lIns="91425" tIns="45700" rIns="91425" bIns="45700" anchor="t" anchorCtr="0">
+            <a:spAutoFit/>
+          </a:bodyPr>
+          <a:lstStyle/>
+          <a:p>
+            <a:pPr marL="0" marR="0" lvl="0" indent="0" algn="ctr" rtl="0">
+              <a:spcBef>
+                <a:spcPts val="0"/>
+              </a:spcBef>
+              <a:spcAft>
+                <a:spcPts val="0"/>
+              </a:spcAft>
+              <a:buNone/>
+            </a:pPr>
+            <a:r>
+              <a:rPr lang="ko-KR" sz="1000">
+                <a:solidFill>
+                  <a:srgbClr val="595959"/>
+                </a:solidFill>
+              </a:rPr>
+              <a:t>학생들 자체적으로 평가를 할 수 있잖아?</a:t>
+            </a:r>
+            <a:endParaRPr sz="1000">
+              <a:solidFill>
+                <a:srgbClr val="595959"/>
+              </a:solidFill>
+              <a:latin typeface="Arial"/>
+              <a:ea typeface="Arial"/>
+              <a:cs typeface="Arial"/>
+              <a:sym typeface="Arial"/>
+            </a:endParaRPr>
+          </a:p>
+        </p:txBody>
+      </p:sp>
+      <p:sp>
+        <p:nvSpPr>
+          <p:cNvPr id="268" name="Google Shape;268;p15"/>
+          <p:cNvSpPr txBox="1"/>
+          <p:nvPr/>
+        </p:nvSpPr>
+        <p:spPr>
+          <a:xfrm>
+            <a:off x="8771064" y="3683043"/>
+            <a:ext cx="1534200" cy="554100"/>
+          </a:xfrm>
+          <a:prstGeom prst="rect">
+            <a:avLst/>
+          </a:prstGeom>
+          <a:noFill/>
+          <a:ln>
+            <a:noFill/>
+          </a:ln>
+        </p:spPr>
+        <p:txBody>
+          <a:bodyPr spcFirstLastPara="1" wrap="square" lIns="91425" tIns="45700" rIns="91425" bIns="45700" anchor="t" anchorCtr="0">
+            <a:spAutoFit/>
+          </a:bodyPr>
+          <a:lstStyle/>
+          <a:p>
+            <a:pPr marL="0" marR="0" lvl="0" indent="0" algn="ctr" rtl="0">
+              <a:spcBef>
+                <a:spcPts val="0"/>
+              </a:spcBef>
+              <a:spcAft>
+                <a:spcPts val="0"/>
+              </a:spcAft>
+              <a:buNone/>
+            </a:pPr>
+            <a:r>
+              <a:rPr lang="ko-KR" sz="1000">
+                <a:solidFill>
+                  <a:srgbClr val="595959"/>
+                </a:solidFill>
+              </a:rPr>
+              <a:t>앞으로 이렇게 토론 수업을 진행하면 되겠다!</a:t>
+            </a:r>
+            <a:endParaRPr sz="1000">
+              <a:solidFill>
+                <a:srgbClr val="595959"/>
+              </a:solidFill>
+              <a:latin typeface="Arial"/>
+              <a:ea typeface="Arial"/>
+              <a:cs typeface="Arial"/>
+              <a:sym typeface="Arial"/>
+            </a:endParaRPr>
+          </a:p>
+        </p:txBody>
+      </p:sp>
+      <p:sp>
+        <p:nvSpPr>
+          <p:cNvPr id="269" name="Google Shape;269;p15"/>
+          <p:cNvSpPr txBox="1"/>
+          <p:nvPr/>
+        </p:nvSpPr>
+        <p:spPr>
+          <a:xfrm>
+            <a:off x="2468870" y="1705554"/>
+            <a:ext cx="1574400" cy="400200"/>
+          </a:xfrm>
+          <a:prstGeom prst="rect">
+            <a:avLst/>
+          </a:prstGeom>
+          <a:noFill/>
+          <a:ln>
+            <a:noFill/>
+          </a:ln>
+        </p:spPr>
+        <p:txBody>
+          <a:bodyPr spcFirstLastPara="1" wrap="square" lIns="91425" tIns="45700" rIns="91425" bIns="45700" anchor="t" anchorCtr="0">
+            <a:spAutoFit/>
+          </a:bodyPr>
+          <a:lstStyle/>
+          <a:p>
+            <a:pPr marL="0" marR="0" lvl="0" indent="0" algn="ctr" rtl="0">
+              <a:spcBef>
+                <a:spcPts val="0"/>
+              </a:spcBef>
+              <a:spcAft>
+                <a:spcPts val="0"/>
+              </a:spcAft>
+              <a:buNone/>
+            </a:pPr>
+            <a:r>
+              <a:rPr lang="ko-KR" sz="1000">
+                <a:solidFill>
+                  <a:srgbClr val="595959"/>
+                </a:solidFill>
+              </a:rPr>
+              <a:t>토론수업을 하고 싶은데, 준비과정부터 쉽지 않음. </a:t>
+            </a:r>
+            <a:endParaRPr/>
+          </a:p>
+        </p:txBody>
+      </p:sp>
+      <p:sp>
+        <p:nvSpPr>
+          <p:cNvPr id="270" name="Google Shape;270;p15"/>
+          <p:cNvSpPr txBox="1"/>
+          <p:nvPr/>
+        </p:nvSpPr>
+        <p:spPr>
+          <a:xfrm>
+            <a:off x="4385280" y="1628597"/>
+            <a:ext cx="1574400" cy="554100"/>
+          </a:xfrm>
+          <a:prstGeom prst="rect">
+            <a:avLst/>
+          </a:prstGeom>
+          <a:noFill/>
+          <a:ln>
+            <a:noFill/>
+          </a:ln>
+        </p:spPr>
+        <p:txBody>
+          <a:bodyPr spcFirstLastPara="1" wrap="square" lIns="91425" tIns="45700" rIns="91425" bIns="45700" anchor="t" anchorCtr="0">
+            <a:spAutoFit/>
+          </a:bodyPr>
+          <a:lstStyle/>
+          <a:p>
+            <a:pPr marL="0" marR="0" lvl="0" indent="0" algn="ctr" rtl="0">
+              <a:spcBef>
+                <a:spcPts val="0"/>
+              </a:spcBef>
+              <a:spcAft>
+                <a:spcPts val="0"/>
+              </a:spcAft>
+              <a:buNone/>
+            </a:pPr>
+            <a:r>
+              <a:rPr lang="ko-KR" sz="1000">
+                <a:solidFill>
+                  <a:srgbClr val="595959"/>
+                </a:solidFill>
+              </a:rPr>
+              <a:t>학생들 자율적으로 토론을 할 수 있는 서비스를 발견함</a:t>
+            </a:r>
+            <a:r>
+              <a:rPr lang="ko-KR" sz="1000">
+                <a:solidFill>
+                  <a:srgbClr val="595959"/>
+                </a:solidFill>
+                <a:latin typeface="Arial"/>
+                <a:ea typeface="Arial"/>
+                <a:cs typeface="Arial"/>
+                <a:sym typeface="Arial"/>
+              </a:rPr>
+              <a:t> </a:t>
+            </a:r>
+            <a:endParaRPr/>
+          </a:p>
+        </p:txBody>
+      </p:sp>
+      <p:sp>
+        <p:nvSpPr>
+          <p:cNvPr id="271" name="Google Shape;271;p15"/>
+          <p:cNvSpPr txBox="1"/>
+          <p:nvPr/>
+        </p:nvSpPr>
+        <p:spPr>
+          <a:xfrm>
+            <a:off x="6212538" y="1628593"/>
+            <a:ext cx="1574400" cy="554100"/>
+          </a:xfrm>
+          <a:prstGeom prst="rect">
+            <a:avLst/>
+          </a:prstGeom>
+          <a:noFill/>
+          <a:ln>
+            <a:noFill/>
+          </a:ln>
+        </p:spPr>
+        <p:txBody>
+          <a:bodyPr spcFirstLastPara="1" wrap="square" lIns="91425" tIns="45700" rIns="91425" bIns="45700" anchor="t" anchorCtr="0">
+            <a:spAutoFit/>
+          </a:bodyPr>
+          <a:lstStyle/>
+          <a:p>
+            <a:pPr marL="0" marR="0" lvl="0" indent="0" algn="ctr" rtl="0">
+              <a:spcBef>
+                <a:spcPts val="0"/>
+              </a:spcBef>
+              <a:spcAft>
+                <a:spcPts val="0"/>
+              </a:spcAft>
+              <a:buNone/>
+            </a:pPr>
+            <a:r>
+              <a:rPr lang="ko-KR" sz="1000">
+                <a:solidFill>
+                  <a:srgbClr val="595959"/>
+                </a:solidFill>
+              </a:rPr>
+              <a:t>학생들이 선생님없이도 시스템이 토론을 이끌어나감</a:t>
+            </a:r>
+            <a:endParaRPr/>
+          </a:p>
+        </p:txBody>
+      </p:sp>
+      <p:sp>
+        <p:nvSpPr>
+          <p:cNvPr id="272" name="Google Shape;272;p15"/>
+          <p:cNvSpPr txBox="1"/>
+          <p:nvPr/>
+        </p:nvSpPr>
+        <p:spPr>
+          <a:xfrm>
+            <a:off x="8260416" y="1551658"/>
+            <a:ext cx="1574400" cy="708000"/>
+          </a:xfrm>
+          <a:prstGeom prst="rect">
+            <a:avLst/>
+          </a:prstGeom>
+          <a:noFill/>
+          <a:ln>
+            <a:noFill/>
+          </a:ln>
+        </p:spPr>
+        <p:txBody>
+          <a:bodyPr spcFirstLastPara="1" wrap="square" lIns="91425" tIns="45700" rIns="91425" bIns="45700" anchor="t" anchorCtr="0">
+            <a:spAutoFit/>
+          </a:bodyPr>
+          <a:lstStyle/>
+          <a:p>
+            <a:pPr marL="0" marR="0" lvl="0" indent="0" algn="ctr" rtl="0">
+              <a:spcBef>
+                <a:spcPts val="0"/>
+              </a:spcBef>
+              <a:spcAft>
+                <a:spcPts val="0"/>
+              </a:spcAft>
+              <a:buNone/>
+            </a:pPr>
+            <a:r>
+              <a:rPr lang="ko-KR" sz="1000">
+                <a:solidFill>
+                  <a:srgbClr val="595959"/>
+                </a:solidFill>
+              </a:rPr>
+              <a:t>토론 후 학생들 자체적으로 평가를 할 수 있고, 이를 통해 피드백이 원활해짐</a:t>
+            </a:r>
+            <a:endParaRPr/>
+          </a:p>
+        </p:txBody>
+      </p:sp>
+      <p:sp>
+        <p:nvSpPr>
+          <p:cNvPr id="2" name="TextBox 1">
+            <a:extLst>
+              <a:ext uri="{FF2B5EF4-FFF2-40B4-BE49-F238E27FC236}">
+                <a16:creationId xmlns:a16="http://schemas.microsoft.com/office/drawing/2014/main" id="{B7D52E3D-A5BE-D162-DFC9-8BCDB3C75933}"/>
+              </a:ext>
+            </a:extLst>
+          </p:cNvPr>
+          <p:cNvSpPr txBox="1"/>
+          <p:nvPr/>
+        </p:nvSpPr>
+        <p:spPr>
+          <a:xfrm>
+            <a:off x="2313803" y="252807"/>
+            <a:ext cx="6096000" cy="415627"/>
+          </a:xfrm>
+          <a:prstGeom prst="rect">
+            <a:avLst/>
+          </a:prstGeom>
+          <a:noFill/>
+        </p:spPr>
+        <p:txBody>
+          <a:bodyPr wrap="square" anchor="ctr">
+            <a:spAutoFit/>
+          </a:bodyPr>
+          <a:lstStyle/>
+          <a:p>
+            <a:pPr marL="0" marR="0" lvl="0" indent="0" algn="l" rtl="0">
+              <a:lnSpc>
+                <a:spcPct val="150000"/>
+              </a:lnSpc>
+              <a:spcBef>
+                <a:spcPts val="0"/>
+              </a:spcBef>
+              <a:spcAft>
+                <a:spcPts val="0"/>
+              </a:spcAft>
+              <a:buNone/>
+            </a:pPr>
+            <a:r>
+              <a:rPr lang="ko-KR" altLang="en-US" sz="1600" dirty="0">
+                <a:solidFill>
+                  <a:srgbClr val="595959"/>
+                </a:solidFill>
+              </a:rPr>
+              <a:t>사용자 여정 지도</a:t>
+            </a:r>
+            <a:endParaRPr lang="ko-KR" altLang="en-US" sz="1600" dirty="0">
+              <a:solidFill>
+                <a:srgbClr val="595959"/>
+              </a:solidFill>
+              <a:latin typeface="Arial"/>
+              <a:ea typeface="Arial"/>
+              <a:cs typeface="Arial"/>
+              <a:sym typeface="Arial"/>
+            </a:endParaRPr>
+          </a:p>
+        </p:txBody>
+      </p:sp>
+      <p:sp>
+        <p:nvSpPr>
+          <p:cNvPr id="4" name="TextBox 3">
+            <a:extLst>
+              <a:ext uri="{FF2B5EF4-FFF2-40B4-BE49-F238E27FC236}">
+                <a16:creationId xmlns:a16="http://schemas.microsoft.com/office/drawing/2014/main" id="{882E81CF-3C14-E4CA-0A6B-23585AA36566}"/>
+              </a:ext>
+            </a:extLst>
+          </p:cNvPr>
+          <p:cNvSpPr txBox="1"/>
+          <p:nvPr/>
+        </p:nvSpPr>
+        <p:spPr>
+          <a:xfrm>
+            <a:off x="323273" y="215254"/>
+            <a:ext cx="1948872" cy="496546"/>
+          </a:xfrm>
+          <a:prstGeom prst="rect">
+            <a:avLst/>
+          </a:prstGeom>
+          <a:noFill/>
+        </p:spPr>
+        <p:txBody>
+          <a:bodyPr wrap="square" anchor="ctr">
+            <a:spAutoFit/>
+          </a:bodyPr>
+          <a:lstStyle/>
+          <a:p>
+            <a:pPr marL="0" marR="0" lvl="0" indent="0" algn="l" rtl="0">
+              <a:lnSpc>
+                <a:spcPct val="150000"/>
+              </a:lnSpc>
+              <a:spcBef>
+                <a:spcPts val="0"/>
+              </a:spcBef>
+              <a:spcAft>
+                <a:spcPts val="0"/>
+              </a:spcAft>
+              <a:buNone/>
+            </a:pPr>
+            <a:r>
+              <a:rPr lang="en-US" altLang="ko-KR" sz="2000" dirty="0">
+                <a:solidFill>
+                  <a:srgbClr val="F26640"/>
+                </a:solidFill>
+                <a:latin typeface="Arial"/>
+                <a:ea typeface="Arial"/>
+                <a:cs typeface="Arial"/>
+                <a:sym typeface="Arial"/>
+              </a:rPr>
+              <a:t>03. </a:t>
+            </a:r>
+            <a:r>
+              <a:rPr lang="ko-KR" altLang="en-US" sz="2000" dirty="0">
+                <a:solidFill>
+                  <a:srgbClr val="F26640"/>
+                </a:solidFill>
+                <a:latin typeface="Arial"/>
+                <a:ea typeface="Arial"/>
+                <a:cs typeface="Arial"/>
+                <a:sym typeface="Arial"/>
+              </a:rPr>
+              <a:t>사용자 정의</a:t>
+            </a:r>
+          </a:p>
+        </p:txBody>
+      </p:sp>
+    </p:spTree>
+  </p:cSld>
+  <p:clrMapOvr>
+    <a:masterClrMapping/>
+  </p:clrMapOvr>
+</p:sld>
+</file>
+
+<file path=ppt/slides/slide21.xml><?xml version="1.0" encoding="utf-8"?>
+<p:sld xmlns:a="http://schemas.openxmlformats.org/drawingml/2006/main" xmlns:r="http://schemas.openxmlformats.org/officeDocument/2006/relationships" xmlns:p="http://schemas.openxmlformats.org/presentationml/2006/main">
+  <p:cSld>
+    <p:spTree>
+      <p:nvGrpSpPr>
         <p:cNvPr id="1" name="Shape 277"/>
         <p:cNvGrpSpPr/>
         <p:nvPr/>
@@ -17723,7 +18169,7 @@
 </p:sld>
 </file>
 
-<file path=ppt/slides/slide21.xml><?xml version="1.0" encoding="utf-8"?>
+<file path=ppt/slides/slide22.xml><?xml version="1.0" encoding="utf-8"?>
 <p:sld xmlns:a="http://schemas.openxmlformats.org/drawingml/2006/main" xmlns:r="http://schemas.openxmlformats.org/officeDocument/2006/relationships" xmlns:p="http://schemas.openxmlformats.org/presentationml/2006/main">
   <p:cSld>
     <p:spTree>
@@ -19472,7 +19918,7 @@
 </p:sld>
 </file>
 
-<file path=ppt/slides/slide22.xml><?xml version="1.0" encoding="utf-8"?>
+<file path=ppt/slides/slide23.xml><?xml version="1.0" encoding="utf-8"?>
 <p:sld xmlns:a="http://schemas.openxmlformats.org/drawingml/2006/main" xmlns:r="http://schemas.openxmlformats.org/officeDocument/2006/relationships" xmlns:p="http://schemas.openxmlformats.org/presentationml/2006/main">
   <p:cSld>
     <p:spTree>
@@ -20623,7 +21069,7 @@
 </p:sld>
 </file>
 
-<file path=ppt/slides/slide23.xml><?xml version="1.0" encoding="utf-8"?>
+<file path=ppt/slides/slide24.xml><?xml version="1.0" encoding="utf-8"?>
 <p:sld xmlns:a="http://schemas.openxmlformats.org/drawingml/2006/main" xmlns:r="http://schemas.openxmlformats.org/officeDocument/2006/relationships" xmlns:p="http://schemas.openxmlformats.org/presentationml/2006/main">
   <p:cSld>
     <p:spTree>
@@ -20852,7 +21298,7 @@
 </p:sld>
 </file>
 
-<file path=ppt/slides/slide24.xml><?xml version="1.0" encoding="utf-8"?>
+<file path=ppt/slides/slide25.xml><?xml version="1.0" encoding="utf-8"?>
 <p:sld xmlns:a="http://schemas.openxmlformats.org/drawingml/2006/main" xmlns:r="http://schemas.openxmlformats.org/officeDocument/2006/relationships" xmlns:p="http://schemas.openxmlformats.org/presentationml/2006/main">
   <p:cSld>
     <p:spTree>
@@ -23146,7 +23592,7 @@
 </p:sld>
 </file>
 
-<file path=ppt/slides/slide25.xml><?xml version="1.0" encoding="utf-8"?>
+<file path=ppt/slides/slide26.xml><?xml version="1.0" encoding="utf-8"?>
 <p:sld xmlns:a="http://schemas.openxmlformats.org/drawingml/2006/main" xmlns:r="http://schemas.openxmlformats.org/officeDocument/2006/relationships" xmlns:p="http://schemas.openxmlformats.org/presentationml/2006/main">
   <p:cSld>
     <p:spTree>
@@ -23371,7 +23817,7 @@
 </p:sld>
 </file>
 
-<file path=ppt/slides/slide26.xml><?xml version="1.0" encoding="utf-8"?>
+<file path=ppt/slides/slide27.xml><?xml version="1.0" encoding="utf-8"?>
 <p:sld xmlns:a="http://schemas.openxmlformats.org/drawingml/2006/main" xmlns:r="http://schemas.openxmlformats.org/officeDocument/2006/relationships" xmlns:p="http://schemas.openxmlformats.org/presentationml/2006/main">
   <p:cSld>
     <p:spTree>
@@ -23610,7 +24056,7 @@
 </p:sld>
 </file>
 
-<file path=ppt/slides/slide27.xml><?xml version="1.0" encoding="utf-8"?>
+<file path=ppt/slides/slide28.xml><?xml version="1.0" encoding="utf-8"?>
 <p:sld xmlns:a="http://schemas.openxmlformats.org/drawingml/2006/main" xmlns:r="http://schemas.openxmlformats.org/officeDocument/2006/relationships" xmlns:p="http://schemas.openxmlformats.org/presentationml/2006/main">
   <p:cSld>
     <p:spTree>
@@ -23849,7 +24295,7 @@
 </p:sld>
 </file>
 
-<file path=ppt/slides/slide28.xml><?xml version="1.0" encoding="utf-8"?>
+<file path=ppt/slides/slide29.xml><?xml version="1.0" encoding="utf-8"?>
 <p:sld xmlns:a="http://schemas.openxmlformats.org/drawingml/2006/main" xmlns:r="http://schemas.openxmlformats.org/officeDocument/2006/relationships" xmlns:p="http://schemas.openxmlformats.org/presentationml/2006/main">
   <p:cSld>
     <p:spTree>
@@ -24095,257 +24541,6 @@
               <a:cs typeface="Arial"/>
               <a:sym typeface="Arial"/>
             </a:endParaRPr>
-          </a:p>
-        </p:txBody>
-      </p:sp>
-    </p:spTree>
-  </p:cSld>
-  <p:clrMapOvr>
-    <a:masterClrMapping/>
-  </p:clrMapOvr>
-</p:sld>
-</file>
-
-<file path=ppt/slides/slide29.xml><?xml version="1.0" encoding="utf-8"?>
-<p:sld xmlns:a="http://schemas.openxmlformats.org/drawingml/2006/main" xmlns:r="http://schemas.openxmlformats.org/officeDocument/2006/relationships" xmlns:p="http://schemas.openxmlformats.org/presentationml/2006/main">
-  <p:cSld>
-    <p:spTree>
-      <p:nvGrpSpPr>
-        <p:cNvPr id="1" name="Shape 712"/>
-        <p:cNvGrpSpPr/>
-        <p:nvPr/>
-      </p:nvGrpSpPr>
-      <p:grpSpPr>
-        <a:xfrm>
-          <a:off x="0" y="0"/>
-          <a:ext cx="0" cy="0"/>
-          <a:chOff x="0" y="0"/>
-          <a:chExt cx="0" cy="0"/>
-        </a:xfrm>
-      </p:grpSpPr>
-      <p:sp>
-        <p:nvSpPr>
-          <p:cNvPr id="713" name="Google Shape;713;g1f84e1cf16d_0_11"/>
-          <p:cNvSpPr txBox="1"/>
-          <p:nvPr/>
-        </p:nvSpPr>
-        <p:spPr>
-          <a:xfrm>
-            <a:off x="521763" y="540821"/>
-            <a:ext cx="8196300" cy="523200"/>
-          </a:xfrm>
-          <a:prstGeom prst="rect">
-            <a:avLst/>
-          </a:prstGeom>
-          <a:noFill/>
-          <a:ln>
-            <a:noFill/>
-          </a:ln>
-        </p:spPr>
-        <p:txBody>
-          <a:bodyPr spcFirstLastPara="1" wrap="square" lIns="91425" tIns="45700" rIns="91425" bIns="45700" anchor="t" anchorCtr="0">
-            <a:spAutoFit/>
-          </a:bodyPr>
-          <a:lstStyle/>
-          <a:p>
-            <a:pPr marL="0" marR="0" lvl="0" indent="0" algn="l" rtl="0">
-              <a:lnSpc>
-                <a:spcPct val="150000"/>
-              </a:lnSpc>
-              <a:spcBef>
-                <a:spcPts val="0"/>
-              </a:spcBef>
-              <a:spcAft>
-                <a:spcPts val="0"/>
-              </a:spcAft>
-              <a:buNone/>
-            </a:pPr>
-            <a:r>
-              <a:rPr lang="ko-KR" sz="1200">
-                <a:solidFill>
-                  <a:srgbClr val="F26640"/>
-                </a:solidFill>
-                <a:latin typeface="Arial"/>
-                <a:ea typeface="Arial"/>
-                <a:cs typeface="Arial"/>
-                <a:sym typeface="Arial"/>
-              </a:rPr>
-              <a:t>0</a:t>
-            </a:r>
-            <a:r>
-              <a:rPr lang="ko-KR" sz="1200">
-                <a:solidFill>
-                  <a:srgbClr val="F26640"/>
-                </a:solidFill>
-              </a:rPr>
-              <a:t>6</a:t>
-            </a:r>
-            <a:r>
-              <a:rPr lang="ko-KR" sz="1200">
-                <a:solidFill>
-                  <a:srgbClr val="F26640"/>
-                </a:solidFill>
-                <a:latin typeface="Arial"/>
-                <a:ea typeface="Arial"/>
-                <a:cs typeface="Arial"/>
-                <a:sym typeface="Arial"/>
-              </a:rPr>
-              <a:t>. </a:t>
-            </a:r>
-            <a:r>
-              <a:rPr lang="ko-KR" sz="1200">
-                <a:solidFill>
-                  <a:srgbClr val="F26640"/>
-                </a:solidFill>
-              </a:rPr>
-              <a:t>고도화 방안</a:t>
-            </a:r>
-            <a:endParaRPr sz="1200">
-              <a:solidFill>
-                <a:srgbClr val="F26640"/>
-              </a:solidFill>
-              <a:latin typeface="Arial"/>
-              <a:ea typeface="Arial"/>
-              <a:cs typeface="Arial"/>
-              <a:sym typeface="Arial"/>
-            </a:endParaRPr>
-          </a:p>
-          <a:p>
-            <a:pPr marL="0" marR="0" lvl="0" indent="0" algn="l" rtl="0">
-              <a:lnSpc>
-                <a:spcPct val="150000"/>
-              </a:lnSpc>
-              <a:spcBef>
-                <a:spcPts val="0"/>
-              </a:spcBef>
-              <a:spcAft>
-                <a:spcPts val="0"/>
-              </a:spcAft>
-              <a:buNone/>
-            </a:pPr>
-            <a:r>
-              <a:rPr lang="ko-KR" sz="1000">
-                <a:solidFill>
-                  <a:srgbClr val="595959"/>
-                </a:solidFill>
-                <a:latin typeface="Arial"/>
-                <a:ea typeface="Arial"/>
-                <a:cs typeface="Arial"/>
-                <a:sym typeface="Arial"/>
-              </a:rPr>
-              <a:t>: </a:t>
-            </a:r>
-            <a:endParaRPr sz="1000">
-              <a:solidFill>
-                <a:srgbClr val="595959"/>
-              </a:solidFill>
-              <a:latin typeface="Arial"/>
-              <a:ea typeface="Arial"/>
-              <a:cs typeface="Arial"/>
-              <a:sym typeface="Arial"/>
-            </a:endParaRPr>
-          </a:p>
-        </p:txBody>
-      </p:sp>
-      <p:pic>
-        <p:nvPicPr>
-          <p:cNvPr id="714" name="Google Shape;714;g1f84e1cf16d_0_11"/>
-          <p:cNvPicPr preferRelativeResize="0"/>
-          <p:nvPr/>
-        </p:nvPicPr>
-        <p:blipFill>
-          <a:blip r:embed="rId3">
-            <a:alphaModFix/>
-          </a:blip>
-          <a:stretch>
-            <a:fillRect/>
-          </a:stretch>
-        </p:blipFill>
-        <p:spPr>
-          <a:xfrm>
-            <a:off x="1164500" y="1502076"/>
-            <a:ext cx="3696500" cy="3257375"/>
-          </a:xfrm>
-          <a:prstGeom prst="rect">
-            <a:avLst/>
-          </a:prstGeom>
-          <a:noFill/>
-          <a:ln>
-            <a:noFill/>
-          </a:ln>
-        </p:spPr>
-      </p:pic>
-      <p:sp>
-        <p:nvSpPr>
-          <p:cNvPr id="715" name="Google Shape;715;g1f84e1cf16d_0_11"/>
-          <p:cNvSpPr/>
-          <p:nvPr/>
-        </p:nvSpPr>
-        <p:spPr>
-          <a:xfrm>
-            <a:off x="819150" y="5259550"/>
-            <a:ext cx="4387200" cy="973200"/>
-          </a:xfrm>
-          <a:prstGeom prst="roundRect">
-            <a:avLst>
-              <a:gd name="adj" fmla="val 16667"/>
-            </a:avLst>
-          </a:prstGeom>
-          <a:solidFill>
-            <a:srgbClr val="F26640"/>
-          </a:solidFill>
-          <a:ln>
-            <a:noFill/>
-          </a:ln>
-        </p:spPr>
-        <p:txBody>
-          <a:bodyPr spcFirstLastPara="1" wrap="square" lIns="91425" tIns="45700" rIns="91425" bIns="45700" anchor="ctr" anchorCtr="0">
-            <a:noAutofit/>
-          </a:bodyPr>
-          <a:lstStyle/>
-          <a:p>
-            <a:pPr marL="0" marR="0" lvl="0" indent="0" algn="ctr" rtl="0">
-              <a:spcBef>
-                <a:spcPts val="0"/>
-              </a:spcBef>
-              <a:spcAft>
-                <a:spcPts val="0"/>
-              </a:spcAft>
-              <a:buNone/>
-            </a:pPr>
-            <a:r>
-              <a:rPr lang="ko-KR" sz="1800">
-                <a:solidFill>
-                  <a:schemeClr val="lt1"/>
-                </a:solidFill>
-              </a:rPr>
-              <a:t>주기적으로 토론 대회를 개최해 </a:t>
-            </a:r>
-            <a:endParaRPr sz="1800">
-              <a:solidFill>
-                <a:schemeClr val="lt1"/>
-              </a:solidFill>
-            </a:endParaRPr>
-          </a:p>
-          <a:p>
-            <a:pPr marL="0" marR="0" lvl="0" indent="0" algn="ctr" rtl="0">
-              <a:spcBef>
-                <a:spcPts val="0"/>
-              </a:spcBef>
-              <a:spcAft>
-                <a:spcPts val="0"/>
-              </a:spcAft>
-              <a:buNone/>
-            </a:pPr>
-            <a:r>
-              <a:rPr lang="ko-KR" sz="1800">
-                <a:solidFill>
-                  <a:schemeClr val="lt1"/>
-                </a:solidFill>
-              </a:rPr>
-              <a:t>플랫폼 활성화 및 동기 부여</a:t>
-            </a:r>
-            <a:endParaRPr/>
           </a:p>
         </p:txBody>
       </p:sp>
@@ -24591,6 +24786,257 @@
 </file>
 
 <file path=ppt/slides/slide30.xml><?xml version="1.0" encoding="utf-8"?>
+<p:sld xmlns:a="http://schemas.openxmlformats.org/drawingml/2006/main" xmlns:r="http://schemas.openxmlformats.org/officeDocument/2006/relationships" xmlns:p="http://schemas.openxmlformats.org/presentationml/2006/main">
+  <p:cSld>
+    <p:spTree>
+      <p:nvGrpSpPr>
+        <p:cNvPr id="1" name="Shape 712"/>
+        <p:cNvGrpSpPr/>
+        <p:nvPr/>
+      </p:nvGrpSpPr>
+      <p:grpSpPr>
+        <a:xfrm>
+          <a:off x="0" y="0"/>
+          <a:ext cx="0" cy="0"/>
+          <a:chOff x="0" y="0"/>
+          <a:chExt cx="0" cy="0"/>
+        </a:xfrm>
+      </p:grpSpPr>
+      <p:sp>
+        <p:nvSpPr>
+          <p:cNvPr id="713" name="Google Shape;713;g1f84e1cf16d_0_11"/>
+          <p:cNvSpPr txBox="1"/>
+          <p:nvPr/>
+        </p:nvSpPr>
+        <p:spPr>
+          <a:xfrm>
+            <a:off x="521763" y="540821"/>
+            <a:ext cx="8196300" cy="523200"/>
+          </a:xfrm>
+          <a:prstGeom prst="rect">
+            <a:avLst/>
+          </a:prstGeom>
+          <a:noFill/>
+          <a:ln>
+            <a:noFill/>
+          </a:ln>
+        </p:spPr>
+        <p:txBody>
+          <a:bodyPr spcFirstLastPara="1" wrap="square" lIns="91425" tIns="45700" rIns="91425" bIns="45700" anchor="t" anchorCtr="0">
+            <a:spAutoFit/>
+          </a:bodyPr>
+          <a:lstStyle/>
+          <a:p>
+            <a:pPr marL="0" marR="0" lvl="0" indent="0" algn="l" rtl="0">
+              <a:lnSpc>
+                <a:spcPct val="150000"/>
+              </a:lnSpc>
+              <a:spcBef>
+                <a:spcPts val="0"/>
+              </a:spcBef>
+              <a:spcAft>
+                <a:spcPts val="0"/>
+              </a:spcAft>
+              <a:buNone/>
+            </a:pPr>
+            <a:r>
+              <a:rPr lang="ko-KR" sz="1200">
+                <a:solidFill>
+                  <a:srgbClr val="F26640"/>
+                </a:solidFill>
+                <a:latin typeface="Arial"/>
+                <a:ea typeface="Arial"/>
+                <a:cs typeface="Arial"/>
+                <a:sym typeface="Arial"/>
+              </a:rPr>
+              <a:t>0</a:t>
+            </a:r>
+            <a:r>
+              <a:rPr lang="ko-KR" sz="1200">
+                <a:solidFill>
+                  <a:srgbClr val="F26640"/>
+                </a:solidFill>
+              </a:rPr>
+              <a:t>6</a:t>
+            </a:r>
+            <a:r>
+              <a:rPr lang="ko-KR" sz="1200">
+                <a:solidFill>
+                  <a:srgbClr val="F26640"/>
+                </a:solidFill>
+                <a:latin typeface="Arial"/>
+                <a:ea typeface="Arial"/>
+                <a:cs typeface="Arial"/>
+                <a:sym typeface="Arial"/>
+              </a:rPr>
+              <a:t>. </a:t>
+            </a:r>
+            <a:r>
+              <a:rPr lang="ko-KR" sz="1200">
+                <a:solidFill>
+                  <a:srgbClr val="F26640"/>
+                </a:solidFill>
+              </a:rPr>
+              <a:t>고도화 방안</a:t>
+            </a:r>
+            <a:endParaRPr sz="1200">
+              <a:solidFill>
+                <a:srgbClr val="F26640"/>
+              </a:solidFill>
+              <a:latin typeface="Arial"/>
+              <a:ea typeface="Arial"/>
+              <a:cs typeface="Arial"/>
+              <a:sym typeface="Arial"/>
+            </a:endParaRPr>
+          </a:p>
+          <a:p>
+            <a:pPr marL="0" marR="0" lvl="0" indent="0" algn="l" rtl="0">
+              <a:lnSpc>
+                <a:spcPct val="150000"/>
+              </a:lnSpc>
+              <a:spcBef>
+                <a:spcPts val="0"/>
+              </a:spcBef>
+              <a:spcAft>
+                <a:spcPts val="0"/>
+              </a:spcAft>
+              <a:buNone/>
+            </a:pPr>
+            <a:r>
+              <a:rPr lang="ko-KR" sz="1000">
+                <a:solidFill>
+                  <a:srgbClr val="595959"/>
+                </a:solidFill>
+                <a:latin typeface="Arial"/>
+                <a:ea typeface="Arial"/>
+                <a:cs typeface="Arial"/>
+                <a:sym typeface="Arial"/>
+              </a:rPr>
+              <a:t>: </a:t>
+            </a:r>
+            <a:endParaRPr sz="1000">
+              <a:solidFill>
+                <a:srgbClr val="595959"/>
+              </a:solidFill>
+              <a:latin typeface="Arial"/>
+              <a:ea typeface="Arial"/>
+              <a:cs typeface="Arial"/>
+              <a:sym typeface="Arial"/>
+            </a:endParaRPr>
+          </a:p>
+        </p:txBody>
+      </p:sp>
+      <p:pic>
+        <p:nvPicPr>
+          <p:cNvPr id="714" name="Google Shape;714;g1f84e1cf16d_0_11"/>
+          <p:cNvPicPr preferRelativeResize="0"/>
+          <p:nvPr/>
+        </p:nvPicPr>
+        <p:blipFill>
+          <a:blip r:embed="rId3">
+            <a:alphaModFix/>
+          </a:blip>
+          <a:stretch>
+            <a:fillRect/>
+          </a:stretch>
+        </p:blipFill>
+        <p:spPr>
+          <a:xfrm>
+            <a:off x="1164500" y="1502076"/>
+            <a:ext cx="3696500" cy="3257375"/>
+          </a:xfrm>
+          <a:prstGeom prst="rect">
+            <a:avLst/>
+          </a:prstGeom>
+          <a:noFill/>
+          <a:ln>
+            <a:noFill/>
+          </a:ln>
+        </p:spPr>
+      </p:pic>
+      <p:sp>
+        <p:nvSpPr>
+          <p:cNvPr id="715" name="Google Shape;715;g1f84e1cf16d_0_11"/>
+          <p:cNvSpPr/>
+          <p:nvPr/>
+        </p:nvSpPr>
+        <p:spPr>
+          <a:xfrm>
+            <a:off x="819150" y="5259550"/>
+            <a:ext cx="4387200" cy="973200"/>
+          </a:xfrm>
+          <a:prstGeom prst="roundRect">
+            <a:avLst>
+              <a:gd name="adj" fmla="val 16667"/>
+            </a:avLst>
+          </a:prstGeom>
+          <a:solidFill>
+            <a:srgbClr val="F26640"/>
+          </a:solidFill>
+          <a:ln>
+            <a:noFill/>
+          </a:ln>
+        </p:spPr>
+        <p:txBody>
+          <a:bodyPr spcFirstLastPara="1" wrap="square" lIns="91425" tIns="45700" rIns="91425" bIns="45700" anchor="ctr" anchorCtr="0">
+            <a:noAutofit/>
+          </a:bodyPr>
+          <a:lstStyle/>
+          <a:p>
+            <a:pPr marL="0" marR="0" lvl="0" indent="0" algn="ctr" rtl="0">
+              <a:spcBef>
+                <a:spcPts val="0"/>
+              </a:spcBef>
+              <a:spcAft>
+                <a:spcPts val="0"/>
+              </a:spcAft>
+              <a:buNone/>
+            </a:pPr>
+            <a:r>
+              <a:rPr lang="ko-KR" sz="1800">
+                <a:solidFill>
+                  <a:schemeClr val="lt1"/>
+                </a:solidFill>
+              </a:rPr>
+              <a:t>주기적으로 토론 대회를 개최해 </a:t>
+            </a:r>
+            <a:endParaRPr sz="1800">
+              <a:solidFill>
+                <a:schemeClr val="lt1"/>
+              </a:solidFill>
+            </a:endParaRPr>
+          </a:p>
+          <a:p>
+            <a:pPr marL="0" marR="0" lvl="0" indent="0" algn="ctr" rtl="0">
+              <a:spcBef>
+                <a:spcPts val="0"/>
+              </a:spcBef>
+              <a:spcAft>
+                <a:spcPts val="0"/>
+              </a:spcAft>
+              <a:buNone/>
+            </a:pPr>
+            <a:r>
+              <a:rPr lang="ko-KR" sz="1800">
+                <a:solidFill>
+                  <a:schemeClr val="lt1"/>
+                </a:solidFill>
+              </a:rPr>
+              <a:t>플랫폼 활성화 및 동기 부여</a:t>
+            </a:r>
+            <a:endParaRPr/>
+          </a:p>
+        </p:txBody>
+      </p:sp>
+    </p:spTree>
+  </p:cSld>
+  <p:clrMapOvr>
+    <a:masterClrMapping/>
+  </p:clrMapOvr>
+</p:sld>
+</file>
+
+<file path=ppt/slides/slide31.xml><?xml version="1.0" encoding="utf-8"?>
 <p:sld xmlns:a="http://schemas.openxmlformats.org/drawingml/2006/main" xmlns:r="http://schemas.openxmlformats.org/officeDocument/2006/relationships" xmlns:p="http://schemas.openxmlformats.org/presentationml/2006/main">
   <p:cSld>
     <p:bg>
@@ -25533,11 +25979,11 @@
               <a:gd name="adj" fmla="val 16667"/>
             </a:avLst>
           </a:prstGeom>
-          <a:solidFill>
-            <a:srgbClr val="F26640"/>
-          </a:solidFill>
-          <a:ln>
-            <a:noFill/>
+          <a:noFill/>
+          <a:ln w="19050">
+            <a:solidFill>
+              <a:srgbClr val="F26640"/>
+            </a:solidFill>
           </a:ln>
         </p:spPr>
         <p:txBody>
@@ -25556,46 +26002,138 @@
               <a:buNone/>
             </a:pPr>
             <a:r>
+              <a:rPr lang="ko-KR" sz="1800" dirty="0" smtClean="0">
+                <a:solidFill>
+                  <a:schemeClr val="tx1"/>
+                </a:solidFill>
+              </a:rPr>
+              <a:t>학생들</a:t>
+            </a:r>
+            <a:r>
+              <a:rPr lang="ko-KR" altLang="en-US" sz="1800" dirty="0" smtClean="0">
+                <a:solidFill>
+                  <a:schemeClr val="tx1"/>
+                </a:solidFill>
+              </a:rPr>
+              <a:t>은</a:t>
+            </a:r>
+            <a:r>
+              <a:rPr lang="ko-KR" sz="1800" dirty="0" smtClean="0">
+                <a:solidFill>
+                  <a:schemeClr val="tx1"/>
+                </a:solidFill>
+              </a:rPr>
+              <a:t> </a:t>
+            </a:r>
+            <a:r>
+              <a:rPr lang="ko-KR" sz="1800" dirty="0" err="1">
+                <a:solidFill>
+                  <a:schemeClr val="tx1"/>
+                </a:solidFill>
+              </a:rPr>
+              <a:t>토론·협력</a:t>
+            </a:r>
+            <a:r>
               <a:rPr lang="ko-KR" sz="1800" dirty="0">
                 <a:solidFill>
-                  <a:schemeClr val="lt1"/>
-                </a:solidFill>
-              </a:rPr>
-              <a:t>많은 학생들이 </a:t>
-            </a:r>
-            <a:r>
-              <a:rPr lang="ko-KR" sz="1800" dirty="0" err="1">
-                <a:solidFill>
-                  <a:schemeClr val="lt1"/>
-                </a:solidFill>
-              </a:rPr>
-              <a:t>토론·협력</a:t>
+                  <a:schemeClr val="tx1"/>
+                </a:solidFill>
+              </a:rPr>
+              <a:t> 학습에 대해 흥미를 </a:t>
+            </a:r>
+            <a:r>
+              <a:rPr lang="ko-KR" altLang="en-US" sz="1800" dirty="0" smtClean="0">
+                <a:solidFill>
+                  <a:schemeClr val="tx1"/>
+                </a:solidFill>
+              </a:rPr>
+              <a:t>느끼지만</a:t>
+            </a:r>
+            <a:r>
+              <a:rPr lang="ko-KR" sz="1800" dirty="0" smtClean="0">
+                <a:solidFill>
+                  <a:schemeClr val="tx1"/>
+                </a:solidFill>
+              </a:rPr>
+              <a:t> 교사들</a:t>
+            </a:r>
+            <a:r>
+              <a:rPr lang="ko-KR" altLang="en-US" sz="1800" dirty="0" smtClean="0">
+                <a:solidFill>
+                  <a:schemeClr val="tx1"/>
+                </a:solidFill>
+              </a:rPr>
+              <a:t>이</a:t>
+            </a:r>
+            <a:r>
+              <a:rPr lang="ko-KR" sz="1800" dirty="0" smtClean="0">
+                <a:solidFill>
+                  <a:schemeClr val="tx1"/>
+                </a:solidFill>
+              </a:rPr>
+              <a:t> </a:t>
+            </a:r>
+            <a:r>
+              <a:rPr lang="ko-KR" altLang="en-US" sz="1800" dirty="0" smtClean="0">
+                <a:solidFill>
+                  <a:schemeClr val="tx1"/>
+                </a:solidFill>
+              </a:rPr>
+              <a:t>학습 과정에서</a:t>
+            </a:r>
+            <a:r>
+              <a:rPr lang="ko-KR" sz="1800" dirty="0" smtClean="0">
+                <a:solidFill>
+                  <a:schemeClr val="tx1"/>
+                </a:solidFill>
+              </a:rPr>
+              <a:t> </a:t>
             </a:r>
             <a:r>
               <a:rPr lang="ko-KR" sz="1800" dirty="0">
                 <a:solidFill>
-                  <a:schemeClr val="lt1"/>
-                </a:solidFill>
-              </a:rPr>
-              <a:t> 학습에 대해 흥미를 가지고 있지만 교사들의 </a:t>
-            </a:r>
-            <a:r>
-              <a:rPr lang="ko-KR" sz="1800" dirty="0" err="1">
-                <a:solidFill>
-                  <a:schemeClr val="lt1"/>
-                </a:solidFill>
-              </a:rPr>
-              <a:t>토론·협력</a:t>
+                  <a:schemeClr val="tx1"/>
+                </a:solidFill>
+              </a:rPr>
+              <a:t>어려움을 </a:t>
+            </a:r>
+            <a:r>
+              <a:rPr lang="ko-KR" sz="1800" dirty="0" smtClean="0">
+                <a:solidFill>
+                  <a:schemeClr val="tx1"/>
+                </a:solidFill>
+              </a:rPr>
+              <a:t>느</a:t>
+            </a:r>
+            <a:r>
+              <a:rPr lang="ko-KR" altLang="en-US" sz="1800" dirty="0" smtClean="0">
+                <a:solidFill>
+                  <a:schemeClr val="tx1"/>
+                </a:solidFill>
+              </a:rPr>
+              <a:t>껴</a:t>
+            </a:r>
+            <a:r>
+              <a:rPr lang="ko-KR" sz="1800" dirty="0" smtClean="0">
+                <a:solidFill>
+                  <a:schemeClr val="tx1"/>
+                </a:solidFill>
+              </a:rPr>
+              <a:t> </a:t>
             </a:r>
             <a:r>
               <a:rPr lang="ko-KR" sz="1800" dirty="0">
                 <a:solidFill>
-                  <a:schemeClr val="lt1"/>
-                </a:solidFill>
-              </a:rPr>
-              <a:t> 학습에 대해 어려움을 느끼고 있기 때문에 실천이 어려움 </a:t>
-            </a:r>
-            <a:endParaRPr dirty="0"/>
+                  <a:schemeClr val="tx1"/>
+                </a:solidFill>
+              </a:rPr>
+              <a:t>실천이 어려움 </a:t>
+            </a:r>
+            <a:endParaRPr dirty="0">
+              <a:solidFill>
+                <a:schemeClr val="tx1"/>
+              </a:solidFill>
+            </a:endParaRPr>
           </a:p>
         </p:txBody>
       </p:sp>
@@ -26516,7 +27054,15 @@
                   <a:srgbClr val="F26640"/>
                 </a:solidFill>
               </a:rPr>
-              <a:t> 서비스</a:t>
+              <a:t> </a:t>
+            </a:r>
+            <a:r>
+              <a:rPr lang="ko-KR" altLang="en-US" sz="2000" dirty="0" smtClean="0">
+                <a:solidFill>
+                  <a:srgbClr val="F26640"/>
+                </a:solidFill>
+              </a:rPr>
+              <a:t>플랫폼</a:t>
             </a:r>
             <a:endParaRPr sz="1800" dirty="0"/>
           </a:p>
@@ -26565,7 +27111,63 @@
                   <a:srgbClr val="595959"/>
                 </a:solidFill>
               </a:rPr>
-              <a:t>기존의 서비스는 텍스트로의 한정된 방법으로 토론을 하거나,</a:t>
+              <a:t>기존의 </a:t>
+            </a:r>
+            <a:r>
+              <a:rPr lang="ko-KR" dirty="0" smtClean="0">
+                <a:solidFill>
+                  <a:srgbClr val="595959"/>
+                </a:solidFill>
+              </a:rPr>
+              <a:t>서비스는 텍스트</a:t>
+            </a:r>
+            <a:r>
+              <a:rPr lang="en-US" altLang="ko-KR" dirty="0" smtClean="0">
+                <a:solidFill>
+                  <a:srgbClr val="595959"/>
+                </a:solidFill>
+              </a:rPr>
+              <a:t> </a:t>
+            </a:r>
+            <a:r>
+              <a:rPr lang="ko-KR" altLang="en-US" dirty="0" smtClean="0">
+                <a:solidFill>
+                  <a:srgbClr val="595959"/>
+                </a:solidFill>
+              </a:rPr>
+              <a:t>중심의</a:t>
+            </a:r>
+            <a:r>
+              <a:rPr lang="ko-KR" dirty="0" smtClean="0">
+                <a:solidFill>
+                  <a:srgbClr val="595959"/>
+                </a:solidFill>
+              </a:rPr>
+              <a:t> </a:t>
+            </a:r>
+            <a:r>
+              <a:rPr lang="ko-KR" dirty="0">
+                <a:solidFill>
+                  <a:srgbClr val="595959"/>
+                </a:solidFill>
+              </a:rPr>
+              <a:t>한정된 </a:t>
+            </a:r>
+            <a:r>
+              <a:rPr lang="ko-KR" dirty="0" smtClean="0">
+                <a:solidFill>
+                  <a:srgbClr val="595959"/>
+                </a:solidFill>
+              </a:rPr>
+              <a:t>방법으로 </a:t>
+            </a:r>
+            <a:r>
+              <a:rPr lang="ko-KR" dirty="0">
+                <a:solidFill>
+                  <a:srgbClr val="595959"/>
+                </a:solidFill>
+              </a:rPr>
+              <a:t>토론을 하거나,</a:t>
             </a:r>
             <a:endParaRPr dirty="0">
               <a:solidFill>
@@ -26619,7 +27221,23 @@
                   <a:srgbClr val="595959"/>
                 </a:solidFill>
               </a:rPr>
-              <a:t>우리는 이러한 한계를 넘어 다양한 주제, 사람, 시간 속에서 자유로운</a:t>
+              <a:t>우리는 이러한 한계를 넘어 </a:t>
+            </a:r>
+            <a:r>
+              <a:rPr lang="ko-KR" dirty="0" smtClean="0">
+                <a:solidFill>
+                  <a:srgbClr val="595959"/>
+                </a:solidFill>
+              </a:rPr>
+              <a:t>다양한 주제, 사람, 시간 </a:t>
+            </a:r>
+            <a:r>
+              <a:rPr lang="ko-KR" dirty="0">
+                <a:solidFill>
+                  <a:srgbClr val="595959"/>
+                </a:solidFill>
+              </a:rPr>
+              <a:t>속에서 자유로운</a:t>
             </a:r>
             <a:endParaRPr dirty="0">
               <a:solidFill>
@@ -26899,6 +27517,607 @@
 </file>
 
 <file path=ppt/slides/slide7.xml><?xml version="1.0" encoding="utf-8"?>
+<p:sld xmlns:a="http://schemas.openxmlformats.org/drawingml/2006/main" xmlns:r="http://schemas.openxmlformats.org/officeDocument/2006/relationships" xmlns:p="http://schemas.openxmlformats.org/presentationml/2006/main">
+  <p:cSld>
+    <p:spTree>
+      <p:nvGrpSpPr>
+        <p:cNvPr id="1" name="Shape 187"/>
+        <p:cNvGrpSpPr/>
+        <p:nvPr/>
+      </p:nvGrpSpPr>
+      <p:grpSpPr>
+        <a:xfrm>
+          <a:off x="0" y="0"/>
+          <a:ext cx="0" cy="0"/>
+          <a:chOff x="0" y="0"/>
+          <a:chExt cx="0" cy="0"/>
+        </a:xfrm>
+      </p:grpSpPr>
+      <p:sp>
+        <p:nvSpPr>
+          <p:cNvPr id="188" name="Google Shape;188;g1f67eebd994_9_2"/>
+          <p:cNvSpPr txBox="1"/>
+          <p:nvPr/>
+        </p:nvSpPr>
+        <p:spPr>
+          <a:xfrm>
+            <a:off x="947159" y="2357821"/>
+            <a:ext cx="6314622" cy="400069"/>
+          </a:xfrm>
+          <a:prstGeom prst="rect">
+            <a:avLst/>
+          </a:prstGeom>
+          <a:noFill/>
+          <a:ln>
+            <a:noFill/>
+          </a:ln>
+        </p:spPr>
+        <p:txBody>
+          <a:bodyPr spcFirstLastPara="1" wrap="square" lIns="91425" tIns="45700" rIns="91425" bIns="45700" anchor="t" anchorCtr="0">
+            <a:spAutoFit/>
+          </a:bodyPr>
+          <a:lstStyle/>
+          <a:p>
+            <a:pPr marL="0" marR="0" lvl="0" indent="0" algn="l" rtl="0">
+              <a:spcBef>
+                <a:spcPts val="0"/>
+              </a:spcBef>
+              <a:spcAft>
+                <a:spcPts val="0"/>
+              </a:spcAft>
+              <a:buNone/>
+            </a:pPr>
+            <a:r>
+              <a:rPr lang="ko-KR" sz="2000" dirty="0">
+                <a:solidFill>
+                  <a:srgbClr val="F26640"/>
+                </a:solidFill>
+              </a:rPr>
+              <a:t>자유로운 토론 학습을 위한 </a:t>
+            </a:r>
+            <a:r>
+              <a:rPr lang="ko-KR" sz="2000" b="1" dirty="0">
+                <a:solidFill>
+                  <a:srgbClr val="F26640"/>
+                </a:solidFill>
+              </a:rPr>
+              <a:t>온라인 화상 토론</a:t>
+            </a:r>
+            <a:r>
+              <a:rPr lang="ko-KR" sz="2000" dirty="0">
+                <a:solidFill>
+                  <a:srgbClr val="F26640"/>
+                </a:solidFill>
+              </a:rPr>
+              <a:t> </a:t>
+            </a:r>
+            <a:r>
+              <a:rPr lang="ko-KR" altLang="en-US" sz="2000" dirty="0" smtClean="0">
+                <a:solidFill>
+                  <a:srgbClr val="F26640"/>
+                </a:solidFill>
+              </a:rPr>
+              <a:t>플랫폼</a:t>
+            </a:r>
+            <a:endParaRPr sz="1800" dirty="0"/>
+          </a:p>
+        </p:txBody>
+      </p:sp>
+      <p:sp>
+        <p:nvSpPr>
+          <p:cNvPr id="189" name="Google Shape;189;g1f67eebd994_9_2"/>
+          <p:cNvSpPr txBox="1"/>
+          <p:nvPr/>
+        </p:nvSpPr>
+        <p:spPr>
+          <a:xfrm>
+            <a:off x="947159" y="2925982"/>
+            <a:ext cx="5991353" cy="3108503"/>
+          </a:xfrm>
+          <a:prstGeom prst="rect">
+            <a:avLst/>
+          </a:prstGeom>
+          <a:noFill/>
+          <a:ln>
+            <a:noFill/>
+          </a:ln>
+        </p:spPr>
+        <p:txBody>
+          <a:bodyPr spcFirstLastPara="1" wrap="square" lIns="91425" tIns="45700" rIns="91425" bIns="45700" anchor="t" anchorCtr="0">
+            <a:spAutoFit/>
+          </a:bodyPr>
+          <a:lstStyle/>
+          <a:p>
+            <a:pPr marL="0" marR="0" lvl="0" indent="0" algn="l" rtl="0">
+              <a:lnSpc>
+                <a:spcPct val="200000"/>
+              </a:lnSpc>
+              <a:spcBef>
+                <a:spcPts val="0"/>
+              </a:spcBef>
+              <a:spcAft>
+                <a:spcPts val="0"/>
+              </a:spcAft>
+              <a:buNone/>
+            </a:pPr>
+            <a:r>
+              <a:rPr lang="ko-KR" dirty="0" smtClean="0">
+                <a:solidFill>
+                  <a:srgbClr val="595959"/>
+                </a:solidFill>
+              </a:rPr>
+              <a:t>기존</a:t>
+            </a:r>
+            <a:r>
+              <a:rPr lang="en-US" altLang="ko-KR" dirty="0" smtClean="0">
+                <a:solidFill>
+                  <a:srgbClr val="595959"/>
+                </a:solidFill>
+              </a:rPr>
+              <a:t> </a:t>
+            </a:r>
+            <a:r>
+              <a:rPr lang="ko-KR" altLang="en-US" dirty="0" smtClean="0">
+                <a:solidFill>
+                  <a:srgbClr val="595959"/>
+                </a:solidFill>
+              </a:rPr>
+              <a:t>온라인 토론 </a:t>
+            </a:r>
+            <a:r>
+              <a:rPr lang="ko-KR" dirty="0" smtClean="0">
+                <a:solidFill>
+                  <a:srgbClr val="595959"/>
+                </a:solidFill>
+              </a:rPr>
+              <a:t>서비스는 텍스트</a:t>
+            </a:r>
+            <a:r>
+              <a:rPr lang="en-US" altLang="ko-KR" dirty="0" smtClean="0">
+                <a:solidFill>
+                  <a:srgbClr val="595959"/>
+                </a:solidFill>
+              </a:rPr>
+              <a:t> </a:t>
+            </a:r>
+            <a:r>
+              <a:rPr lang="ko-KR" altLang="en-US" dirty="0" smtClean="0">
+                <a:solidFill>
+                  <a:srgbClr val="595959"/>
+                </a:solidFill>
+              </a:rPr>
+              <a:t>중심의</a:t>
+            </a:r>
+            <a:r>
+              <a:rPr lang="ko-KR" dirty="0" smtClean="0">
+                <a:solidFill>
+                  <a:srgbClr val="595959"/>
+                </a:solidFill>
+              </a:rPr>
+              <a:t> </a:t>
+            </a:r>
+            <a:r>
+              <a:rPr lang="ko-KR" dirty="0">
+                <a:solidFill>
+                  <a:srgbClr val="595959"/>
+                </a:solidFill>
+              </a:rPr>
+              <a:t>한정된 </a:t>
+            </a:r>
+            <a:r>
+              <a:rPr lang="ko-KR" dirty="0" smtClean="0">
+                <a:solidFill>
+                  <a:srgbClr val="595959"/>
+                </a:solidFill>
+              </a:rPr>
+              <a:t>방</a:t>
+            </a:r>
+            <a:r>
+              <a:rPr lang="ko-KR" altLang="en-US" dirty="0" smtClean="0">
+                <a:solidFill>
+                  <a:srgbClr val="595959"/>
+                </a:solidFill>
+              </a:rPr>
+              <a:t>식으로</a:t>
+            </a:r>
+            <a:r>
+              <a:rPr lang="ko-KR" dirty="0" smtClean="0">
+                <a:solidFill>
+                  <a:srgbClr val="595959"/>
+                </a:solidFill>
+              </a:rPr>
+              <a:t> </a:t>
+            </a:r>
+            <a:r>
+              <a:rPr lang="ko-KR" altLang="en-US" dirty="0" smtClean="0">
+                <a:solidFill>
+                  <a:srgbClr val="595959"/>
+                </a:solidFill>
+              </a:rPr>
+              <a:t>참여자와 사회자가 정해져 있지 않고 많은 사람들이 토론에 참가하기 때문에 복잡하고 제대로 된 토론 문화를 배우기 어렵다는 한계가 있습니다</a:t>
+            </a:r>
+            <a:r>
+              <a:rPr lang="en-US" altLang="ko-KR" dirty="0" smtClean="0">
+                <a:solidFill>
+                  <a:srgbClr val="595959"/>
+                </a:solidFill>
+              </a:rPr>
+              <a:t>.</a:t>
+            </a:r>
+            <a:r>
+              <a:rPr lang="ko-KR" altLang="en-US" dirty="0" smtClean="0">
+                <a:solidFill>
+                  <a:srgbClr val="595959"/>
+                </a:solidFill>
+              </a:rPr>
+              <a:t> </a:t>
+            </a:r>
+            <a:endParaRPr dirty="0">
+              <a:solidFill>
+                <a:srgbClr val="595959"/>
+              </a:solidFill>
+            </a:endParaRPr>
+          </a:p>
+          <a:p>
+            <a:pPr marL="0" marR="0" lvl="0" indent="0" algn="l" rtl="0">
+              <a:lnSpc>
+                <a:spcPct val="200000"/>
+              </a:lnSpc>
+              <a:spcBef>
+                <a:spcPts val="0"/>
+              </a:spcBef>
+              <a:spcAft>
+                <a:spcPts val="0"/>
+              </a:spcAft>
+              <a:buNone/>
+            </a:pPr>
+            <a:r>
+              <a:rPr lang="ko-KR" altLang="en-US" dirty="0" smtClean="0">
+                <a:solidFill>
+                  <a:srgbClr val="595959"/>
+                </a:solidFill>
+              </a:rPr>
+              <a:t>저희 팀</a:t>
+            </a:r>
+            <a:r>
+              <a:rPr lang="ko-KR" altLang="en-US" dirty="0">
+                <a:solidFill>
+                  <a:srgbClr val="595959"/>
+                </a:solidFill>
+              </a:rPr>
+              <a:t>은</a:t>
+            </a:r>
+            <a:r>
+              <a:rPr lang="ko-KR" dirty="0" smtClean="0">
+                <a:solidFill>
+                  <a:srgbClr val="595959"/>
+                </a:solidFill>
+              </a:rPr>
+              <a:t> 이러한</a:t>
+            </a:r>
+            <a:r>
+              <a:rPr lang="en-US" altLang="ko-KR" dirty="0" smtClean="0">
+                <a:solidFill>
+                  <a:srgbClr val="595959"/>
+                </a:solidFill>
+              </a:rPr>
+              <a:t> </a:t>
+            </a:r>
+            <a:r>
+              <a:rPr lang="ko-KR" altLang="en-US" dirty="0" smtClean="0">
+                <a:solidFill>
+                  <a:srgbClr val="595959"/>
+                </a:solidFill>
+              </a:rPr>
+              <a:t>온라인 토론의</a:t>
+            </a:r>
+            <a:r>
+              <a:rPr lang="ko-KR" dirty="0" smtClean="0">
+                <a:solidFill>
+                  <a:srgbClr val="595959"/>
+                </a:solidFill>
+              </a:rPr>
+              <a:t> 한계를 넘어</a:t>
+            </a:r>
+            <a:r>
+              <a:rPr lang="en-US" altLang="ko-KR" dirty="0" smtClean="0">
+                <a:solidFill>
+                  <a:srgbClr val="595959"/>
+                </a:solidFill>
+              </a:rPr>
+              <a:t> </a:t>
+            </a:r>
+            <a:r>
+              <a:rPr lang="ko-KR" altLang="en-US" dirty="0" smtClean="0">
+                <a:solidFill>
+                  <a:srgbClr val="595959"/>
+                </a:solidFill>
+              </a:rPr>
+              <a:t>다양한 사람들과  토론을 경험 하면서</a:t>
+            </a:r>
+            <a:endParaRPr dirty="0">
+              <a:solidFill>
+                <a:srgbClr val="595959"/>
+              </a:solidFill>
+            </a:endParaRPr>
+          </a:p>
+          <a:p>
+            <a:pPr marL="0" marR="0" lvl="0" indent="0" algn="l" rtl="0">
+              <a:lnSpc>
+                <a:spcPct val="200000"/>
+              </a:lnSpc>
+              <a:spcBef>
+                <a:spcPts val="0"/>
+              </a:spcBef>
+              <a:spcAft>
+                <a:spcPts val="0"/>
+              </a:spcAft>
+              <a:buNone/>
+            </a:pPr>
+            <a:r>
+              <a:rPr lang="ko-KR" dirty="0">
+                <a:solidFill>
+                  <a:srgbClr val="595959"/>
+                </a:solidFill>
+              </a:rPr>
+              <a:t>토론 경험을 제공한다는 차별점을 바탕으로</a:t>
+            </a:r>
+            <a:endParaRPr dirty="0">
+              <a:solidFill>
+                <a:srgbClr val="595959"/>
+              </a:solidFill>
+            </a:endParaRPr>
+          </a:p>
+          <a:p>
+            <a:pPr marL="0" marR="0" lvl="0" indent="0" algn="l" rtl="0">
+              <a:lnSpc>
+                <a:spcPct val="200000"/>
+              </a:lnSpc>
+              <a:spcBef>
+                <a:spcPts val="0"/>
+              </a:spcBef>
+              <a:spcAft>
+                <a:spcPts val="0"/>
+              </a:spcAft>
+              <a:buNone/>
+            </a:pPr>
+            <a:r>
+              <a:rPr lang="ko-KR" dirty="0">
+                <a:solidFill>
+                  <a:srgbClr val="595959"/>
+                </a:solidFill>
+              </a:rPr>
+              <a:t>자유롭고 편리한 토론 서비스를 제공하려고 합니다.</a:t>
+            </a:r>
+            <a:endParaRPr dirty="0">
+              <a:solidFill>
+                <a:srgbClr val="595959"/>
+              </a:solidFill>
+            </a:endParaRPr>
+          </a:p>
+        </p:txBody>
+      </p:sp>
+      <p:sp>
+        <p:nvSpPr>
+          <p:cNvPr id="190" name="Google Shape;190;g1f67eebd994_9_2"/>
+          <p:cNvSpPr txBox="1"/>
+          <p:nvPr/>
+        </p:nvSpPr>
+        <p:spPr>
+          <a:xfrm>
+            <a:off x="964738" y="2017139"/>
+            <a:ext cx="3892500" cy="338514"/>
+          </a:xfrm>
+          <a:prstGeom prst="rect">
+            <a:avLst/>
+          </a:prstGeom>
+          <a:noFill/>
+          <a:ln>
+            <a:noFill/>
+          </a:ln>
+        </p:spPr>
+        <p:txBody>
+          <a:bodyPr spcFirstLastPara="1" wrap="square" lIns="91425" tIns="45700" rIns="91425" bIns="45700" anchor="t" anchorCtr="0">
+            <a:spAutoFit/>
+          </a:bodyPr>
+          <a:lstStyle/>
+          <a:p>
+            <a:pPr marL="0" marR="0" lvl="0" indent="0" algn="l" rtl="0">
+              <a:spcBef>
+                <a:spcPts val="0"/>
+              </a:spcBef>
+              <a:spcAft>
+                <a:spcPts val="0"/>
+              </a:spcAft>
+              <a:buNone/>
+            </a:pPr>
+            <a:r>
+              <a:rPr lang="ko-KR" sz="1600">
+                <a:solidFill>
+                  <a:srgbClr val="F26640"/>
+                </a:solidFill>
+                <a:latin typeface="Arial"/>
+                <a:ea typeface="Arial"/>
+                <a:cs typeface="Arial"/>
+                <a:sym typeface="Arial"/>
+              </a:rPr>
+              <a:t>About service</a:t>
+            </a:r>
+            <a:endParaRPr sz="1600">
+              <a:solidFill>
+                <a:srgbClr val="F26640"/>
+              </a:solidFill>
+              <a:latin typeface="Arial"/>
+              <a:ea typeface="Arial"/>
+              <a:cs typeface="Arial"/>
+              <a:sym typeface="Arial"/>
+            </a:endParaRPr>
+          </a:p>
+        </p:txBody>
+      </p:sp>
+      <p:pic>
+        <p:nvPicPr>
+          <p:cNvPr id="192" name="Google Shape;192;g1f67eebd994_9_2"/>
+          <p:cNvPicPr preferRelativeResize="0"/>
+          <p:nvPr/>
+        </p:nvPicPr>
+        <p:blipFill rotWithShape="1">
+          <a:blip r:embed="rId3">
+            <a:alphaModFix/>
+          </a:blip>
+          <a:srcRect l="9950" t="8085" r="8914" b="8691"/>
+          <a:stretch/>
+        </p:blipFill>
+        <p:spPr>
+          <a:xfrm>
+            <a:off x="6938512" y="2525395"/>
+            <a:ext cx="4674633" cy="2817058"/>
+          </a:xfrm>
+          <a:prstGeom prst="rect">
+            <a:avLst/>
+          </a:prstGeom>
+          <a:noFill/>
+          <a:ln>
+            <a:noFill/>
+          </a:ln>
+        </p:spPr>
+      </p:pic>
+      <p:sp>
+        <p:nvSpPr>
+          <p:cNvPr id="6" name="TextBox 5">
+            <a:extLst>
+              <a:ext uri="{FF2B5EF4-FFF2-40B4-BE49-F238E27FC236}">
+                <a16:creationId xmlns:a16="http://schemas.microsoft.com/office/drawing/2014/main" id="{31B944E1-C0F3-9AAE-495E-24565AB26AC4}"/>
+              </a:ext>
+            </a:extLst>
+          </p:cNvPr>
+          <p:cNvSpPr txBox="1"/>
+          <p:nvPr/>
+        </p:nvSpPr>
+        <p:spPr>
+          <a:xfrm>
+            <a:off x="2564091" y="255712"/>
+            <a:ext cx="6096000" cy="415627"/>
+          </a:xfrm>
+          <a:prstGeom prst="rect">
+            <a:avLst/>
+          </a:prstGeom>
+          <a:noFill/>
+        </p:spPr>
+        <p:txBody>
+          <a:bodyPr wrap="square" anchor="ctr">
+            <a:spAutoFit/>
+          </a:bodyPr>
+          <a:lstStyle/>
+          <a:p>
+            <a:pPr marL="0" marR="0" lvl="0" indent="0" algn="l" rtl="0">
+              <a:lnSpc>
+                <a:spcPct val="150000"/>
+              </a:lnSpc>
+              <a:spcBef>
+                <a:spcPts val="0"/>
+              </a:spcBef>
+              <a:spcAft>
+                <a:spcPts val="0"/>
+              </a:spcAft>
+              <a:buNone/>
+            </a:pPr>
+            <a:r>
+              <a:rPr lang="ko-KR" altLang="en-US" sz="1600" dirty="0">
+                <a:solidFill>
+                  <a:srgbClr val="595959"/>
+                </a:solidFill>
+                <a:latin typeface="Arial"/>
+                <a:ea typeface="Arial"/>
+                <a:cs typeface="Arial"/>
+                <a:sym typeface="Arial"/>
+              </a:rPr>
+              <a:t>주제 선정 목적</a:t>
+            </a:r>
+          </a:p>
+        </p:txBody>
+      </p:sp>
+      <p:sp>
+        <p:nvSpPr>
+          <p:cNvPr id="7" name="TextBox 6">
+            <a:extLst>
+              <a:ext uri="{FF2B5EF4-FFF2-40B4-BE49-F238E27FC236}">
+                <a16:creationId xmlns:a16="http://schemas.microsoft.com/office/drawing/2014/main" id="{5A795EF8-5A64-8B1B-9D06-945CDD9B1F66}"/>
+              </a:ext>
+            </a:extLst>
+          </p:cNvPr>
+          <p:cNvSpPr txBox="1"/>
+          <p:nvPr/>
+        </p:nvSpPr>
+        <p:spPr>
+          <a:xfrm>
+            <a:off x="323273" y="215253"/>
+            <a:ext cx="2240818" cy="496546"/>
+          </a:xfrm>
+          <a:prstGeom prst="rect">
+            <a:avLst/>
+          </a:prstGeom>
+          <a:noFill/>
+        </p:spPr>
+        <p:txBody>
+          <a:bodyPr wrap="square" anchor="ctr">
+            <a:spAutoFit/>
+          </a:bodyPr>
+          <a:lstStyle/>
+          <a:p>
+            <a:pPr marL="0" marR="0" lvl="0" indent="0" algn="l" rtl="0">
+              <a:lnSpc>
+                <a:spcPct val="150000"/>
+              </a:lnSpc>
+              <a:spcBef>
+                <a:spcPts val="0"/>
+              </a:spcBef>
+              <a:spcAft>
+                <a:spcPts val="0"/>
+              </a:spcAft>
+              <a:buNone/>
+            </a:pPr>
+            <a:r>
+              <a:rPr lang="en-US" altLang="ko-KR" sz="2000" dirty="0">
+                <a:solidFill>
+                  <a:srgbClr val="F26640"/>
+                </a:solidFill>
+                <a:latin typeface="Arial"/>
+                <a:ea typeface="Arial"/>
+                <a:cs typeface="Arial"/>
+                <a:sym typeface="Arial"/>
+              </a:rPr>
+              <a:t>01. </a:t>
+            </a:r>
+            <a:r>
+              <a:rPr lang="ko-KR" altLang="en-US" sz="2000" dirty="0">
+                <a:solidFill>
+                  <a:srgbClr val="F26640"/>
+                </a:solidFill>
+                <a:latin typeface="Arial"/>
+                <a:ea typeface="Arial"/>
+                <a:cs typeface="Arial"/>
+                <a:sym typeface="Arial"/>
+              </a:rPr>
+              <a:t>프로젝트 개요</a:t>
+            </a:r>
+          </a:p>
+        </p:txBody>
+      </p:sp>
+    </p:spTree>
+    <p:extLst>
+      <p:ext uri="{BB962C8B-B14F-4D97-AF65-F5344CB8AC3E}">
+        <p14:creationId xmlns:p14="http://schemas.microsoft.com/office/powerpoint/2010/main" val="629179797"/>
+      </p:ext>
+    </p:extLst>
+  </p:cSld>
+  <p:clrMapOvr>
+    <a:masterClrMapping/>
+  </p:clrMapOvr>
+</p:sld>
+</file>
+
+<file path=ppt/slides/slide8.xml><?xml version="1.0" encoding="utf-8"?>
 <p:sld xmlns:a="http://schemas.openxmlformats.org/drawingml/2006/main" xmlns:r="http://schemas.openxmlformats.org/officeDocument/2006/relationships" xmlns:p="http://schemas.openxmlformats.org/presentationml/2006/main">
   <p:cSld>
     <p:spTree>
@@ -27483,7 +28702,7 @@
 </p:sld>
 </file>
 
-<file path=ppt/slides/slide8.xml><?xml version="1.0" encoding="utf-8"?>
+<file path=ppt/slides/slide9.xml><?xml version="1.0" encoding="utf-8"?>
 <p:sld xmlns:a="http://schemas.openxmlformats.org/drawingml/2006/main" xmlns:r="http://schemas.openxmlformats.org/officeDocument/2006/relationships" xmlns:p="http://schemas.openxmlformats.org/presentationml/2006/main">
   <p:cSld>
     <p:spTree>
@@ -27753,339 +28972,6 @@
                 <a:schemeClr val="lt1"/>
               </a:solidFill>
             </a:endParaRPr>
-          </a:p>
-        </p:txBody>
-      </p:sp>
-    </p:spTree>
-  </p:cSld>
-  <p:clrMapOvr>
-    <a:masterClrMapping/>
-  </p:clrMapOvr>
-</p:sld>
-</file>
-
-<file path=ppt/slides/slide9.xml><?xml version="1.0" encoding="utf-8"?>
-<p:sld xmlns:a="http://schemas.openxmlformats.org/drawingml/2006/main" xmlns:r="http://schemas.openxmlformats.org/officeDocument/2006/relationships" xmlns:p="http://schemas.openxmlformats.org/presentationml/2006/main">
-  <p:cSld>
-    <p:spTree>
-      <p:nvGrpSpPr>
-        <p:cNvPr id="1" name="Shape 359"/>
-        <p:cNvGrpSpPr/>
-        <p:nvPr/>
-      </p:nvGrpSpPr>
-      <p:grpSpPr>
-        <a:xfrm>
-          <a:off x="0" y="0"/>
-          <a:ext cx="0" cy="0"/>
-          <a:chOff x="0" y="0"/>
-          <a:chExt cx="0" cy="0"/>
-        </a:xfrm>
-      </p:grpSpPr>
-      <p:pic>
-        <p:nvPicPr>
-          <p:cNvPr id="361" name="Google Shape;361;p29"/>
-          <p:cNvPicPr preferRelativeResize="0"/>
-          <p:nvPr/>
-        </p:nvPicPr>
-        <p:blipFill>
-          <a:blip r:embed="rId3">
-            <a:alphaModFix/>
-          </a:blip>
-          <a:stretch>
-            <a:fillRect/>
-          </a:stretch>
-        </p:blipFill>
-        <p:spPr>
-          <a:xfrm>
-            <a:off x="1252763" y="2491190"/>
-            <a:ext cx="2937300" cy="2937300"/>
-          </a:xfrm>
-          <a:prstGeom prst="rect">
-            <a:avLst/>
-          </a:prstGeom>
-          <a:noFill/>
-          <a:ln>
-            <a:noFill/>
-          </a:ln>
-        </p:spPr>
-      </p:pic>
-      <p:sp>
-        <p:nvSpPr>
-          <p:cNvPr id="362" name="Google Shape;362;p29"/>
-          <p:cNvSpPr txBox="1"/>
-          <p:nvPr/>
-        </p:nvSpPr>
-        <p:spPr>
-          <a:xfrm>
-            <a:off x="5665886" y="2491190"/>
-            <a:ext cx="4364233" cy="1569620"/>
-          </a:xfrm>
-          <a:prstGeom prst="rect">
-            <a:avLst/>
-          </a:prstGeom>
-          <a:noFill/>
-          <a:ln>
-            <a:noFill/>
-          </a:ln>
-        </p:spPr>
-        <p:txBody>
-          <a:bodyPr spcFirstLastPara="1" wrap="square" lIns="91425" tIns="45700" rIns="91425" bIns="45700" anchor="t" anchorCtr="0">
-            <a:spAutoFit/>
-          </a:bodyPr>
-          <a:lstStyle/>
-          <a:p>
-            <a:pPr marL="0" marR="0" lvl="0" indent="0" algn="l" rtl="0">
-              <a:lnSpc>
-                <a:spcPct val="200000"/>
-              </a:lnSpc>
-              <a:spcBef>
-                <a:spcPts val="0"/>
-              </a:spcBef>
-              <a:spcAft>
-                <a:spcPts val="0"/>
-              </a:spcAft>
-              <a:buNone/>
-            </a:pPr>
-            <a:r>
-              <a:rPr lang="ko-KR" sz="1200" dirty="0">
-                <a:solidFill>
-                  <a:srgbClr val="595959"/>
-                </a:solidFill>
-              </a:rPr>
-              <a:t>아고라는 고대 그리스 도시들에 있었던 회의 장소</a:t>
-            </a:r>
-            <a:endParaRPr sz="1200" dirty="0">
-              <a:solidFill>
-                <a:srgbClr val="595959"/>
-              </a:solidFill>
-            </a:endParaRPr>
-          </a:p>
-          <a:p>
-            <a:pPr marL="0" marR="0" lvl="0" indent="0" algn="l" rtl="0">
-              <a:lnSpc>
-                <a:spcPct val="200000"/>
-              </a:lnSpc>
-              <a:spcBef>
-                <a:spcPts val="0"/>
-              </a:spcBef>
-              <a:spcAft>
-                <a:spcPts val="0"/>
-              </a:spcAft>
-              <a:buNone/>
-            </a:pPr>
-            <a:r>
-              <a:rPr lang="ko-KR" sz="1200" dirty="0">
-                <a:solidFill>
-                  <a:srgbClr val="595959"/>
-                </a:solidFill>
-              </a:rPr>
-              <a:t>도시의 운동, 예술, 정치적인 토론의 중심지</a:t>
-            </a:r>
-            <a:endParaRPr sz="1200" dirty="0">
-              <a:solidFill>
-                <a:srgbClr val="595959"/>
-              </a:solidFill>
-            </a:endParaRPr>
-          </a:p>
-          <a:p>
-            <a:pPr marL="0" marR="0" lvl="0" indent="0" algn="l" rtl="0">
-              <a:lnSpc>
-                <a:spcPct val="200000"/>
-              </a:lnSpc>
-              <a:spcBef>
-                <a:spcPts val="0"/>
-              </a:spcBef>
-              <a:spcAft>
-                <a:spcPts val="0"/>
-              </a:spcAft>
-              <a:buNone/>
-            </a:pPr>
-            <a:r>
-              <a:rPr lang="ko-KR" sz="1200" dirty="0">
-                <a:solidFill>
-                  <a:srgbClr val="595959"/>
-                </a:solidFill>
-              </a:rPr>
-              <a:t>아고라 광장처럼 사람들이 많은 토론을 서비스에서 진행하길 바라는 마음으로 명칭</a:t>
-            </a:r>
-            <a:endParaRPr sz="1200" dirty="0">
-              <a:solidFill>
-                <a:srgbClr val="595959"/>
-              </a:solidFill>
-            </a:endParaRPr>
-          </a:p>
-        </p:txBody>
-      </p:sp>
-      <p:sp>
-        <p:nvSpPr>
-          <p:cNvPr id="363" name="Google Shape;363;p29"/>
-          <p:cNvSpPr txBox="1"/>
-          <p:nvPr/>
-        </p:nvSpPr>
-        <p:spPr>
-          <a:xfrm>
-            <a:off x="930314" y="1822690"/>
-            <a:ext cx="3643993" cy="400200"/>
-          </a:xfrm>
-          <a:prstGeom prst="rect">
-            <a:avLst/>
-          </a:prstGeom>
-          <a:noFill/>
-          <a:ln>
-            <a:noFill/>
-          </a:ln>
-        </p:spPr>
-        <p:txBody>
-          <a:bodyPr spcFirstLastPara="1" wrap="square" lIns="91425" tIns="45700" rIns="91425" bIns="45700" anchor="t" anchorCtr="0">
-            <a:spAutoFit/>
-          </a:bodyPr>
-          <a:lstStyle/>
-          <a:p>
-            <a:pPr marL="0" marR="0" lvl="0" indent="0" algn="ctr" rtl="0">
-              <a:spcBef>
-                <a:spcPts val="0"/>
-              </a:spcBef>
-              <a:spcAft>
-                <a:spcPts val="0"/>
-              </a:spcAft>
-              <a:buNone/>
-            </a:pPr>
-            <a:r>
-              <a:rPr lang="ko-KR" sz="2000">
-                <a:solidFill>
-                  <a:srgbClr val="F26640"/>
-                </a:solidFill>
-              </a:rPr>
-              <a:t>온라인 토론 플랫폼</a:t>
-            </a:r>
-            <a:endParaRPr/>
-          </a:p>
-        </p:txBody>
-      </p:sp>
-      <p:sp>
-        <p:nvSpPr>
-          <p:cNvPr id="2" name="TextBox 1">
-            <a:extLst>
-              <a:ext uri="{FF2B5EF4-FFF2-40B4-BE49-F238E27FC236}">
-                <a16:creationId xmlns:a16="http://schemas.microsoft.com/office/drawing/2014/main" id="{548F5EA8-6411-C7F8-8441-87F4A77D982F}"/>
-              </a:ext>
-            </a:extLst>
-          </p:cNvPr>
-          <p:cNvSpPr txBox="1"/>
-          <p:nvPr/>
-        </p:nvSpPr>
-        <p:spPr>
-          <a:xfrm>
-            <a:off x="2313803" y="252807"/>
-            <a:ext cx="6096000" cy="415627"/>
-          </a:xfrm>
-          <a:prstGeom prst="rect">
-            <a:avLst/>
-          </a:prstGeom>
-          <a:noFill/>
-        </p:spPr>
-        <p:txBody>
-          <a:bodyPr wrap="square" anchor="ctr">
-            <a:spAutoFit/>
-          </a:bodyPr>
-          <a:lstStyle/>
-          <a:p>
-            <a:pPr marL="0" marR="0" lvl="0" indent="0" algn="l" rtl="0">
-              <a:lnSpc>
-                <a:spcPct val="150000"/>
-              </a:lnSpc>
-              <a:spcBef>
-                <a:spcPts val="0"/>
-              </a:spcBef>
-              <a:spcAft>
-                <a:spcPts val="0"/>
-              </a:spcAft>
-              <a:buNone/>
-            </a:pPr>
-            <a:r>
-              <a:rPr lang="ko-KR" altLang="en-US" sz="1600" dirty="0">
-                <a:solidFill>
-                  <a:srgbClr val="595959"/>
-                </a:solidFill>
-              </a:rPr>
-              <a:t>서비스 명칭</a:t>
-            </a:r>
-            <a:endParaRPr lang="ko-KR" altLang="en-US" sz="1600" dirty="0">
-              <a:solidFill>
-                <a:srgbClr val="595959"/>
-              </a:solidFill>
-              <a:latin typeface="Arial"/>
-              <a:ea typeface="Arial"/>
-              <a:cs typeface="Arial"/>
-              <a:sym typeface="Arial"/>
-            </a:endParaRPr>
-          </a:p>
-        </p:txBody>
-      </p:sp>
-      <p:sp>
-        <p:nvSpPr>
-          <p:cNvPr id="3" name="TextBox 2">
-            <a:extLst>
-              <a:ext uri="{FF2B5EF4-FFF2-40B4-BE49-F238E27FC236}">
-                <a16:creationId xmlns:a16="http://schemas.microsoft.com/office/drawing/2014/main" id="{AF7394BD-99BD-FF9F-75E8-4DD537150EE3}"/>
-              </a:ext>
-            </a:extLst>
-          </p:cNvPr>
-          <p:cNvSpPr txBox="1"/>
-          <p:nvPr/>
-        </p:nvSpPr>
-        <p:spPr>
-          <a:xfrm>
-            <a:off x="323273" y="215254"/>
-            <a:ext cx="1948872" cy="496546"/>
-          </a:xfrm>
-          <a:prstGeom prst="rect">
-            <a:avLst/>
-          </a:prstGeom>
-          <a:noFill/>
-        </p:spPr>
-        <p:txBody>
-          <a:bodyPr wrap="square" anchor="ctr">
-            <a:spAutoFit/>
-          </a:bodyPr>
-          <a:lstStyle/>
-          <a:p>
-            <a:pPr marL="0" marR="0" lvl="0" indent="0" algn="l" rtl="0">
-              <a:lnSpc>
-                <a:spcPct val="150000"/>
-              </a:lnSpc>
-              <a:spcBef>
-                <a:spcPts val="0"/>
-              </a:spcBef>
-              <a:spcAft>
-                <a:spcPts val="0"/>
-              </a:spcAft>
-              <a:buNone/>
-            </a:pPr>
-            <a:r>
-              <a:rPr lang="en-US" altLang="ko-KR" sz="2000" dirty="0">
-                <a:solidFill>
-                  <a:srgbClr val="F26640"/>
-                </a:solidFill>
-                <a:latin typeface="Arial"/>
-                <a:ea typeface="Arial"/>
-                <a:cs typeface="Arial"/>
-                <a:sym typeface="Arial"/>
-              </a:rPr>
-              <a:t>02. </a:t>
-            </a:r>
-            <a:r>
-              <a:rPr lang="ko-KR" altLang="en-US" sz="2000" dirty="0">
-                <a:solidFill>
-                  <a:srgbClr val="F26640"/>
-                </a:solidFill>
-                <a:latin typeface="Arial"/>
-                <a:ea typeface="Arial"/>
-                <a:cs typeface="Arial"/>
-                <a:sym typeface="Arial"/>
-              </a:rPr>
-              <a:t>서비스 기획</a:t>
-            </a:r>
           </a:p>
         </p:txBody>
       </p:sp>
